--- a/Earth Observation Tool.pptx
+++ b/Earth Observation Tool.pptx
@@ -6,29 +6,31 @@
   </p:sldMasterIdLst>
   <p:sldIdLst>
     <p:sldId id="257" r:id="rId2"/>
-    <p:sldId id="258" r:id="rId3"/>
-    <p:sldId id="259" r:id="rId4"/>
-    <p:sldId id="261" r:id="rId5"/>
-    <p:sldId id="262" r:id="rId6"/>
-    <p:sldId id="263" r:id="rId7"/>
-    <p:sldId id="260" r:id="rId8"/>
-    <p:sldId id="265" r:id="rId9"/>
-    <p:sldId id="264" r:id="rId10"/>
-    <p:sldId id="266" r:id="rId11"/>
-    <p:sldId id="267" r:id="rId12"/>
-    <p:sldId id="268" r:id="rId13"/>
-    <p:sldId id="269" r:id="rId14"/>
-    <p:sldId id="272" r:id="rId15"/>
-    <p:sldId id="273" r:id="rId16"/>
-    <p:sldId id="277" r:id="rId17"/>
-    <p:sldId id="270" r:id="rId18"/>
-    <p:sldId id="274" r:id="rId19"/>
-    <p:sldId id="275" r:id="rId20"/>
-    <p:sldId id="276" r:id="rId21"/>
-    <p:sldId id="278" r:id="rId22"/>
-    <p:sldId id="279" r:id="rId23"/>
-    <p:sldId id="280" r:id="rId24"/>
-    <p:sldId id="281" r:id="rId25"/>
+    <p:sldId id="284" r:id="rId3"/>
+    <p:sldId id="258" r:id="rId4"/>
+    <p:sldId id="282" r:id="rId5"/>
+    <p:sldId id="259" r:id="rId6"/>
+    <p:sldId id="261" r:id="rId7"/>
+    <p:sldId id="262" r:id="rId8"/>
+    <p:sldId id="263" r:id="rId9"/>
+    <p:sldId id="283" r:id="rId10"/>
+    <p:sldId id="260" r:id="rId11"/>
+    <p:sldId id="265" r:id="rId12"/>
+    <p:sldId id="264" r:id="rId13"/>
+    <p:sldId id="266" r:id="rId14"/>
+    <p:sldId id="267" r:id="rId15"/>
+    <p:sldId id="268" r:id="rId16"/>
+    <p:sldId id="269" r:id="rId17"/>
+    <p:sldId id="272" r:id="rId18"/>
+    <p:sldId id="281" r:id="rId19"/>
+    <p:sldId id="273" r:id="rId20"/>
+    <p:sldId id="270" r:id="rId21"/>
+    <p:sldId id="274" r:id="rId22"/>
+    <p:sldId id="275" r:id="rId23"/>
+    <p:sldId id="276" r:id="rId24"/>
+    <p:sldId id="278" r:id="rId25"/>
+    <p:sldId id="279" r:id="rId26"/>
+    <p:sldId id="280" r:id="rId27"/>
   </p:sldIdLst>
   <p:sldSz cx="12192000" cy="6858000"/>
   <p:notesSz cx="6858000" cy="9144000"/>
@@ -4690,7 +4692,7 @@
           <a:p>
             <a:fld id="{65A4925F-85A3-41F3-B1C4-5F3A710FEBF6}" type="datetimeFigureOut">
               <a:rPr lang="en-US" smtClean="0"/>
-              <a:t>7/4/2024</a:t>
+              <a:t>7/5/2024</a:t>
             </a:fld>
             <a:endParaRPr lang="en-US"/>
           </a:p>
@@ -6078,10 +6080,10 @@
       </p:grpSpPr>
       <p:sp>
         <p:nvSpPr>
-          <p:cNvPr id="3" name="Title 2">
-            <a:extLst>
-              <a:ext uri="{FF2B5EF4-FFF2-40B4-BE49-F238E27FC236}">
-                <a16:creationId xmlns:a16="http://schemas.microsoft.com/office/drawing/2014/main" id="{6E661EF3-7362-BDA3-FC8B-9853BD1FEFC8}"/>
+          <p:cNvPr id="4" name="Title 3">
+            <a:extLst>
+              <a:ext uri="{FF2B5EF4-FFF2-40B4-BE49-F238E27FC236}">
+                <a16:creationId xmlns:a16="http://schemas.microsoft.com/office/drawing/2014/main" id="{B1142372-5260-4E02-A06F-2F5D932E0B4A}"/>
               </a:ext>
             </a:extLst>
           </p:cNvPr>
@@ -6099,17 +6101,21 @@
           <a:p>
             <a:r>
               <a:rPr lang="en-US" dirty="0"/>
-              <a:t>Define Mission</a:t>
+              <a:t>Global req - </a:t>
+            </a:r>
+            <a:r>
+              <a:rPr lang="en-GB" dirty="0"/>
+              <a:t>Define POI</a:t>
             </a:r>
           </a:p>
         </p:txBody>
       </p:sp>
       <p:sp>
         <p:nvSpPr>
-          <p:cNvPr id="4" name="TextBox 3">
-            <a:extLst>
-              <a:ext uri="{FF2B5EF4-FFF2-40B4-BE49-F238E27FC236}">
-                <a16:creationId xmlns:a16="http://schemas.microsoft.com/office/drawing/2014/main" id="{CFB802CD-9334-59EC-402E-DDCE668E6F5D}"/>
+          <p:cNvPr id="3" name="TextBox 2">
+            <a:extLst>
+              <a:ext uri="{FF2B5EF4-FFF2-40B4-BE49-F238E27FC236}">
+                <a16:creationId xmlns:a16="http://schemas.microsoft.com/office/drawing/2014/main" id="{6E5F5470-492F-4BB2-98A0-D1ECD674A623}"/>
               </a:ext>
             </a:extLst>
           </p:cNvPr>
@@ -6118,8 +6124,8 @@
         </p:nvSpPr>
         <p:spPr>
           <a:xfrm>
-            <a:off x="420822" y="1880274"/>
-            <a:ext cx="3467616" cy="369332"/>
+            <a:off x="763595" y="1880274"/>
+            <a:ext cx="2723823" cy="369332"/>
           </a:xfrm>
           <a:prstGeom prst="rect">
             <a:avLst/>
@@ -6134,7 +6140,7 @@
           <a:p>
             <a:r>
               <a:rPr lang="en-US" b="1" dirty="0"/>
-              <a:t>Define Mission requirements</a:t>
+              <a:t>Create Point of interest</a:t>
             </a:r>
           </a:p>
         </p:txBody>
@@ -6144,7 +6150,7 @@
           <p:cNvPr id="5" name="Rectangle: Rounded Corners 4">
             <a:extLst>
               <a:ext uri="{FF2B5EF4-FFF2-40B4-BE49-F238E27FC236}">
-                <a16:creationId xmlns:a16="http://schemas.microsoft.com/office/drawing/2014/main" id="{5C8E4067-0621-0498-B348-33FA2ADC5912}"/>
+                <a16:creationId xmlns:a16="http://schemas.microsoft.com/office/drawing/2014/main" id="{0B73BB9B-7FDF-4BE6-8D56-9A6A34C0C367}"/>
               </a:ext>
             </a:extLst>
           </p:cNvPr>
@@ -6183,6 +6189,2094 @@
             <a:pPr algn="ctr"/>
             <a:r>
               <a:rPr lang="en-US" dirty="0"/>
+              <a:t>Longitude</a:t>
+            </a:r>
+          </a:p>
+        </p:txBody>
+      </p:sp>
+      <p:sp>
+        <p:nvSpPr>
+          <p:cNvPr id="6" name="Rectangle: Rounded Corners 5">
+            <a:extLst>
+              <a:ext uri="{FF2B5EF4-FFF2-40B4-BE49-F238E27FC236}">
+                <a16:creationId xmlns:a16="http://schemas.microsoft.com/office/drawing/2014/main" id="{FB048CA8-6611-4379-B142-40AA28411F27}"/>
+              </a:ext>
+            </a:extLst>
+          </p:cNvPr>
+          <p:cNvSpPr/>
+          <p:nvPr/>
+        </p:nvSpPr>
+        <p:spPr>
+          <a:xfrm>
+            <a:off x="752807" y="2866550"/>
+            <a:ext cx="2650732" cy="369332"/>
+          </a:xfrm>
+          <a:prstGeom prst="roundRect">
+            <a:avLst/>
+          </a:prstGeom>
+        </p:spPr>
+        <p:style>
+          <a:lnRef idx="2">
+            <a:schemeClr val="accent1">
+              <a:shade val="15000"/>
+            </a:schemeClr>
+          </a:lnRef>
+          <a:fillRef idx="1">
+            <a:schemeClr val="accent1"/>
+          </a:fillRef>
+          <a:effectRef idx="0">
+            <a:schemeClr val="accent1"/>
+          </a:effectRef>
+          <a:fontRef idx="minor">
+            <a:schemeClr val="lt1"/>
+          </a:fontRef>
+        </p:style>
+        <p:txBody>
+          <a:bodyPr rtlCol="0" anchor="ctr"/>
+          <a:lstStyle/>
+          <a:p>
+            <a:pPr algn="ctr"/>
+            <a:r>
+              <a:rPr lang="en-US" dirty="0"/>
+              <a:t>Latitude</a:t>
+            </a:r>
+          </a:p>
+        </p:txBody>
+      </p:sp>
+      <p:sp>
+        <p:nvSpPr>
+          <p:cNvPr id="7" name="Oval 6">
+            <a:extLst>
+              <a:ext uri="{FF2B5EF4-FFF2-40B4-BE49-F238E27FC236}">
+                <a16:creationId xmlns:a16="http://schemas.microsoft.com/office/drawing/2014/main" id="{9C875990-FFD6-4BEE-8D22-E355E4378EF0}"/>
+              </a:ext>
+            </a:extLst>
+          </p:cNvPr>
+          <p:cNvSpPr/>
+          <p:nvPr/>
+        </p:nvSpPr>
+        <p:spPr>
+          <a:xfrm>
+            <a:off x="1845744" y="1163819"/>
+            <a:ext cx="559527" cy="555526"/>
+          </a:xfrm>
+          <a:prstGeom prst="ellipse">
+            <a:avLst/>
+          </a:prstGeom>
+        </p:spPr>
+        <p:style>
+          <a:lnRef idx="2">
+            <a:schemeClr val="accent1">
+              <a:shade val="15000"/>
+            </a:schemeClr>
+          </a:lnRef>
+          <a:fillRef idx="1">
+            <a:schemeClr val="accent1"/>
+          </a:fillRef>
+          <a:effectRef idx="0">
+            <a:schemeClr val="accent1"/>
+          </a:effectRef>
+          <a:fontRef idx="minor">
+            <a:schemeClr val="lt1"/>
+          </a:fontRef>
+        </p:style>
+        <p:txBody>
+          <a:bodyPr rtlCol="0" anchor="ctr"/>
+          <a:lstStyle/>
+          <a:p>
+            <a:pPr algn="ctr"/>
+            <a:r>
+              <a:rPr lang="en-US" b="1" dirty="0"/>
+              <a:t>1</a:t>
+            </a:r>
+          </a:p>
+        </p:txBody>
+      </p:sp>
+      <p:sp>
+        <p:nvSpPr>
+          <p:cNvPr id="8" name="TextBox 7">
+            <a:extLst>
+              <a:ext uri="{FF2B5EF4-FFF2-40B4-BE49-F238E27FC236}">
+                <a16:creationId xmlns:a16="http://schemas.microsoft.com/office/drawing/2014/main" id="{51F5C247-60A0-4CAD-9EC6-0D170B7F3727}"/>
+              </a:ext>
+            </a:extLst>
+          </p:cNvPr>
+          <p:cNvSpPr txBox="1"/>
+          <p:nvPr/>
+        </p:nvSpPr>
+        <p:spPr>
+          <a:xfrm>
+            <a:off x="4468022" y="1880274"/>
+            <a:ext cx="2651110" cy="369332"/>
+          </a:xfrm>
+          <a:prstGeom prst="rect">
+            <a:avLst/>
+          </a:prstGeom>
+          <a:noFill/>
+        </p:spPr>
+        <p:txBody>
+          <a:bodyPr wrap="none" rtlCol="0">
+            <a:spAutoFit/>
+          </a:bodyPr>
+          <a:lstStyle/>
+          <a:p>
+            <a:r>
+              <a:rPr lang="en-US" b="1" dirty="0"/>
+              <a:t>Create Area of interest</a:t>
+            </a:r>
+          </a:p>
+        </p:txBody>
+      </p:sp>
+      <p:sp>
+        <p:nvSpPr>
+          <p:cNvPr id="9" name="Rectangle: Rounded Corners 8">
+            <a:extLst>
+              <a:ext uri="{FF2B5EF4-FFF2-40B4-BE49-F238E27FC236}">
+                <a16:creationId xmlns:a16="http://schemas.microsoft.com/office/drawing/2014/main" id="{416FA1D0-E8D3-4F08-A6A7-2A48DDF69D85}"/>
+              </a:ext>
+            </a:extLst>
+          </p:cNvPr>
+          <p:cNvSpPr/>
+          <p:nvPr/>
+        </p:nvSpPr>
+        <p:spPr>
+          <a:xfrm>
+            <a:off x="4438520" y="2410536"/>
+            <a:ext cx="2650732" cy="369332"/>
+          </a:xfrm>
+          <a:prstGeom prst="roundRect">
+            <a:avLst/>
+          </a:prstGeom>
+        </p:spPr>
+        <p:style>
+          <a:lnRef idx="2">
+            <a:schemeClr val="accent1">
+              <a:shade val="15000"/>
+            </a:schemeClr>
+          </a:lnRef>
+          <a:fillRef idx="1">
+            <a:schemeClr val="accent1"/>
+          </a:fillRef>
+          <a:effectRef idx="0">
+            <a:schemeClr val="accent1"/>
+          </a:effectRef>
+          <a:fontRef idx="minor">
+            <a:schemeClr val="lt1"/>
+          </a:fontRef>
+        </p:style>
+        <p:txBody>
+          <a:bodyPr rtlCol="0" anchor="ctr"/>
+          <a:lstStyle/>
+          <a:p>
+            <a:pPr algn="ctr"/>
+            <a:r>
+              <a:rPr lang="en-US" dirty="0"/>
+              <a:t>Longitude x2</a:t>
+            </a:r>
+          </a:p>
+        </p:txBody>
+      </p:sp>
+      <p:sp>
+        <p:nvSpPr>
+          <p:cNvPr id="10" name="Rectangle: Rounded Corners 9">
+            <a:extLst>
+              <a:ext uri="{FF2B5EF4-FFF2-40B4-BE49-F238E27FC236}">
+                <a16:creationId xmlns:a16="http://schemas.microsoft.com/office/drawing/2014/main" id="{0030D021-1ECC-4885-BE95-33C1BCD95502}"/>
+              </a:ext>
+            </a:extLst>
+          </p:cNvPr>
+          <p:cNvSpPr/>
+          <p:nvPr/>
+        </p:nvSpPr>
+        <p:spPr>
+          <a:xfrm>
+            <a:off x="4438520" y="2866550"/>
+            <a:ext cx="2650732" cy="369332"/>
+          </a:xfrm>
+          <a:prstGeom prst="roundRect">
+            <a:avLst/>
+          </a:prstGeom>
+        </p:spPr>
+        <p:style>
+          <a:lnRef idx="2">
+            <a:schemeClr val="accent1">
+              <a:shade val="15000"/>
+            </a:schemeClr>
+          </a:lnRef>
+          <a:fillRef idx="1">
+            <a:schemeClr val="accent1"/>
+          </a:fillRef>
+          <a:effectRef idx="0">
+            <a:schemeClr val="accent1"/>
+          </a:effectRef>
+          <a:fontRef idx="minor">
+            <a:schemeClr val="lt1"/>
+          </a:fontRef>
+        </p:style>
+        <p:txBody>
+          <a:bodyPr rtlCol="0" anchor="ctr"/>
+          <a:lstStyle/>
+          <a:p>
+            <a:pPr algn="ctr"/>
+            <a:r>
+              <a:rPr lang="en-US" dirty="0"/>
+              <a:t>Latitude x2</a:t>
+            </a:r>
+          </a:p>
+        </p:txBody>
+      </p:sp>
+      <p:sp>
+        <p:nvSpPr>
+          <p:cNvPr id="11" name="Oval 10">
+            <a:extLst>
+              <a:ext uri="{FF2B5EF4-FFF2-40B4-BE49-F238E27FC236}">
+                <a16:creationId xmlns:a16="http://schemas.microsoft.com/office/drawing/2014/main" id="{6A3275BC-C669-48A9-9BBA-DBBF064EA32E}"/>
+              </a:ext>
+            </a:extLst>
+          </p:cNvPr>
+          <p:cNvSpPr/>
+          <p:nvPr/>
+        </p:nvSpPr>
+        <p:spPr>
+          <a:xfrm>
+            <a:off x="5531457" y="1163819"/>
+            <a:ext cx="559527" cy="555526"/>
+          </a:xfrm>
+          <a:prstGeom prst="ellipse">
+            <a:avLst/>
+          </a:prstGeom>
+        </p:spPr>
+        <p:style>
+          <a:lnRef idx="2">
+            <a:schemeClr val="accent1">
+              <a:shade val="15000"/>
+            </a:schemeClr>
+          </a:lnRef>
+          <a:fillRef idx="1">
+            <a:schemeClr val="accent1"/>
+          </a:fillRef>
+          <a:effectRef idx="0">
+            <a:schemeClr val="accent1"/>
+          </a:effectRef>
+          <a:fontRef idx="minor">
+            <a:schemeClr val="lt1"/>
+          </a:fontRef>
+        </p:style>
+        <p:txBody>
+          <a:bodyPr rtlCol="0" anchor="ctr"/>
+          <a:lstStyle/>
+          <a:p>
+            <a:pPr algn="ctr"/>
+            <a:r>
+              <a:rPr lang="en-US" b="1" dirty="0"/>
+              <a:t>1</a:t>
+            </a:r>
+          </a:p>
+        </p:txBody>
+      </p:sp>
+      <p:sp>
+        <p:nvSpPr>
+          <p:cNvPr id="16" name="TextBox 15">
+            <a:extLst>
+              <a:ext uri="{FF2B5EF4-FFF2-40B4-BE49-F238E27FC236}">
+                <a16:creationId xmlns:a16="http://schemas.microsoft.com/office/drawing/2014/main" id="{E58076ED-6755-4F4C-9E2F-007B12C06710}"/>
+              </a:ext>
+            </a:extLst>
+          </p:cNvPr>
+          <p:cNvSpPr txBox="1"/>
+          <p:nvPr/>
+        </p:nvSpPr>
+        <p:spPr>
+          <a:xfrm>
+            <a:off x="3702906" y="1256916"/>
+            <a:ext cx="530915" cy="369332"/>
+          </a:xfrm>
+          <a:prstGeom prst="rect">
+            <a:avLst/>
+          </a:prstGeom>
+          <a:noFill/>
+        </p:spPr>
+        <p:txBody>
+          <a:bodyPr wrap="none" rtlCol="0">
+            <a:spAutoFit/>
+          </a:bodyPr>
+          <a:lstStyle/>
+          <a:p>
+            <a:r>
+              <a:rPr lang="en-US" b="1" dirty="0"/>
+              <a:t>OR</a:t>
+            </a:r>
+          </a:p>
+        </p:txBody>
+      </p:sp>
+      <p:sp>
+        <p:nvSpPr>
+          <p:cNvPr id="12" name="Rectangle: Rounded Corners 11">
+            <a:extLst>
+              <a:ext uri="{FF2B5EF4-FFF2-40B4-BE49-F238E27FC236}">
+                <a16:creationId xmlns:a16="http://schemas.microsoft.com/office/drawing/2014/main" id="{E9F91EF8-0BCD-45C2-ABA1-D1FB38AD892A}"/>
+              </a:ext>
+            </a:extLst>
+          </p:cNvPr>
+          <p:cNvSpPr/>
+          <p:nvPr/>
+        </p:nvSpPr>
+        <p:spPr>
+          <a:xfrm>
+            <a:off x="4438520" y="3322564"/>
+            <a:ext cx="2650732" cy="369332"/>
+          </a:xfrm>
+          <a:prstGeom prst="roundRect">
+            <a:avLst/>
+          </a:prstGeom>
+        </p:spPr>
+        <p:style>
+          <a:lnRef idx="2">
+            <a:schemeClr val="accent1">
+              <a:shade val="15000"/>
+            </a:schemeClr>
+          </a:lnRef>
+          <a:fillRef idx="1">
+            <a:schemeClr val="accent1"/>
+          </a:fillRef>
+          <a:effectRef idx="0">
+            <a:schemeClr val="accent1"/>
+          </a:effectRef>
+          <a:fontRef idx="minor">
+            <a:schemeClr val="lt1"/>
+          </a:fontRef>
+        </p:style>
+        <p:txBody>
+          <a:bodyPr rtlCol="0" anchor="ctr"/>
+          <a:lstStyle/>
+          <a:p>
+            <a:pPr algn="ctr"/>
+            <a:r>
+              <a:rPr lang="en-US" dirty="0"/>
+              <a:t>Resolution step</a:t>
+            </a:r>
+          </a:p>
+        </p:txBody>
+      </p:sp>
+    </p:spTree>
+    <p:extLst>
+      <p:ext uri="{BB962C8B-B14F-4D97-AF65-F5344CB8AC3E}">
+        <p14:creationId xmlns:p14="http://schemas.microsoft.com/office/powerpoint/2010/main" val="3572655291"/>
+      </p:ext>
+    </p:extLst>
+  </p:cSld>
+  <p:clrMapOvr>
+    <a:masterClrMapping/>
+  </p:clrMapOvr>
+</p:sld>
+</file>
+
+<file path=ppt/slides/slide11.xml><?xml version="1.0" encoding="utf-8"?>
+<p:sld xmlns:a="http://schemas.openxmlformats.org/drawingml/2006/main" xmlns:r="http://schemas.openxmlformats.org/officeDocument/2006/relationships" xmlns:p="http://schemas.openxmlformats.org/presentationml/2006/main">
+  <p:cSld>
+    <p:spTree>
+      <p:nvGrpSpPr>
+        <p:cNvPr id="1" name=""/>
+        <p:cNvGrpSpPr/>
+        <p:nvPr/>
+      </p:nvGrpSpPr>
+      <p:grpSpPr>
+        <a:xfrm>
+          <a:off x="0" y="0"/>
+          <a:ext cx="0" cy="0"/>
+          <a:chOff x="0" y="0"/>
+          <a:chExt cx="0" cy="0"/>
+        </a:xfrm>
+      </p:grpSpPr>
+      <p:sp>
+        <p:nvSpPr>
+          <p:cNvPr id="3" name="Title 2">
+            <a:extLst>
+              <a:ext uri="{FF2B5EF4-FFF2-40B4-BE49-F238E27FC236}">
+                <a16:creationId xmlns:a16="http://schemas.microsoft.com/office/drawing/2014/main" id="{6E661EF3-7362-BDA3-FC8B-9853BD1FEFC8}"/>
+              </a:ext>
+            </a:extLst>
+          </p:cNvPr>
+          <p:cNvSpPr>
+            <a:spLocks noGrp="1"/>
+          </p:cNvSpPr>
+          <p:nvPr>
+            <p:ph type="title"/>
+          </p:nvPr>
+        </p:nvSpPr>
+        <p:spPr/>
+        <p:txBody>
+          <a:bodyPr/>
+          <a:lstStyle/>
+          <a:p>
+            <a:r>
+              <a:rPr lang="en-US" dirty="0"/>
+              <a:t>Global req - Define GROUND SEGMENT</a:t>
+            </a:r>
+          </a:p>
+        </p:txBody>
+      </p:sp>
+      <p:sp>
+        <p:nvSpPr>
+          <p:cNvPr id="4" name="TextBox 3">
+            <a:extLst>
+              <a:ext uri="{FF2B5EF4-FFF2-40B4-BE49-F238E27FC236}">
+                <a16:creationId xmlns:a16="http://schemas.microsoft.com/office/drawing/2014/main" id="{CFB802CD-9334-59EC-402E-DDCE668E6F5D}"/>
+              </a:ext>
+            </a:extLst>
+          </p:cNvPr>
+          <p:cNvSpPr txBox="1"/>
+          <p:nvPr/>
+        </p:nvSpPr>
+        <p:spPr>
+          <a:xfrm>
+            <a:off x="420822" y="1880274"/>
+            <a:ext cx="3672800" cy="369332"/>
+          </a:xfrm>
+          <a:prstGeom prst="rect">
+            <a:avLst/>
+          </a:prstGeom>
+          <a:noFill/>
+        </p:spPr>
+        <p:txBody>
+          <a:bodyPr wrap="none" rtlCol="0">
+            <a:spAutoFit/>
+          </a:bodyPr>
+          <a:lstStyle/>
+          <a:p>
+            <a:r>
+              <a:rPr lang="en-US" b="1" dirty="0"/>
+              <a:t>Create Ground Station Location</a:t>
+            </a:r>
+          </a:p>
+        </p:txBody>
+      </p:sp>
+      <p:sp>
+        <p:nvSpPr>
+          <p:cNvPr id="5" name="Rectangle: Rounded Corners 4">
+            <a:extLst>
+              <a:ext uri="{FF2B5EF4-FFF2-40B4-BE49-F238E27FC236}">
+                <a16:creationId xmlns:a16="http://schemas.microsoft.com/office/drawing/2014/main" id="{5C8E4067-0621-0498-B348-33FA2ADC5912}"/>
+              </a:ext>
+            </a:extLst>
+          </p:cNvPr>
+          <p:cNvSpPr/>
+          <p:nvPr/>
+        </p:nvSpPr>
+        <p:spPr>
+          <a:xfrm>
+            <a:off x="752807" y="2410536"/>
+            <a:ext cx="2650732" cy="369332"/>
+          </a:xfrm>
+          <a:prstGeom prst="roundRect">
+            <a:avLst/>
+          </a:prstGeom>
+        </p:spPr>
+        <p:style>
+          <a:lnRef idx="2">
+            <a:schemeClr val="accent1">
+              <a:shade val="15000"/>
+            </a:schemeClr>
+          </a:lnRef>
+          <a:fillRef idx="1">
+            <a:schemeClr val="accent1"/>
+          </a:fillRef>
+          <a:effectRef idx="0">
+            <a:schemeClr val="accent1"/>
+          </a:effectRef>
+          <a:fontRef idx="minor">
+            <a:schemeClr val="lt1"/>
+          </a:fontRef>
+        </p:style>
+        <p:txBody>
+          <a:bodyPr rtlCol="0" anchor="ctr"/>
+          <a:lstStyle/>
+          <a:p>
+            <a:pPr algn="ctr"/>
+            <a:r>
+              <a:rPr lang="en-US" dirty="0"/>
+              <a:t>Longitude</a:t>
+            </a:r>
+          </a:p>
+        </p:txBody>
+      </p:sp>
+      <p:sp>
+        <p:nvSpPr>
+          <p:cNvPr id="6" name="Rectangle: Rounded Corners 5">
+            <a:extLst>
+              <a:ext uri="{FF2B5EF4-FFF2-40B4-BE49-F238E27FC236}">
+                <a16:creationId xmlns:a16="http://schemas.microsoft.com/office/drawing/2014/main" id="{D64AD407-427B-1EB3-B0AE-B453A73D300A}"/>
+              </a:ext>
+            </a:extLst>
+          </p:cNvPr>
+          <p:cNvSpPr/>
+          <p:nvPr/>
+        </p:nvSpPr>
+        <p:spPr>
+          <a:xfrm>
+            <a:off x="752807" y="2866550"/>
+            <a:ext cx="2650732" cy="369332"/>
+          </a:xfrm>
+          <a:prstGeom prst="roundRect">
+            <a:avLst/>
+          </a:prstGeom>
+        </p:spPr>
+        <p:style>
+          <a:lnRef idx="2">
+            <a:schemeClr val="accent1">
+              <a:shade val="15000"/>
+            </a:schemeClr>
+          </a:lnRef>
+          <a:fillRef idx="1">
+            <a:schemeClr val="accent1"/>
+          </a:fillRef>
+          <a:effectRef idx="0">
+            <a:schemeClr val="accent1"/>
+          </a:effectRef>
+          <a:fontRef idx="minor">
+            <a:schemeClr val="lt1"/>
+          </a:fontRef>
+        </p:style>
+        <p:txBody>
+          <a:bodyPr rtlCol="0" anchor="ctr"/>
+          <a:lstStyle/>
+          <a:p>
+            <a:pPr algn="ctr"/>
+            <a:r>
+              <a:rPr lang="en-US" dirty="0"/>
+              <a:t>Latitude</a:t>
+            </a:r>
+          </a:p>
+        </p:txBody>
+      </p:sp>
+      <p:sp>
+        <p:nvSpPr>
+          <p:cNvPr id="7" name="Oval 6">
+            <a:extLst>
+              <a:ext uri="{FF2B5EF4-FFF2-40B4-BE49-F238E27FC236}">
+                <a16:creationId xmlns:a16="http://schemas.microsoft.com/office/drawing/2014/main" id="{62F2DBDF-2B8F-44EF-97F7-C25CDF54DD30}"/>
+              </a:ext>
+            </a:extLst>
+          </p:cNvPr>
+          <p:cNvSpPr/>
+          <p:nvPr/>
+        </p:nvSpPr>
+        <p:spPr>
+          <a:xfrm>
+            <a:off x="1845744" y="1163819"/>
+            <a:ext cx="559527" cy="555526"/>
+          </a:xfrm>
+          <a:prstGeom prst="ellipse">
+            <a:avLst/>
+          </a:prstGeom>
+        </p:spPr>
+        <p:style>
+          <a:lnRef idx="2">
+            <a:schemeClr val="accent1">
+              <a:shade val="15000"/>
+            </a:schemeClr>
+          </a:lnRef>
+          <a:fillRef idx="1">
+            <a:schemeClr val="accent1"/>
+          </a:fillRef>
+          <a:effectRef idx="0">
+            <a:schemeClr val="accent1"/>
+          </a:effectRef>
+          <a:fontRef idx="minor">
+            <a:schemeClr val="lt1"/>
+          </a:fontRef>
+        </p:style>
+        <p:txBody>
+          <a:bodyPr rtlCol="0" anchor="ctr"/>
+          <a:lstStyle/>
+          <a:p>
+            <a:pPr algn="ctr"/>
+            <a:r>
+              <a:rPr lang="en-US" b="1" dirty="0"/>
+              <a:t>1</a:t>
+            </a:r>
+          </a:p>
+        </p:txBody>
+      </p:sp>
+      <p:sp>
+        <p:nvSpPr>
+          <p:cNvPr id="8" name="Oval 7">
+            <a:extLst>
+              <a:ext uri="{FF2B5EF4-FFF2-40B4-BE49-F238E27FC236}">
+                <a16:creationId xmlns:a16="http://schemas.microsoft.com/office/drawing/2014/main" id="{5EB8F9C6-1966-4D58-BA92-01D67489FCFA}"/>
+              </a:ext>
+            </a:extLst>
+          </p:cNvPr>
+          <p:cNvSpPr/>
+          <p:nvPr/>
+        </p:nvSpPr>
+        <p:spPr>
+          <a:xfrm>
+            <a:off x="5518367" y="1163819"/>
+            <a:ext cx="559527" cy="555526"/>
+          </a:xfrm>
+          <a:prstGeom prst="ellipse">
+            <a:avLst/>
+          </a:prstGeom>
+        </p:spPr>
+        <p:style>
+          <a:lnRef idx="2">
+            <a:schemeClr val="accent1">
+              <a:shade val="15000"/>
+            </a:schemeClr>
+          </a:lnRef>
+          <a:fillRef idx="1">
+            <a:schemeClr val="accent1"/>
+          </a:fillRef>
+          <a:effectRef idx="0">
+            <a:schemeClr val="accent1"/>
+          </a:effectRef>
+          <a:fontRef idx="minor">
+            <a:schemeClr val="lt1"/>
+          </a:fontRef>
+        </p:style>
+        <p:txBody>
+          <a:bodyPr rtlCol="0" anchor="ctr"/>
+          <a:lstStyle/>
+          <a:p>
+            <a:pPr algn="ctr"/>
+            <a:r>
+              <a:rPr lang="en-US" b="1" dirty="0"/>
+              <a:t>2</a:t>
+            </a:r>
+          </a:p>
+        </p:txBody>
+      </p:sp>
+      <p:sp>
+        <p:nvSpPr>
+          <p:cNvPr id="9" name="TextBox 8">
+            <a:extLst>
+              <a:ext uri="{FF2B5EF4-FFF2-40B4-BE49-F238E27FC236}">
+                <a16:creationId xmlns:a16="http://schemas.microsoft.com/office/drawing/2014/main" id="{D0D27E75-584C-4711-90F1-203A174B55B4}"/>
+              </a:ext>
+            </a:extLst>
+          </p:cNvPr>
+          <p:cNvSpPr txBox="1"/>
+          <p:nvPr/>
+        </p:nvSpPr>
+        <p:spPr>
+          <a:xfrm>
+            <a:off x="4019439" y="1880274"/>
+            <a:ext cx="3557384" cy="369332"/>
+          </a:xfrm>
+          <a:prstGeom prst="rect">
+            <a:avLst/>
+          </a:prstGeom>
+          <a:noFill/>
+        </p:spPr>
+        <p:txBody>
+          <a:bodyPr wrap="none" rtlCol="0">
+            <a:spAutoFit/>
+          </a:bodyPr>
+          <a:lstStyle/>
+          <a:p>
+            <a:r>
+              <a:rPr lang="en-US" b="1" dirty="0"/>
+              <a:t>Ground Station characteristics</a:t>
+            </a:r>
+          </a:p>
+        </p:txBody>
+      </p:sp>
+      <p:sp>
+        <p:nvSpPr>
+          <p:cNvPr id="10" name="Rectangle: Rounded Corners 9">
+            <a:extLst>
+              <a:ext uri="{FF2B5EF4-FFF2-40B4-BE49-F238E27FC236}">
+                <a16:creationId xmlns:a16="http://schemas.microsoft.com/office/drawing/2014/main" id="{46506307-D898-4509-8CB0-782A2653DD2B}"/>
+              </a:ext>
+            </a:extLst>
+          </p:cNvPr>
+          <p:cNvSpPr/>
+          <p:nvPr/>
+        </p:nvSpPr>
+        <p:spPr>
+          <a:xfrm>
+            <a:off x="4482908" y="2410536"/>
+            <a:ext cx="2650732" cy="369332"/>
+          </a:xfrm>
+          <a:prstGeom prst="roundRect">
+            <a:avLst/>
+          </a:prstGeom>
+        </p:spPr>
+        <p:style>
+          <a:lnRef idx="2">
+            <a:schemeClr val="accent1">
+              <a:shade val="15000"/>
+            </a:schemeClr>
+          </a:lnRef>
+          <a:fillRef idx="1">
+            <a:schemeClr val="accent1"/>
+          </a:fillRef>
+          <a:effectRef idx="0">
+            <a:schemeClr val="accent1"/>
+          </a:effectRef>
+          <a:fontRef idx="minor">
+            <a:schemeClr val="lt1"/>
+          </a:fontRef>
+        </p:style>
+        <p:txBody>
+          <a:bodyPr rtlCol="0" anchor="ctr"/>
+          <a:lstStyle/>
+          <a:p>
+            <a:pPr algn="ctr"/>
+            <a:r>
+              <a:rPr lang="en-US" dirty="0"/>
+              <a:t>elevation</a:t>
+            </a:r>
+          </a:p>
+        </p:txBody>
+      </p:sp>
+      <p:sp>
+        <p:nvSpPr>
+          <p:cNvPr id="11" name="Rectangle: Rounded Corners 10">
+            <a:extLst>
+              <a:ext uri="{FF2B5EF4-FFF2-40B4-BE49-F238E27FC236}">
+                <a16:creationId xmlns:a16="http://schemas.microsoft.com/office/drawing/2014/main" id="{5E094444-3DDA-45C6-AC02-34644FE59A24}"/>
+              </a:ext>
+            </a:extLst>
+          </p:cNvPr>
+          <p:cNvSpPr/>
+          <p:nvPr/>
+        </p:nvSpPr>
+        <p:spPr>
+          <a:xfrm>
+            <a:off x="4482908" y="2866550"/>
+            <a:ext cx="2650732" cy="369332"/>
+          </a:xfrm>
+          <a:prstGeom prst="roundRect">
+            <a:avLst/>
+          </a:prstGeom>
+        </p:spPr>
+        <p:style>
+          <a:lnRef idx="2">
+            <a:schemeClr val="accent1">
+              <a:shade val="15000"/>
+            </a:schemeClr>
+          </a:lnRef>
+          <a:fillRef idx="1">
+            <a:schemeClr val="accent1"/>
+          </a:fillRef>
+          <a:effectRef idx="0">
+            <a:schemeClr val="accent1"/>
+          </a:effectRef>
+          <a:fontRef idx="minor">
+            <a:schemeClr val="lt1"/>
+          </a:fontRef>
+        </p:style>
+        <p:txBody>
+          <a:bodyPr rtlCol="0" anchor="ctr"/>
+          <a:lstStyle/>
+          <a:p>
+            <a:pPr algn="ctr"/>
+            <a:r>
+              <a:rPr lang="en-US" dirty="0"/>
+              <a:t>Orbital arc</a:t>
+            </a:r>
+          </a:p>
+        </p:txBody>
+      </p:sp>
+      <p:sp>
+        <p:nvSpPr>
+          <p:cNvPr id="12" name="Rectangle: Rounded Corners 11">
+            <a:extLst>
+              <a:ext uri="{FF2B5EF4-FFF2-40B4-BE49-F238E27FC236}">
+                <a16:creationId xmlns:a16="http://schemas.microsoft.com/office/drawing/2014/main" id="{619F1686-ABE6-48B8-A0D2-6A88C8565CD0}"/>
+              </a:ext>
+            </a:extLst>
+          </p:cNvPr>
+          <p:cNvSpPr/>
+          <p:nvPr/>
+        </p:nvSpPr>
+        <p:spPr>
+          <a:xfrm>
+            <a:off x="4482908" y="3308272"/>
+            <a:ext cx="2650732" cy="369332"/>
+          </a:xfrm>
+          <a:prstGeom prst="roundRect">
+            <a:avLst/>
+          </a:prstGeom>
+        </p:spPr>
+        <p:style>
+          <a:lnRef idx="2">
+            <a:schemeClr val="accent1">
+              <a:shade val="15000"/>
+            </a:schemeClr>
+          </a:lnRef>
+          <a:fillRef idx="1">
+            <a:schemeClr val="accent1"/>
+          </a:fillRef>
+          <a:effectRef idx="0">
+            <a:schemeClr val="accent1"/>
+          </a:effectRef>
+          <a:fontRef idx="minor">
+            <a:schemeClr val="lt1"/>
+          </a:fontRef>
+        </p:style>
+        <p:txBody>
+          <a:bodyPr rtlCol="0" anchor="ctr"/>
+          <a:lstStyle/>
+          <a:p>
+            <a:pPr algn="ctr"/>
+            <a:r>
+              <a:rPr lang="en-US" dirty="0"/>
+              <a:t>data</a:t>
+            </a:r>
+          </a:p>
+        </p:txBody>
+      </p:sp>
+      <p:sp>
+        <p:nvSpPr>
+          <p:cNvPr id="13" name="Rectangle: Rounded Corners 12">
+            <a:extLst>
+              <a:ext uri="{FF2B5EF4-FFF2-40B4-BE49-F238E27FC236}">
+                <a16:creationId xmlns:a16="http://schemas.microsoft.com/office/drawing/2014/main" id="{9F9A3B37-B6BE-4291-B769-0B023537397E}"/>
+              </a:ext>
+            </a:extLst>
+          </p:cNvPr>
+          <p:cNvSpPr/>
+          <p:nvPr/>
+        </p:nvSpPr>
+        <p:spPr>
+          <a:xfrm>
+            <a:off x="4482908" y="3764286"/>
+            <a:ext cx="2650732" cy="369332"/>
+          </a:xfrm>
+          <a:prstGeom prst="roundRect">
+            <a:avLst/>
+          </a:prstGeom>
+        </p:spPr>
+        <p:style>
+          <a:lnRef idx="2">
+            <a:schemeClr val="accent1">
+              <a:shade val="15000"/>
+            </a:schemeClr>
+          </a:lnRef>
+          <a:fillRef idx="1">
+            <a:schemeClr val="accent1"/>
+          </a:fillRef>
+          <a:effectRef idx="0">
+            <a:schemeClr val="accent1"/>
+          </a:effectRef>
+          <a:fontRef idx="minor">
+            <a:schemeClr val="lt1"/>
+          </a:fontRef>
+        </p:style>
+        <p:txBody>
+          <a:bodyPr rtlCol="0" anchor="ctr"/>
+          <a:lstStyle/>
+          <a:p>
+            <a:pPr algn="ctr"/>
+            <a:r>
+              <a:rPr lang="en-US" dirty="0"/>
+              <a:t>bandwidth</a:t>
+            </a:r>
+          </a:p>
+        </p:txBody>
+      </p:sp>
+      <p:sp>
+        <p:nvSpPr>
+          <p:cNvPr id="14" name="Oval 13">
+            <a:extLst>
+              <a:ext uri="{FF2B5EF4-FFF2-40B4-BE49-F238E27FC236}">
+                <a16:creationId xmlns:a16="http://schemas.microsoft.com/office/drawing/2014/main" id="{33DF1263-8A66-496B-9C53-1E23F01589D0}"/>
+              </a:ext>
+            </a:extLst>
+          </p:cNvPr>
+          <p:cNvSpPr/>
+          <p:nvPr/>
+        </p:nvSpPr>
+        <p:spPr>
+          <a:xfrm>
+            <a:off x="9318714" y="1163819"/>
+            <a:ext cx="559527" cy="555526"/>
+          </a:xfrm>
+          <a:prstGeom prst="ellipse">
+            <a:avLst/>
+          </a:prstGeom>
+        </p:spPr>
+        <p:style>
+          <a:lnRef idx="2">
+            <a:schemeClr val="accent1">
+              <a:shade val="15000"/>
+            </a:schemeClr>
+          </a:lnRef>
+          <a:fillRef idx="1">
+            <a:schemeClr val="accent1"/>
+          </a:fillRef>
+          <a:effectRef idx="0">
+            <a:schemeClr val="accent1"/>
+          </a:effectRef>
+          <a:fontRef idx="minor">
+            <a:schemeClr val="lt1"/>
+          </a:fontRef>
+        </p:style>
+        <p:txBody>
+          <a:bodyPr rtlCol="0" anchor="ctr"/>
+          <a:lstStyle/>
+          <a:p>
+            <a:pPr algn="ctr"/>
+            <a:r>
+              <a:rPr lang="en-US" b="1" dirty="0"/>
+              <a:t>3</a:t>
+            </a:r>
+          </a:p>
+        </p:txBody>
+      </p:sp>
+      <p:sp>
+        <p:nvSpPr>
+          <p:cNvPr id="15" name="TextBox 14">
+            <a:extLst>
+              <a:ext uri="{FF2B5EF4-FFF2-40B4-BE49-F238E27FC236}">
+                <a16:creationId xmlns:a16="http://schemas.microsoft.com/office/drawing/2014/main" id="{5CBA3EA7-E0EC-42AF-859A-5FE47108802F}"/>
+              </a:ext>
+            </a:extLst>
+          </p:cNvPr>
+          <p:cNvSpPr txBox="1"/>
+          <p:nvPr/>
+        </p:nvSpPr>
+        <p:spPr>
+          <a:xfrm>
+            <a:off x="8161267" y="1787941"/>
+            <a:ext cx="2874420" cy="923330"/>
+          </a:xfrm>
+          <a:prstGeom prst="rect">
+            <a:avLst/>
+          </a:prstGeom>
+          <a:noFill/>
+        </p:spPr>
+        <p:txBody>
+          <a:bodyPr wrap="square" rtlCol="0">
+            <a:spAutoFit/>
+          </a:bodyPr>
+          <a:lstStyle/>
+          <a:p>
+            <a:pPr algn="ctr"/>
+            <a:r>
+              <a:rPr lang="en-US" b="1" dirty="0"/>
+              <a:t>Associate GS characteristics to GS location</a:t>
+            </a:r>
+          </a:p>
+        </p:txBody>
+      </p:sp>
+      <p:sp>
+        <p:nvSpPr>
+          <p:cNvPr id="16" name="TextBox 15">
+            <a:extLst>
+              <a:ext uri="{FF2B5EF4-FFF2-40B4-BE49-F238E27FC236}">
+                <a16:creationId xmlns:a16="http://schemas.microsoft.com/office/drawing/2014/main" id="{7FC80D53-027E-4F85-B7BC-2EC40F182D51}"/>
+              </a:ext>
+            </a:extLst>
+          </p:cNvPr>
+          <p:cNvSpPr txBox="1"/>
+          <p:nvPr/>
+        </p:nvSpPr>
+        <p:spPr>
+          <a:xfrm>
+            <a:off x="8161267" y="4733548"/>
+            <a:ext cx="2874420" cy="923330"/>
+          </a:xfrm>
+          <a:prstGeom prst="rect">
+            <a:avLst/>
+          </a:prstGeom>
+          <a:noFill/>
+        </p:spPr>
+        <p:txBody>
+          <a:bodyPr wrap="square" rtlCol="0">
+            <a:spAutoFit/>
+          </a:bodyPr>
+          <a:lstStyle/>
+          <a:p>
+            <a:pPr algn="ctr"/>
+            <a:r>
+              <a:rPr lang="en-US" b="1" dirty="0"/>
+              <a:t>Option: Import pre-existing data</a:t>
+            </a:r>
+          </a:p>
+          <a:p>
+            <a:pPr algn="ctr"/>
+            <a:endParaRPr lang="en-US" b="1" dirty="0"/>
+          </a:p>
+        </p:txBody>
+      </p:sp>
+    </p:spTree>
+    <p:extLst>
+      <p:ext uri="{BB962C8B-B14F-4D97-AF65-F5344CB8AC3E}">
+        <p14:creationId xmlns:p14="http://schemas.microsoft.com/office/powerpoint/2010/main" val="75018955"/>
+      </p:ext>
+    </p:extLst>
+  </p:cSld>
+  <p:clrMapOvr>
+    <a:masterClrMapping/>
+  </p:clrMapOvr>
+</p:sld>
+</file>
+
+<file path=ppt/slides/slide12.xml><?xml version="1.0" encoding="utf-8"?>
+<p:sld xmlns:a="http://schemas.openxmlformats.org/drawingml/2006/main" xmlns:r="http://schemas.openxmlformats.org/officeDocument/2006/relationships" xmlns:p="http://schemas.openxmlformats.org/presentationml/2006/main">
+  <p:cSld>
+    <p:spTree>
+      <p:nvGrpSpPr>
+        <p:cNvPr id="1" name=""/>
+        <p:cNvGrpSpPr/>
+        <p:nvPr/>
+      </p:nvGrpSpPr>
+      <p:grpSpPr>
+        <a:xfrm>
+          <a:off x="0" y="0"/>
+          <a:ext cx="0" cy="0"/>
+          <a:chOff x="0" y="0"/>
+          <a:chExt cx="0" cy="0"/>
+        </a:xfrm>
+      </p:grpSpPr>
+      <p:sp>
+        <p:nvSpPr>
+          <p:cNvPr id="3" name="Title 2">
+            <a:extLst>
+              <a:ext uri="{FF2B5EF4-FFF2-40B4-BE49-F238E27FC236}">
+                <a16:creationId xmlns:a16="http://schemas.microsoft.com/office/drawing/2014/main" id="{CE8310E7-BE30-A220-3EEE-36ADD906249E}"/>
+              </a:ext>
+            </a:extLst>
+          </p:cNvPr>
+          <p:cNvSpPr>
+            <a:spLocks noGrp="1"/>
+          </p:cNvSpPr>
+          <p:nvPr>
+            <p:ph type="title"/>
+          </p:nvPr>
+        </p:nvSpPr>
+        <p:spPr/>
+        <p:txBody>
+          <a:bodyPr/>
+          <a:lstStyle/>
+          <a:p>
+            <a:r>
+              <a:rPr lang="en-US" dirty="0"/>
+              <a:t>Global req - CONSTELLATION DEFINITION</a:t>
+            </a:r>
+          </a:p>
+        </p:txBody>
+      </p:sp>
+      <p:sp>
+        <p:nvSpPr>
+          <p:cNvPr id="4" name="TextBox 3">
+            <a:extLst>
+              <a:ext uri="{FF2B5EF4-FFF2-40B4-BE49-F238E27FC236}">
+                <a16:creationId xmlns:a16="http://schemas.microsoft.com/office/drawing/2014/main" id="{00949F80-28B8-D228-2880-C6861C6B4450}"/>
+              </a:ext>
+            </a:extLst>
+          </p:cNvPr>
+          <p:cNvSpPr txBox="1"/>
+          <p:nvPr/>
+        </p:nvSpPr>
+        <p:spPr>
+          <a:xfrm>
+            <a:off x="1373722" y="1711312"/>
+            <a:ext cx="1479892" cy="369332"/>
+          </a:xfrm>
+          <a:prstGeom prst="rect">
+            <a:avLst/>
+          </a:prstGeom>
+          <a:noFill/>
+        </p:spPr>
+        <p:txBody>
+          <a:bodyPr wrap="none" rtlCol="0">
+            <a:spAutoFit/>
+          </a:bodyPr>
+          <a:lstStyle/>
+          <a:p>
+            <a:r>
+              <a:rPr lang="en-US" b="1" dirty="0"/>
+              <a:t>Create orbit</a:t>
+            </a:r>
+          </a:p>
+        </p:txBody>
+      </p:sp>
+      <p:sp>
+        <p:nvSpPr>
+          <p:cNvPr id="5" name="Oval 4">
+            <a:extLst>
+              <a:ext uri="{FF2B5EF4-FFF2-40B4-BE49-F238E27FC236}">
+                <a16:creationId xmlns:a16="http://schemas.microsoft.com/office/drawing/2014/main" id="{82E59C7A-9E20-E504-4CF7-E7FB99685551}"/>
+              </a:ext>
+            </a:extLst>
+          </p:cNvPr>
+          <p:cNvSpPr/>
+          <p:nvPr/>
+        </p:nvSpPr>
+        <p:spPr>
+          <a:xfrm>
+            <a:off x="1845744" y="1163819"/>
+            <a:ext cx="559527" cy="555526"/>
+          </a:xfrm>
+          <a:prstGeom prst="ellipse">
+            <a:avLst/>
+          </a:prstGeom>
+        </p:spPr>
+        <p:style>
+          <a:lnRef idx="2">
+            <a:schemeClr val="accent1">
+              <a:shade val="15000"/>
+            </a:schemeClr>
+          </a:lnRef>
+          <a:fillRef idx="1">
+            <a:schemeClr val="accent1"/>
+          </a:fillRef>
+          <a:effectRef idx="0">
+            <a:schemeClr val="accent1"/>
+          </a:effectRef>
+          <a:fontRef idx="minor">
+            <a:schemeClr val="lt1"/>
+          </a:fontRef>
+        </p:style>
+        <p:txBody>
+          <a:bodyPr rtlCol="0" anchor="ctr"/>
+          <a:lstStyle/>
+          <a:p>
+            <a:pPr algn="ctr"/>
+            <a:r>
+              <a:rPr lang="en-US" b="1" dirty="0"/>
+              <a:t>1</a:t>
+            </a:r>
+          </a:p>
+        </p:txBody>
+      </p:sp>
+      <p:sp>
+        <p:nvSpPr>
+          <p:cNvPr id="6" name="Rectangle: Rounded Corners 5">
+            <a:extLst>
+              <a:ext uri="{FF2B5EF4-FFF2-40B4-BE49-F238E27FC236}">
+                <a16:creationId xmlns:a16="http://schemas.microsoft.com/office/drawing/2014/main" id="{FF79BA29-2221-A6F4-529B-2AAA993F89E0}"/>
+              </a:ext>
+            </a:extLst>
+          </p:cNvPr>
+          <p:cNvSpPr/>
+          <p:nvPr/>
+        </p:nvSpPr>
+        <p:spPr>
+          <a:xfrm>
+            <a:off x="770562" y="2159336"/>
+            <a:ext cx="2650732" cy="369332"/>
+          </a:xfrm>
+          <a:prstGeom prst="roundRect">
+            <a:avLst/>
+          </a:prstGeom>
+        </p:spPr>
+        <p:style>
+          <a:lnRef idx="2">
+            <a:schemeClr val="accent1">
+              <a:shade val="15000"/>
+            </a:schemeClr>
+          </a:lnRef>
+          <a:fillRef idx="1">
+            <a:schemeClr val="accent1"/>
+          </a:fillRef>
+          <a:effectRef idx="0">
+            <a:schemeClr val="accent1"/>
+          </a:effectRef>
+          <a:fontRef idx="minor">
+            <a:schemeClr val="lt1"/>
+          </a:fontRef>
+        </p:style>
+        <p:txBody>
+          <a:bodyPr rtlCol="0" anchor="ctr"/>
+          <a:lstStyle/>
+          <a:p>
+            <a:pPr algn="ctr"/>
+            <a:r>
+              <a:rPr lang="en-US" dirty="0"/>
+              <a:t>Number of plane</a:t>
+            </a:r>
+          </a:p>
+        </p:txBody>
+      </p:sp>
+      <p:sp>
+        <p:nvSpPr>
+          <p:cNvPr id="7" name="Rectangle: Rounded Corners 6">
+            <a:extLst>
+              <a:ext uri="{FF2B5EF4-FFF2-40B4-BE49-F238E27FC236}">
+                <a16:creationId xmlns:a16="http://schemas.microsoft.com/office/drawing/2014/main" id="{F87EF0A4-080C-BF8F-3E37-BF7D34F11D6D}"/>
+              </a:ext>
+            </a:extLst>
+          </p:cNvPr>
+          <p:cNvSpPr/>
+          <p:nvPr/>
+        </p:nvSpPr>
+        <p:spPr>
+          <a:xfrm>
+            <a:off x="770562" y="2615350"/>
+            <a:ext cx="2650732" cy="369332"/>
+          </a:xfrm>
+          <a:prstGeom prst="roundRect">
+            <a:avLst/>
+          </a:prstGeom>
+        </p:spPr>
+        <p:style>
+          <a:lnRef idx="2">
+            <a:schemeClr val="accent1">
+              <a:shade val="15000"/>
+            </a:schemeClr>
+          </a:lnRef>
+          <a:fillRef idx="1">
+            <a:schemeClr val="accent1"/>
+          </a:fillRef>
+          <a:effectRef idx="0">
+            <a:schemeClr val="accent1"/>
+          </a:effectRef>
+          <a:fontRef idx="minor">
+            <a:schemeClr val="lt1"/>
+          </a:fontRef>
+        </p:style>
+        <p:txBody>
+          <a:bodyPr rtlCol="0" anchor="ctr"/>
+          <a:lstStyle/>
+          <a:p>
+            <a:pPr algn="ctr"/>
+            <a:r>
+              <a:rPr lang="en-US" dirty="0"/>
+              <a:t>Altitude</a:t>
+            </a:r>
+          </a:p>
+        </p:txBody>
+      </p:sp>
+      <p:sp>
+        <p:nvSpPr>
+          <p:cNvPr id="8" name="Rectangle: Rounded Corners 7">
+            <a:extLst>
+              <a:ext uri="{FF2B5EF4-FFF2-40B4-BE49-F238E27FC236}">
+                <a16:creationId xmlns:a16="http://schemas.microsoft.com/office/drawing/2014/main" id="{35C5691D-C7F0-5C43-B0A8-57830D6FFC53}"/>
+              </a:ext>
+            </a:extLst>
+          </p:cNvPr>
+          <p:cNvSpPr/>
+          <p:nvPr/>
+        </p:nvSpPr>
+        <p:spPr>
+          <a:xfrm>
+            <a:off x="770562" y="3071364"/>
+            <a:ext cx="2650732" cy="369332"/>
+          </a:xfrm>
+          <a:prstGeom prst="roundRect">
+            <a:avLst/>
+          </a:prstGeom>
+        </p:spPr>
+        <p:style>
+          <a:lnRef idx="2">
+            <a:schemeClr val="accent1">
+              <a:shade val="15000"/>
+            </a:schemeClr>
+          </a:lnRef>
+          <a:fillRef idx="1">
+            <a:schemeClr val="accent1"/>
+          </a:fillRef>
+          <a:effectRef idx="0">
+            <a:schemeClr val="accent1"/>
+          </a:effectRef>
+          <a:fontRef idx="minor">
+            <a:schemeClr val="lt1"/>
+          </a:fontRef>
+        </p:style>
+        <p:txBody>
+          <a:bodyPr rtlCol="0" anchor="ctr"/>
+          <a:lstStyle/>
+          <a:p>
+            <a:pPr algn="ctr"/>
+            <a:r>
+              <a:rPr lang="en-US" dirty="0"/>
+              <a:t>Sat per plane</a:t>
+            </a:r>
+          </a:p>
+        </p:txBody>
+      </p:sp>
+      <p:sp>
+        <p:nvSpPr>
+          <p:cNvPr id="9" name="Rectangle: Rounded Corners 8">
+            <a:extLst>
+              <a:ext uri="{FF2B5EF4-FFF2-40B4-BE49-F238E27FC236}">
+                <a16:creationId xmlns:a16="http://schemas.microsoft.com/office/drawing/2014/main" id="{662C2C96-69A3-B4BF-2D2A-AA0C2583315A}"/>
+              </a:ext>
+            </a:extLst>
+          </p:cNvPr>
+          <p:cNvSpPr/>
+          <p:nvPr/>
+        </p:nvSpPr>
+        <p:spPr>
+          <a:xfrm>
+            <a:off x="770562" y="3527378"/>
+            <a:ext cx="2650732" cy="369332"/>
+          </a:xfrm>
+          <a:prstGeom prst="roundRect">
+            <a:avLst/>
+          </a:prstGeom>
+        </p:spPr>
+        <p:style>
+          <a:lnRef idx="2">
+            <a:schemeClr val="accent1">
+              <a:shade val="15000"/>
+            </a:schemeClr>
+          </a:lnRef>
+          <a:fillRef idx="1">
+            <a:schemeClr val="accent1"/>
+          </a:fillRef>
+          <a:effectRef idx="0">
+            <a:schemeClr val="accent1"/>
+          </a:effectRef>
+          <a:fontRef idx="minor">
+            <a:schemeClr val="lt1"/>
+          </a:fontRef>
+        </p:style>
+        <p:txBody>
+          <a:bodyPr rtlCol="0" anchor="ctr"/>
+          <a:lstStyle/>
+          <a:p>
+            <a:pPr algn="ctr"/>
+            <a:r>
+              <a:rPr lang="en-US" dirty="0"/>
+              <a:t>Inclination</a:t>
+            </a:r>
+          </a:p>
+        </p:txBody>
+      </p:sp>
+      <p:pic>
+        <p:nvPicPr>
+          <p:cNvPr id="12" name="Graphic 11" descr="Badge Follow outline">
+            <a:extLst>
+              <a:ext uri="{FF2B5EF4-FFF2-40B4-BE49-F238E27FC236}">
+                <a16:creationId xmlns:a16="http://schemas.microsoft.com/office/drawing/2014/main" id="{311DB9C6-93D6-4DE3-79A0-AA25C58F33F0}"/>
+              </a:ext>
+            </a:extLst>
+          </p:cNvPr>
+          <p:cNvPicPr>
+            <a:picLocks noChangeAspect="1"/>
+          </p:cNvPicPr>
+          <p:nvPr/>
+        </p:nvPicPr>
+        <p:blipFill>
+          <a:blip r:embed="rId2">
+            <a:extLst>
+              <a:ext uri="{28A0092B-C50C-407E-A947-70E740481C1C}">
+                <a14:useLocalDpi xmlns:a14="http://schemas.microsoft.com/office/drawing/2010/main" val="0"/>
+              </a:ext>
+              <a:ext uri="{96DAC541-7B7A-43D3-8B79-37D633B846F1}">
+                <asvg:svgBlip xmlns:asvg="http://schemas.microsoft.com/office/drawing/2016/SVG/main" r:embed="rId3"/>
+              </a:ext>
+            </a:extLst>
+          </a:blip>
+          <a:stretch>
+            <a:fillRect/>
+          </a:stretch>
+        </p:blipFill>
+        <p:spPr>
+          <a:xfrm>
+            <a:off x="1630177" y="3904292"/>
+            <a:ext cx="914400" cy="914400"/>
+          </a:xfrm>
+          <a:prstGeom prst="rect">
+            <a:avLst/>
+          </a:prstGeom>
+        </p:spPr>
+      </p:pic>
+      <p:sp>
+        <p:nvSpPr>
+          <p:cNvPr id="13" name="Rectangle: Rounded Corners 12">
+            <a:extLst>
+              <a:ext uri="{FF2B5EF4-FFF2-40B4-BE49-F238E27FC236}">
+                <a16:creationId xmlns:a16="http://schemas.microsoft.com/office/drawing/2014/main" id="{9658A6FB-1FCB-4754-577E-327134705F14}"/>
+              </a:ext>
+            </a:extLst>
+          </p:cNvPr>
+          <p:cNvSpPr/>
+          <p:nvPr/>
+        </p:nvSpPr>
+        <p:spPr>
+          <a:xfrm>
+            <a:off x="771950" y="4834395"/>
+            <a:ext cx="2650732" cy="369332"/>
+          </a:xfrm>
+          <a:prstGeom prst="roundRect">
+            <a:avLst/>
+          </a:prstGeom>
+          <a:solidFill>
+            <a:schemeClr val="accent2"/>
+          </a:solidFill>
+        </p:spPr>
+        <p:style>
+          <a:lnRef idx="2">
+            <a:schemeClr val="accent1">
+              <a:shade val="15000"/>
+            </a:schemeClr>
+          </a:lnRef>
+          <a:fillRef idx="1">
+            <a:schemeClr val="accent1"/>
+          </a:fillRef>
+          <a:effectRef idx="0">
+            <a:schemeClr val="accent1"/>
+          </a:effectRef>
+          <a:fontRef idx="minor">
+            <a:schemeClr val="lt1"/>
+          </a:fontRef>
+        </p:style>
+        <p:txBody>
+          <a:bodyPr rtlCol="0" anchor="ctr"/>
+          <a:lstStyle/>
+          <a:p>
+            <a:pPr algn="ctr"/>
+            <a:r>
+              <a:rPr lang="en-US" dirty="0"/>
+              <a:t>Add orbit definition</a:t>
+            </a:r>
+          </a:p>
+        </p:txBody>
+      </p:sp>
+      <p:sp>
+        <p:nvSpPr>
+          <p:cNvPr id="14" name="TextBox 13">
+            <a:extLst>
+              <a:ext uri="{FF2B5EF4-FFF2-40B4-BE49-F238E27FC236}">
+                <a16:creationId xmlns:a16="http://schemas.microsoft.com/office/drawing/2014/main" id="{EDE09EB6-68DA-1919-B462-937F58650535}"/>
+              </a:ext>
+            </a:extLst>
+          </p:cNvPr>
+          <p:cNvSpPr txBox="1"/>
+          <p:nvPr/>
+        </p:nvSpPr>
+        <p:spPr>
+          <a:xfrm>
+            <a:off x="4080401" y="1717982"/>
+            <a:ext cx="1851789" cy="369332"/>
+          </a:xfrm>
+          <a:prstGeom prst="rect">
+            <a:avLst/>
+          </a:prstGeom>
+          <a:noFill/>
+        </p:spPr>
+        <p:txBody>
+          <a:bodyPr wrap="none" rtlCol="0">
+            <a:spAutoFit/>
+          </a:bodyPr>
+          <a:lstStyle/>
+          <a:p>
+            <a:r>
+              <a:rPr lang="en-US" b="1" dirty="0"/>
+              <a:t>Create Payload</a:t>
+            </a:r>
+          </a:p>
+        </p:txBody>
+      </p:sp>
+      <p:sp>
+        <p:nvSpPr>
+          <p:cNvPr id="15" name="Oval 14">
+            <a:extLst>
+              <a:ext uri="{FF2B5EF4-FFF2-40B4-BE49-F238E27FC236}">
+                <a16:creationId xmlns:a16="http://schemas.microsoft.com/office/drawing/2014/main" id="{F483D9AC-C1EA-BDFF-B70D-76DA6D4165BD}"/>
+              </a:ext>
+            </a:extLst>
+          </p:cNvPr>
+          <p:cNvSpPr/>
+          <p:nvPr/>
+        </p:nvSpPr>
+        <p:spPr>
+          <a:xfrm>
+            <a:off x="4701508" y="1170489"/>
+            <a:ext cx="559527" cy="555526"/>
+          </a:xfrm>
+          <a:prstGeom prst="ellipse">
+            <a:avLst/>
+          </a:prstGeom>
+        </p:spPr>
+        <p:style>
+          <a:lnRef idx="2">
+            <a:schemeClr val="accent1">
+              <a:shade val="15000"/>
+            </a:schemeClr>
+          </a:lnRef>
+          <a:fillRef idx="1">
+            <a:schemeClr val="accent1"/>
+          </a:fillRef>
+          <a:effectRef idx="0">
+            <a:schemeClr val="accent1"/>
+          </a:effectRef>
+          <a:fontRef idx="minor">
+            <a:schemeClr val="lt1"/>
+          </a:fontRef>
+        </p:style>
+        <p:txBody>
+          <a:bodyPr rtlCol="0" anchor="ctr"/>
+          <a:lstStyle/>
+          <a:p>
+            <a:pPr algn="ctr"/>
+            <a:r>
+              <a:rPr lang="en-US" b="1" dirty="0"/>
+              <a:t>2</a:t>
+            </a:r>
+          </a:p>
+        </p:txBody>
+      </p:sp>
+      <p:sp>
+        <p:nvSpPr>
+          <p:cNvPr id="16" name="Rectangle: Rounded Corners 15">
+            <a:extLst>
+              <a:ext uri="{FF2B5EF4-FFF2-40B4-BE49-F238E27FC236}">
+                <a16:creationId xmlns:a16="http://schemas.microsoft.com/office/drawing/2014/main" id="{7ED4F163-F712-C871-752A-F83C35CF1E77}"/>
+              </a:ext>
+            </a:extLst>
+          </p:cNvPr>
+          <p:cNvSpPr/>
+          <p:nvPr/>
+        </p:nvSpPr>
+        <p:spPr>
+          <a:xfrm>
+            <a:off x="3626326" y="2166006"/>
+            <a:ext cx="2650732" cy="369332"/>
+          </a:xfrm>
+          <a:prstGeom prst="roundRect">
+            <a:avLst/>
+          </a:prstGeom>
+        </p:spPr>
+        <p:style>
+          <a:lnRef idx="2">
+            <a:schemeClr val="accent1">
+              <a:shade val="15000"/>
+            </a:schemeClr>
+          </a:lnRef>
+          <a:fillRef idx="1">
+            <a:schemeClr val="accent1"/>
+          </a:fillRef>
+          <a:effectRef idx="0">
+            <a:schemeClr val="accent1"/>
+          </a:effectRef>
+          <a:fontRef idx="minor">
+            <a:schemeClr val="lt1"/>
+          </a:fontRef>
+        </p:style>
+        <p:txBody>
+          <a:bodyPr rtlCol="0" anchor="ctr"/>
+          <a:lstStyle/>
+          <a:p>
+            <a:pPr algn="ctr"/>
+            <a:r>
+              <a:rPr lang="en-US" dirty="0"/>
+              <a:t>Swath</a:t>
+            </a:r>
+          </a:p>
+        </p:txBody>
+      </p:sp>
+      <p:sp>
+        <p:nvSpPr>
+          <p:cNvPr id="17" name="Rectangle: Rounded Corners 16">
+            <a:extLst>
+              <a:ext uri="{FF2B5EF4-FFF2-40B4-BE49-F238E27FC236}">
+                <a16:creationId xmlns:a16="http://schemas.microsoft.com/office/drawing/2014/main" id="{E0EC4DD0-BC63-A084-EE2A-6A466FD1767C}"/>
+              </a:ext>
+            </a:extLst>
+          </p:cNvPr>
+          <p:cNvSpPr/>
+          <p:nvPr/>
+        </p:nvSpPr>
+        <p:spPr>
+          <a:xfrm>
+            <a:off x="3626326" y="2622020"/>
+            <a:ext cx="2650732" cy="369332"/>
+          </a:xfrm>
+          <a:prstGeom prst="roundRect">
+            <a:avLst/>
+          </a:prstGeom>
+        </p:spPr>
+        <p:style>
+          <a:lnRef idx="2">
+            <a:schemeClr val="accent1">
+              <a:shade val="15000"/>
+            </a:schemeClr>
+          </a:lnRef>
+          <a:fillRef idx="1">
+            <a:schemeClr val="accent1"/>
+          </a:fillRef>
+          <a:effectRef idx="0">
+            <a:schemeClr val="accent1"/>
+          </a:effectRef>
+          <a:fontRef idx="minor">
+            <a:schemeClr val="lt1"/>
+          </a:fontRef>
+        </p:style>
+        <p:txBody>
+          <a:bodyPr rtlCol="0" anchor="ctr"/>
+          <a:lstStyle/>
+          <a:p>
+            <a:pPr algn="ctr"/>
+            <a:r>
+              <a:rPr lang="en-US" dirty="0" err="1"/>
+              <a:t>Depointing</a:t>
+            </a:r>
+            <a:r>
+              <a:rPr lang="en-US" dirty="0"/>
+              <a:t> angle</a:t>
+            </a:r>
+          </a:p>
+        </p:txBody>
+      </p:sp>
+      <p:sp>
+        <p:nvSpPr>
+          <p:cNvPr id="18" name="Rectangle: Rounded Corners 17">
+            <a:extLst>
+              <a:ext uri="{FF2B5EF4-FFF2-40B4-BE49-F238E27FC236}">
+                <a16:creationId xmlns:a16="http://schemas.microsoft.com/office/drawing/2014/main" id="{C161B8DE-F1E7-DCDF-A0AD-4528C258E626}"/>
+              </a:ext>
+            </a:extLst>
+          </p:cNvPr>
+          <p:cNvSpPr/>
+          <p:nvPr/>
+        </p:nvSpPr>
+        <p:spPr>
+          <a:xfrm>
+            <a:off x="3626326" y="3078034"/>
+            <a:ext cx="2650732" cy="369332"/>
+          </a:xfrm>
+          <a:prstGeom prst="roundRect">
+            <a:avLst/>
+          </a:prstGeom>
+        </p:spPr>
+        <p:style>
+          <a:lnRef idx="2">
+            <a:schemeClr val="accent1">
+              <a:shade val="15000"/>
+            </a:schemeClr>
+          </a:lnRef>
+          <a:fillRef idx="1">
+            <a:schemeClr val="accent1"/>
+          </a:fillRef>
+          <a:effectRef idx="0">
+            <a:schemeClr val="accent1"/>
+          </a:effectRef>
+          <a:fontRef idx="minor">
+            <a:schemeClr val="lt1"/>
+          </a:fontRef>
+        </p:style>
+        <p:txBody>
+          <a:bodyPr rtlCol="0" anchor="ctr"/>
+          <a:lstStyle/>
+          <a:p>
+            <a:pPr algn="ctr"/>
+            <a:r>
+              <a:rPr lang="en-US" dirty="0"/>
+              <a:t>SAR</a:t>
+            </a:r>
+          </a:p>
+        </p:txBody>
+      </p:sp>
+      <p:sp>
+        <p:nvSpPr>
+          <p:cNvPr id="19" name="Rectangle: Rounded Corners 18">
+            <a:extLst>
+              <a:ext uri="{FF2B5EF4-FFF2-40B4-BE49-F238E27FC236}">
+                <a16:creationId xmlns:a16="http://schemas.microsoft.com/office/drawing/2014/main" id="{57A6708A-B1AE-BB50-4E26-555663D9107B}"/>
+              </a:ext>
+            </a:extLst>
+          </p:cNvPr>
+          <p:cNvSpPr/>
+          <p:nvPr/>
+        </p:nvSpPr>
+        <p:spPr>
+          <a:xfrm>
+            <a:off x="3626326" y="3534047"/>
+            <a:ext cx="2650732" cy="600627"/>
+          </a:xfrm>
+          <a:prstGeom prst="roundRect">
+            <a:avLst/>
+          </a:prstGeom>
+        </p:spPr>
+        <p:style>
+          <a:lnRef idx="2">
+            <a:schemeClr val="accent1">
+              <a:shade val="15000"/>
+            </a:schemeClr>
+          </a:lnRef>
+          <a:fillRef idx="1">
+            <a:schemeClr val="accent1"/>
+          </a:fillRef>
+          <a:effectRef idx="0">
+            <a:schemeClr val="accent1"/>
+          </a:effectRef>
+          <a:fontRef idx="minor">
+            <a:schemeClr val="lt1"/>
+          </a:fontRef>
+        </p:style>
+        <p:txBody>
+          <a:bodyPr rtlCol="0" anchor="ctr"/>
+          <a:lstStyle/>
+          <a:p>
+            <a:pPr algn="ctr"/>
+            <a:r>
+              <a:rPr lang="en-US" dirty="0"/>
+              <a:t>EO</a:t>
+            </a:r>
+          </a:p>
+        </p:txBody>
+      </p:sp>
+      <p:pic>
+        <p:nvPicPr>
+          <p:cNvPr id="20" name="Graphic 19" descr="Badge Follow outline">
+            <a:extLst>
+              <a:ext uri="{FF2B5EF4-FFF2-40B4-BE49-F238E27FC236}">
+                <a16:creationId xmlns:a16="http://schemas.microsoft.com/office/drawing/2014/main" id="{ED90F2F3-F73A-1801-0B48-CCF2A424E62E}"/>
+              </a:ext>
+            </a:extLst>
+          </p:cNvPr>
+          <p:cNvPicPr>
+            <a:picLocks noChangeAspect="1"/>
+          </p:cNvPicPr>
+          <p:nvPr/>
+        </p:nvPicPr>
+        <p:blipFill>
+          <a:blip r:embed="rId2">
+            <a:extLst>
+              <a:ext uri="{28A0092B-C50C-407E-A947-70E740481C1C}">
+                <a14:useLocalDpi xmlns:a14="http://schemas.microsoft.com/office/drawing/2010/main" val="0"/>
+              </a:ext>
+              <a:ext uri="{96DAC541-7B7A-43D3-8B79-37D633B846F1}">
+                <asvg:svgBlip xmlns:asvg="http://schemas.microsoft.com/office/drawing/2016/SVG/main" r:embed="rId3"/>
+              </a:ext>
+            </a:extLst>
+          </a:blip>
+          <a:stretch>
+            <a:fillRect/>
+          </a:stretch>
+        </p:blipFill>
+        <p:spPr>
+          <a:xfrm>
+            <a:off x="4485941" y="4696156"/>
+            <a:ext cx="914400" cy="914400"/>
+          </a:xfrm>
+          <a:prstGeom prst="rect">
+            <a:avLst/>
+          </a:prstGeom>
+        </p:spPr>
+      </p:pic>
+      <p:sp>
+        <p:nvSpPr>
+          <p:cNvPr id="21" name="Rectangle: Rounded Corners 20">
+            <a:extLst>
+              <a:ext uri="{FF2B5EF4-FFF2-40B4-BE49-F238E27FC236}">
+                <a16:creationId xmlns:a16="http://schemas.microsoft.com/office/drawing/2014/main" id="{3E336180-9BA5-B313-3263-0606058A15A9}"/>
+              </a:ext>
+            </a:extLst>
+          </p:cNvPr>
+          <p:cNvSpPr/>
+          <p:nvPr/>
+        </p:nvSpPr>
+        <p:spPr>
+          <a:xfrm>
+            <a:off x="3627714" y="5626259"/>
+            <a:ext cx="2650732" cy="369332"/>
+          </a:xfrm>
+          <a:prstGeom prst="roundRect">
+            <a:avLst/>
+          </a:prstGeom>
+          <a:solidFill>
+            <a:schemeClr val="accent2"/>
+          </a:solidFill>
+        </p:spPr>
+        <p:style>
+          <a:lnRef idx="2">
+            <a:schemeClr val="accent1">
+              <a:shade val="15000"/>
+            </a:schemeClr>
+          </a:lnRef>
+          <a:fillRef idx="1">
+            <a:schemeClr val="accent1"/>
+          </a:fillRef>
+          <a:effectRef idx="0">
+            <a:schemeClr val="accent1"/>
+          </a:effectRef>
+          <a:fontRef idx="minor">
+            <a:schemeClr val="lt1"/>
+          </a:fontRef>
+        </p:style>
+        <p:txBody>
+          <a:bodyPr rtlCol="0" anchor="ctr"/>
+          <a:lstStyle/>
+          <a:p>
+            <a:pPr algn="ctr"/>
+            <a:r>
+              <a:rPr lang="en-US" dirty="0"/>
+              <a:t>Add Payload definition</a:t>
+            </a:r>
+          </a:p>
+        </p:txBody>
+      </p:sp>
+      <p:sp>
+        <p:nvSpPr>
+          <p:cNvPr id="22" name="Rectangle: Rounded Corners 21">
+            <a:extLst>
+              <a:ext uri="{FF2B5EF4-FFF2-40B4-BE49-F238E27FC236}">
+                <a16:creationId xmlns:a16="http://schemas.microsoft.com/office/drawing/2014/main" id="{AEADE8CC-50E8-CCBC-BC46-7D990F059C4D}"/>
+              </a:ext>
+            </a:extLst>
+          </p:cNvPr>
+          <p:cNvSpPr/>
+          <p:nvPr/>
+        </p:nvSpPr>
+        <p:spPr>
+          <a:xfrm>
+            <a:off x="3626326" y="4250671"/>
+            <a:ext cx="2650732" cy="369332"/>
+          </a:xfrm>
+          <a:prstGeom prst="roundRect">
+            <a:avLst/>
+          </a:prstGeom>
+        </p:spPr>
+        <p:style>
+          <a:lnRef idx="2">
+            <a:schemeClr val="accent1">
+              <a:shade val="15000"/>
+            </a:schemeClr>
+          </a:lnRef>
+          <a:fillRef idx="1">
+            <a:schemeClr val="accent1"/>
+          </a:fillRef>
+          <a:effectRef idx="0">
+            <a:schemeClr val="accent1"/>
+          </a:effectRef>
+          <a:fontRef idx="minor">
+            <a:schemeClr val="lt1"/>
+          </a:fontRef>
+        </p:style>
+        <p:txBody>
+          <a:bodyPr rtlCol="0" anchor="ctr"/>
+          <a:lstStyle/>
+          <a:p>
+            <a:pPr algn="ctr"/>
+            <a:r>
+              <a:rPr lang="en-US" dirty="0"/>
+              <a:t>Data size</a:t>
+            </a:r>
+          </a:p>
+        </p:txBody>
+      </p:sp>
+      <p:sp>
+        <p:nvSpPr>
+          <p:cNvPr id="23" name="TextBox 22">
+            <a:extLst>
+              <a:ext uri="{FF2B5EF4-FFF2-40B4-BE49-F238E27FC236}">
+                <a16:creationId xmlns:a16="http://schemas.microsoft.com/office/drawing/2014/main" id="{6A732B22-A986-A5D3-1F1C-94F38B8403D2}"/>
+              </a:ext>
+            </a:extLst>
+          </p:cNvPr>
+          <p:cNvSpPr txBox="1"/>
+          <p:nvPr/>
+        </p:nvSpPr>
+        <p:spPr>
+          <a:xfrm>
+            <a:off x="6624869" y="1701589"/>
+            <a:ext cx="3429144" cy="369332"/>
+          </a:xfrm>
+          <a:prstGeom prst="rect">
+            <a:avLst/>
+          </a:prstGeom>
+          <a:noFill/>
+        </p:spPr>
+        <p:txBody>
+          <a:bodyPr wrap="none" rtlCol="0">
+            <a:spAutoFit/>
+          </a:bodyPr>
+          <a:lstStyle/>
+          <a:p>
+            <a:r>
+              <a:rPr lang="en-US" b="1" dirty="0"/>
+              <a:t>Associate Payload to Satellite</a:t>
+            </a:r>
+          </a:p>
+        </p:txBody>
+      </p:sp>
+      <p:sp>
+        <p:nvSpPr>
+          <p:cNvPr id="24" name="Oval 23">
+            <a:extLst>
+              <a:ext uri="{FF2B5EF4-FFF2-40B4-BE49-F238E27FC236}">
+                <a16:creationId xmlns:a16="http://schemas.microsoft.com/office/drawing/2014/main" id="{C787EF55-F5F1-B82C-28DE-C4A5C90C6C8E}"/>
+              </a:ext>
+            </a:extLst>
+          </p:cNvPr>
+          <p:cNvSpPr/>
+          <p:nvPr/>
+        </p:nvSpPr>
+        <p:spPr>
+          <a:xfrm>
+            <a:off x="8059678" y="1146063"/>
+            <a:ext cx="559527" cy="555526"/>
+          </a:xfrm>
+          <a:prstGeom prst="ellipse">
+            <a:avLst/>
+          </a:prstGeom>
+        </p:spPr>
+        <p:style>
+          <a:lnRef idx="2">
+            <a:schemeClr val="accent1">
+              <a:shade val="15000"/>
+            </a:schemeClr>
+          </a:lnRef>
+          <a:fillRef idx="1">
+            <a:schemeClr val="accent1"/>
+          </a:fillRef>
+          <a:effectRef idx="0">
+            <a:schemeClr val="accent1"/>
+          </a:effectRef>
+          <a:fontRef idx="minor">
+            <a:schemeClr val="lt1"/>
+          </a:fontRef>
+        </p:style>
+        <p:txBody>
+          <a:bodyPr rtlCol="0" anchor="ctr"/>
+          <a:lstStyle/>
+          <a:p>
+            <a:pPr algn="ctr"/>
+            <a:r>
+              <a:rPr lang="en-US" b="1" dirty="0"/>
+              <a:t>3</a:t>
+            </a:r>
+          </a:p>
+        </p:txBody>
+      </p:sp>
+    </p:spTree>
+    <p:extLst>
+      <p:ext uri="{BB962C8B-B14F-4D97-AF65-F5344CB8AC3E}">
+        <p14:creationId xmlns:p14="http://schemas.microsoft.com/office/powerpoint/2010/main" val="1052202751"/>
+      </p:ext>
+    </p:extLst>
+  </p:cSld>
+  <p:clrMapOvr>
+    <a:masterClrMapping/>
+  </p:clrMapOvr>
+</p:sld>
+</file>
+
+<file path=ppt/slides/slide13.xml><?xml version="1.0" encoding="utf-8"?>
+<p:sld xmlns:a="http://schemas.openxmlformats.org/drawingml/2006/main" xmlns:r="http://schemas.openxmlformats.org/officeDocument/2006/relationships" xmlns:p="http://schemas.openxmlformats.org/presentationml/2006/main">
+  <p:cSld>
+    <p:spTree>
+      <p:nvGrpSpPr>
+        <p:cNvPr id="1" name=""/>
+        <p:cNvGrpSpPr/>
+        <p:nvPr/>
+      </p:nvGrpSpPr>
+      <p:grpSpPr>
+        <a:xfrm>
+          <a:off x="0" y="0"/>
+          <a:ext cx="0" cy="0"/>
+          <a:chOff x="0" y="0"/>
+          <a:chExt cx="0" cy="0"/>
+        </a:xfrm>
+      </p:grpSpPr>
+      <p:sp>
+        <p:nvSpPr>
+          <p:cNvPr id="3" name="Title 2">
+            <a:extLst>
+              <a:ext uri="{FF2B5EF4-FFF2-40B4-BE49-F238E27FC236}">
+                <a16:creationId xmlns:a16="http://schemas.microsoft.com/office/drawing/2014/main" id="{6E661EF3-7362-BDA3-FC8B-9853BD1FEFC8}"/>
+              </a:ext>
+            </a:extLst>
+          </p:cNvPr>
+          <p:cNvSpPr>
+            <a:spLocks noGrp="1"/>
+          </p:cNvSpPr>
+          <p:nvPr>
+            <p:ph type="title"/>
+          </p:nvPr>
+        </p:nvSpPr>
+        <p:spPr/>
+        <p:txBody>
+          <a:bodyPr/>
+          <a:lstStyle/>
+          <a:p>
+            <a:r>
+              <a:rPr lang="en-US" dirty="0"/>
+              <a:t>Global req - Define Mission</a:t>
+            </a:r>
+          </a:p>
+        </p:txBody>
+      </p:sp>
+      <p:sp>
+        <p:nvSpPr>
+          <p:cNvPr id="4" name="TextBox 3">
+            <a:extLst>
+              <a:ext uri="{FF2B5EF4-FFF2-40B4-BE49-F238E27FC236}">
+                <a16:creationId xmlns:a16="http://schemas.microsoft.com/office/drawing/2014/main" id="{CFB802CD-9334-59EC-402E-DDCE668E6F5D}"/>
+              </a:ext>
+            </a:extLst>
+          </p:cNvPr>
+          <p:cNvSpPr txBox="1"/>
+          <p:nvPr/>
+        </p:nvSpPr>
+        <p:spPr>
+          <a:xfrm>
+            <a:off x="420822" y="1880274"/>
+            <a:ext cx="3467616" cy="369332"/>
+          </a:xfrm>
+          <a:prstGeom prst="rect">
+            <a:avLst/>
+          </a:prstGeom>
+          <a:noFill/>
+        </p:spPr>
+        <p:txBody>
+          <a:bodyPr wrap="none" rtlCol="0">
+            <a:spAutoFit/>
+          </a:bodyPr>
+          <a:lstStyle/>
+          <a:p>
+            <a:r>
+              <a:rPr lang="en-US" b="1" dirty="0"/>
+              <a:t>Define Mission requirements</a:t>
+            </a:r>
+          </a:p>
+        </p:txBody>
+      </p:sp>
+      <p:sp>
+        <p:nvSpPr>
+          <p:cNvPr id="5" name="Rectangle: Rounded Corners 4">
+            <a:extLst>
+              <a:ext uri="{FF2B5EF4-FFF2-40B4-BE49-F238E27FC236}">
+                <a16:creationId xmlns:a16="http://schemas.microsoft.com/office/drawing/2014/main" id="{5C8E4067-0621-0498-B348-33FA2ADC5912}"/>
+              </a:ext>
+            </a:extLst>
+          </p:cNvPr>
+          <p:cNvSpPr/>
+          <p:nvPr/>
+        </p:nvSpPr>
+        <p:spPr>
+          <a:xfrm>
+            <a:off x="752807" y="2410536"/>
+            <a:ext cx="2650732" cy="369332"/>
+          </a:xfrm>
+          <a:prstGeom prst="roundRect">
+            <a:avLst/>
+          </a:prstGeom>
+        </p:spPr>
+        <p:style>
+          <a:lnRef idx="2">
+            <a:schemeClr val="accent1">
+              <a:shade val="15000"/>
+            </a:schemeClr>
+          </a:lnRef>
+          <a:fillRef idx="1">
+            <a:schemeClr val="accent1"/>
+          </a:fillRef>
+          <a:effectRef idx="0">
+            <a:schemeClr val="accent1"/>
+          </a:effectRef>
+          <a:fontRef idx="minor">
+            <a:schemeClr val="lt1"/>
+          </a:fontRef>
+        </p:style>
+        <p:txBody>
+          <a:bodyPr rtlCol="0" anchor="ctr"/>
+          <a:lstStyle/>
+          <a:p>
+            <a:pPr algn="ctr"/>
+            <a:r>
+              <a:rPr lang="en-US" dirty="0"/>
               <a:t>Date and time</a:t>
             </a:r>
           </a:p>
@@ -6702,7 +8796,7 @@
 </p:sld>
 </file>
 
-<file path=ppt/slides/slide11.xml><?xml version="1.0" encoding="utf-8"?>
+<file path=ppt/slides/slide14.xml><?xml version="1.0" encoding="utf-8"?>
 <p:sld xmlns:a="http://schemas.openxmlformats.org/drawingml/2006/main" xmlns:r="http://schemas.openxmlformats.org/officeDocument/2006/relationships" xmlns:p="http://schemas.openxmlformats.org/presentationml/2006/main">
   <p:cSld>
     <p:spTree>
@@ -6742,7 +8836,7 @@
           <a:p>
             <a:r>
               <a:rPr lang="en-US" dirty="0"/>
-              <a:t>Define KPI-1</a:t>
+              <a:t>Global req - Define KPI-1</a:t>
             </a:r>
           </a:p>
         </p:txBody>
@@ -6938,7 +9032,7 @@
 </p:sld>
 </file>
 
-<file path=ppt/slides/slide12.xml><?xml version="1.0" encoding="utf-8"?>
+<file path=ppt/slides/slide15.xml><?xml version="1.0" encoding="utf-8"?>
 <p:sld xmlns:a="http://schemas.openxmlformats.org/drawingml/2006/main" xmlns:r="http://schemas.openxmlformats.org/officeDocument/2006/relationships" xmlns:p="http://schemas.openxmlformats.org/presentationml/2006/main">
   <p:cSld>
     <p:spTree>
@@ -6978,7 +9072,7 @@
           <a:p>
             <a:r>
               <a:rPr lang="en-US" dirty="0"/>
-              <a:t>Define KPI-2</a:t>
+              <a:t>Global req - Define KPI-2</a:t>
             </a:r>
           </a:p>
         </p:txBody>
@@ -7202,425 +9296,6 @@
     <p:extLst>
       <p:ext uri="{BB962C8B-B14F-4D97-AF65-F5344CB8AC3E}">
         <p14:creationId xmlns:p14="http://schemas.microsoft.com/office/powerpoint/2010/main" val="2353395989"/>
-      </p:ext>
-    </p:extLst>
-  </p:cSld>
-  <p:clrMapOvr>
-    <a:masterClrMapping/>
-  </p:clrMapOvr>
-</p:sld>
-</file>
-
-<file path=ppt/slides/slide13.xml><?xml version="1.0" encoding="utf-8"?>
-<p:sld xmlns:a="http://schemas.openxmlformats.org/drawingml/2006/main" xmlns:r="http://schemas.openxmlformats.org/officeDocument/2006/relationships" xmlns:p="http://schemas.openxmlformats.org/presentationml/2006/main">
-  <p:cSld>
-    <p:spTree>
-      <p:nvGrpSpPr>
-        <p:cNvPr id="1" name=""/>
-        <p:cNvGrpSpPr/>
-        <p:nvPr/>
-      </p:nvGrpSpPr>
-      <p:grpSpPr>
-        <a:xfrm>
-          <a:off x="0" y="0"/>
-          <a:ext cx="0" cy="0"/>
-          <a:chOff x="0" y="0"/>
-          <a:chExt cx="0" cy="0"/>
-        </a:xfrm>
-      </p:grpSpPr>
-      <p:sp>
-        <p:nvSpPr>
-          <p:cNvPr id="3" name="Title 2">
-            <a:extLst>
-              <a:ext uri="{FF2B5EF4-FFF2-40B4-BE49-F238E27FC236}">
-                <a16:creationId xmlns:a16="http://schemas.microsoft.com/office/drawing/2014/main" id="{6E661EF3-7362-BDA3-FC8B-9853BD1FEFC8}"/>
-              </a:ext>
-            </a:extLst>
-          </p:cNvPr>
-          <p:cNvSpPr>
-            <a:spLocks noGrp="1"/>
-          </p:cNvSpPr>
-          <p:nvPr>
-            <p:ph type="title"/>
-          </p:nvPr>
-        </p:nvSpPr>
-        <p:spPr/>
-        <p:txBody>
-          <a:bodyPr/>
-          <a:lstStyle/>
-          <a:p>
-            <a:r>
-              <a:rPr lang="en-US" dirty="0"/>
-              <a:t>Format of exported data</a:t>
-            </a:r>
-          </a:p>
-        </p:txBody>
-      </p:sp>
-      <p:sp>
-        <p:nvSpPr>
-          <p:cNvPr id="22" name="TextBox 21">
-            <a:extLst>
-              <a:ext uri="{FF2B5EF4-FFF2-40B4-BE49-F238E27FC236}">
-                <a16:creationId xmlns:a16="http://schemas.microsoft.com/office/drawing/2014/main" id="{AB4F0428-2610-4AC8-A172-66C63D46E41D}"/>
-              </a:ext>
-            </a:extLst>
-          </p:cNvPr>
-          <p:cNvSpPr txBox="1"/>
-          <p:nvPr/>
-        </p:nvSpPr>
-        <p:spPr>
-          <a:xfrm>
-            <a:off x="748944" y="1480555"/>
-            <a:ext cx="4680305" cy="2369880"/>
-          </a:xfrm>
-          <a:prstGeom prst="rect">
-            <a:avLst/>
-          </a:prstGeom>
-          <a:noFill/>
-        </p:spPr>
-        <p:txBody>
-          <a:bodyPr wrap="square" rtlCol="0">
-            <a:spAutoFit/>
-          </a:bodyPr>
-          <a:lstStyle/>
-          <a:p>
-            <a:r>
-              <a:rPr lang="en-US" b="1" dirty="0"/>
-              <a:t>Which ones ?</a:t>
-            </a:r>
-          </a:p>
-          <a:p>
-            <a:pPr marL="285750" indent="-285750">
-              <a:buFontTx/>
-              <a:buChar char="-"/>
-            </a:pPr>
-            <a:r>
-              <a:rPr lang="en-US" sz="1400" b="1" dirty="0"/>
-              <a:t>Acquisition/emptying windows/opportunities</a:t>
-            </a:r>
-          </a:p>
-          <a:p>
-            <a:pPr marL="285750" indent="-285750">
-              <a:buFontTx/>
-              <a:buChar char="-"/>
-            </a:pPr>
-            <a:r>
-              <a:rPr lang="en-US" sz="1400" b="1" dirty="0"/>
-              <a:t>Revisit per day/in day</a:t>
-            </a:r>
-          </a:p>
-          <a:p>
-            <a:pPr marL="285750" indent="-285750">
-              <a:buFontTx/>
-              <a:buChar char="-"/>
-            </a:pPr>
-            <a:r>
-              <a:rPr lang="en-US" sz="1400" b="1" dirty="0"/>
-              <a:t>GS opportunities</a:t>
-            </a:r>
-          </a:p>
-          <a:p>
-            <a:pPr marL="285750" indent="-285750">
-              <a:buFontTx/>
-              <a:buChar char="-"/>
-            </a:pPr>
-            <a:r>
-              <a:rPr lang="en-US" sz="1400" b="1" dirty="0"/>
-              <a:t>Date and time of flight over target</a:t>
-            </a:r>
-          </a:p>
-          <a:p>
-            <a:pPr marL="285750" indent="-285750">
-              <a:buFontTx/>
-              <a:buChar char="-"/>
-            </a:pPr>
-            <a:endParaRPr lang="en-US" sz="1400" b="1" dirty="0"/>
-          </a:p>
-          <a:p>
-            <a:pPr marL="285750" indent="-285750">
-              <a:buFontTx/>
-              <a:buChar char="-"/>
-            </a:pPr>
-            <a:endParaRPr lang="en-US" sz="1400" b="1" dirty="0"/>
-          </a:p>
-          <a:p>
-            <a:r>
-              <a:rPr lang="en-US" b="1" dirty="0"/>
-              <a:t>Format : CSV, JSON, XML</a:t>
-            </a:r>
-          </a:p>
-          <a:p>
-            <a:pPr marL="285750" indent="-285750">
-              <a:buFontTx/>
-              <a:buChar char="-"/>
-            </a:pPr>
-            <a:endParaRPr lang="en-US" sz="1400" b="1" dirty="0"/>
-          </a:p>
-          <a:p>
-            <a:pPr marL="285750" indent="-285750">
-              <a:buFontTx/>
-              <a:buChar char="-"/>
-            </a:pPr>
-            <a:endParaRPr lang="en-US" sz="1400" b="1" dirty="0"/>
-          </a:p>
-        </p:txBody>
-      </p:sp>
-    </p:spTree>
-    <p:extLst>
-      <p:ext uri="{BB962C8B-B14F-4D97-AF65-F5344CB8AC3E}">
-        <p14:creationId xmlns:p14="http://schemas.microsoft.com/office/powerpoint/2010/main" val="1808072396"/>
-      </p:ext>
-    </p:extLst>
-  </p:cSld>
-  <p:clrMapOvr>
-    <a:masterClrMapping/>
-  </p:clrMapOvr>
-</p:sld>
-</file>
-
-<file path=ppt/slides/slide14.xml><?xml version="1.0" encoding="utf-8"?>
-<p:sld xmlns:a="http://schemas.openxmlformats.org/drawingml/2006/main" xmlns:r="http://schemas.openxmlformats.org/officeDocument/2006/relationships" xmlns:p="http://schemas.openxmlformats.org/presentationml/2006/main">
-  <p:cSld>
-    <p:spTree>
-      <p:nvGrpSpPr>
-        <p:cNvPr id="1" name=""/>
-        <p:cNvGrpSpPr/>
-        <p:nvPr/>
-      </p:nvGrpSpPr>
-      <p:grpSpPr>
-        <a:xfrm>
-          <a:off x="0" y="0"/>
-          <a:ext cx="0" cy="0"/>
-          <a:chOff x="0" y="0"/>
-          <a:chExt cx="0" cy="0"/>
-        </a:xfrm>
-      </p:grpSpPr>
-      <p:sp>
-        <p:nvSpPr>
-          <p:cNvPr id="3" name="Title 2">
-            <a:extLst>
-              <a:ext uri="{FF2B5EF4-FFF2-40B4-BE49-F238E27FC236}">
-                <a16:creationId xmlns:a16="http://schemas.microsoft.com/office/drawing/2014/main" id="{6E661EF3-7362-BDA3-FC8B-9853BD1FEFC8}"/>
-              </a:ext>
-            </a:extLst>
-          </p:cNvPr>
-          <p:cNvSpPr>
-            <a:spLocks noGrp="1"/>
-          </p:cNvSpPr>
-          <p:nvPr>
-            <p:ph type="title"/>
-          </p:nvPr>
-        </p:nvSpPr>
-        <p:spPr/>
-        <p:txBody>
-          <a:bodyPr/>
-          <a:lstStyle/>
-          <a:p>
-            <a:r>
-              <a:rPr lang="en-US" dirty="0"/>
-              <a:t>User stories</a:t>
-            </a:r>
-          </a:p>
-        </p:txBody>
-      </p:sp>
-      <p:sp>
-        <p:nvSpPr>
-          <p:cNvPr id="22" name="TextBox 21">
-            <a:extLst>
-              <a:ext uri="{FF2B5EF4-FFF2-40B4-BE49-F238E27FC236}">
-                <a16:creationId xmlns:a16="http://schemas.microsoft.com/office/drawing/2014/main" id="{AB4F0428-2610-4AC8-A172-66C63D46E41D}"/>
-              </a:ext>
-            </a:extLst>
-          </p:cNvPr>
-          <p:cNvSpPr txBox="1"/>
-          <p:nvPr/>
-        </p:nvSpPr>
-        <p:spPr>
-          <a:xfrm>
-            <a:off x="773438" y="1439733"/>
-            <a:ext cx="3788638" cy="4739759"/>
-          </a:xfrm>
-          <a:prstGeom prst="rect">
-            <a:avLst/>
-          </a:prstGeom>
-          <a:noFill/>
-        </p:spPr>
-        <p:txBody>
-          <a:bodyPr wrap="square" rtlCol="0">
-            <a:spAutoFit/>
-          </a:bodyPr>
-          <a:lstStyle/>
-          <a:p>
-            <a:r>
-              <a:rPr lang="en-US" sz="1400" b="1" u="sng" dirty="0"/>
-              <a:t>Mandatory user stories:</a:t>
-            </a:r>
-          </a:p>
-          <a:p>
-            <a:r>
-              <a:rPr lang="en-US" sz="1200" b="1" dirty="0"/>
-              <a:t>	- As a user, I want to obtain detailed information on satellite passes over specific geographical areas to plan observations or operations.</a:t>
-            </a:r>
-          </a:p>
-          <a:p>
-            <a:r>
-              <a:rPr lang="en-US" sz="1200" b="1" dirty="0"/>
-              <a:t>	- As a user, I want to be able to adjust the time interval and resolution step for orbit propagation calculations to strike a balance between accuracy and performance.</a:t>
-            </a:r>
-          </a:p>
-          <a:p>
-            <a:r>
-              <a:rPr lang="en-US" sz="1200" b="1" dirty="0"/>
-              <a:t>	- As a user, I want to obtain simulation reports containing information on orbital parameters, eclipse periods and transits over geographical areas.</a:t>
-            </a:r>
-          </a:p>
-          <a:p>
-            <a:r>
-              <a:rPr lang="en-US" sz="1200" b="1" dirty="0"/>
-              <a:t>	- As a user, I want to be able to simulate satellite constellations to model satellite networks for specific applications.</a:t>
-            </a:r>
-          </a:p>
-          <a:p>
-            <a:r>
-              <a:rPr lang="en-US" sz="1200" b="1" dirty="0"/>
-              <a:t>	- As a user, I want to be able to integrate data from real satellites (telemetry, TLE) to compare simulations with real trajectories.</a:t>
-            </a:r>
-          </a:p>
-          <a:p>
-            <a:r>
-              <a:rPr lang="en-US" sz="1200" b="1" dirty="0"/>
-              <a:t>	- As a user, I want to be able to export simulation data and visualizations for use in reports or other analyses.</a:t>
-            </a:r>
-          </a:p>
-          <a:p>
-            <a:r>
-              <a:rPr lang="en-US" sz="1200" b="1" dirty="0"/>
-              <a:t>	- As a user, I want to visualize satellite coverage areas to plan communication or Earth observation missions.</a:t>
-            </a:r>
-          </a:p>
-        </p:txBody>
-      </p:sp>
-      <p:sp>
-        <p:nvSpPr>
-          <p:cNvPr id="4" name="TextBox 3">
-            <a:extLst>
-              <a:ext uri="{FF2B5EF4-FFF2-40B4-BE49-F238E27FC236}">
-                <a16:creationId xmlns:a16="http://schemas.microsoft.com/office/drawing/2014/main" id="{76CC6CAF-0792-44EC-A3CE-E6CCA36E2AB6}"/>
-              </a:ext>
-            </a:extLst>
-          </p:cNvPr>
-          <p:cNvSpPr txBox="1"/>
-          <p:nvPr/>
-        </p:nvSpPr>
-        <p:spPr>
-          <a:xfrm>
-            <a:off x="5375373" y="1439733"/>
-            <a:ext cx="3788638" cy="3631763"/>
-          </a:xfrm>
-          <a:prstGeom prst="rect">
-            <a:avLst/>
-          </a:prstGeom>
-          <a:noFill/>
-        </p:spPr>
-        <p:txBody>
-          <a:bodyPr wrap="square" rtlCol="0">
-            <a:spAutoFit/>
-          </a:bodyPr>
-          <a:lstStyle/>
-          <a:p>
-            <a:r>
-              <a:rPr lang="en-US" sz="1400" b="1" u="sng" dirty="0"/>
-              <a:t>Optional user stories:</a:t>
-            </a:r>
-          </a:p>
-          <a:p>
-            <a:r>
-              <a:rPr lang="en-US" sz="1200" b="1" dirty="0"/>
-              <a:t>	- As a user, I want to be able to change the map projections for the ground track to better visualize satellite trajectories in different parts of the world.</a:t>
-            </a:r>
-          </a:p>
-          <a:p>
-            <a:r>
-              <a:rPr lang="en-US" sz="1200" b="1" dirty="0"/>
-              <a:t>	- As a user, I want to simulate the effects of external disturbances (such as atmospheric drag and the gravitational effects of other bodies) to model more realistic orbits.	- As a user, I want to visualize the eclipse periods of satellites so that I know when they are not visible from Earth.</a:t>
-            </a:r>
-          </a:p>
-          <a:p>
-            <a:r>
-              <a:rPr lang="en-US" sz="1200" b="1" dirty="0"/>
-              <a:t>	- As a user, I want to be able to customize the user interface to display the information and visualizations most relevant to my mission.</a:t>
-            </a:r>
-          </a:p>
-          <a:p>
-            <a:r>
-              <a:rPr lang="en-US" sz="1200" b="1" dirty="0"/>
-              <a:t>	- As a user, I want to be able to share simulations and visualizations with other users or customers for collaboration and presentation.</a:t>
-            </a:r>
-          </a:p>
-        </p:txBody>
-      </p:sp>
-    </p:spTree>
-    <p:extLst>
-      <p:ext uri="{BB962C8B-B14F-4D97-AF65-F5344CB8AC3E}">
-        <p14:creationId xmlns:p14="http://schemas.microsoft.com/office/powerpoint/2010/main" val="715078351"/>
-      </p:ext>
-    </p:extLst>
-  </p:cSld>
-  <p:clrMapOvr>
-    <a:masterClrMapping/>
-  </p:clrMapOvr>
-</p:sld>
-</file>
-
-<file path=ppt/slides/slide15.xml><?xml version="1.0" encoding="utf-8"?>
-<p:sld xmlns:a="http://schemas.openxmlformats.org/drawingml/2006/main" xmlns:r="http://schemas.openxmlformats.org/officeDocument/2006/relationships" xmlns:p="http://schemas.openxmlformats.org/presentationml/2006/main">
-  <p:cSld>
-    <p:spTree>
-      <p:nvGrpSpPr>
-        <p:cNvPr id="1" name=""/>
-        <p:cNvGrpSpPr/>
-        <p:nvPr/>
-      </p:nvGrpSpPr>
-      <p:grpSpPr>
-        <a:xfrm>
-          <a:off x="0" y="0"/>
-          <a:ext cx="0" cy="0"/>
-          <a:chOff x="0" y="0"/>
-          <a:chExt cx="0" cy="0"/>
-        </a:xfrm>
-      </p:grpSpPr>
-      <p:sp>
-        <p:nvSpPr>
-          <p:cNvPr id="2" name="Title 1">
-            <a:extLst>
-              <a:ext uri="{FF2B5EF4-FFF2-40B4-BE49-F238E27FC236}">
-                <a16:creationId xmlns:a16="http://schemas.microsoft.com/office/drawing/2014/main" id="{985AB182-B133-4C47-BBB7-3B66200DD8B0}"/>
-              </a:ext>
-            </a:extLst>
-          </p:cNvPr>
-          <p:cNvSpPr>
-            <a:spLocks noGrp="1"/>
-          </p:cNvSpPr>
-          <p:nvPr>
-            <p:ph type="ctrTitle"/>
-          </p:nvPr>
-        </p:nvSpPr>
-        <p:spPr/>
-        <p:txBody>
-          <a:bodyPr/>
-          <a:lstStyle/>
-          <a:p>
-            <a:r>
-              <a:rPr lang="fr-FR" dirty="0"/>
-              <a:t>Architecture</a:t>
-            </a:r>
-          </a:p>
-        </p:txBody>
-      </p:sp>
-    </p:spTree>
-    <p:extLst>
-      <p:ext uri="{BB962C8B-B14F-4D97-AF65-F5344CB8AC3E}">
-        <p14:creationId xmlns:p14="http://schemas.microsoft.com/office/powerpoint/2010/main" val="2457092559"/>
       </p:ext>
     </p:extLst>
   </p:cSld>
@@ -7670,7 +9345,7 @@
           <a:p>
             <a:r>
               <a:rPr lang="en-US" dirty="0"/>
-              <a:t>Global Software requirements</a:t>
+              <a:t>Global req - Format of exported data</a:t>
             </a:r>
           </a:p>
         </p:txBody>
@@ -7689,8 +9364,8 @@
         </p:nvSpPr>
         <p:spPr>
           <a:xfrm>
-            <a:off x="748945" y="1480555"/>
-            <a:ext cx="3788638" cy="523220"/>
+            <a:off x="748944" y="1480555"/>
+            <a:ext cx="4680305" cy="2369880"/>
           </a:xfrm>
           <a:prstGeom prst="rect">
             <a:avLst/>
@@ -7704,8 +9379,48 @@
           <a:lstStyle/>
           <a:p>
             <a:r>
+              <a:rPr lang="en-US" b="1" dirty="0"/>
+              <a:t>Which ones ?</a:t>
+            </a:r>
+          </a:p>
+          <a:p>
+            <a:pPr marL="285750" indent="-285750">
+              <a:buFontTx/>
+              <a:buChar char="-"/>
+            </a:pPr>
+            <a:r>
               <a:rPr lang="en-US" sz="1400" b="1" dirty="0"/>
-              <a:t>Lorem Ipsum</a:t>
+              <a:t>Acquisition/emptying windows/opportunities</a:t>
+            </a:r>
+          </a:p>
+          <a:p>
+            <a:pPr marL="285750" indent="-285750">
+              <a:buFontTx/>
+              <a:buChar char="-"/>
+            </a:pPr>
+            <a:r>
+              <a:rPr lang="en-US" sz="1400" b="1" dirty="0"/>
+              <a:t>Revisit per day/in day</a:t>
+            </a:r>
+          </a:p>
+          <a:p>
+            <a:pPr marL="285750" indent="-285750">
+              <a:buFontTx/>
+              <a:buChar char="-"/>
+            </a:pPr>
+            <a:r>
+              <a:rPr lang="en-US" sz="1400" b="1" dirty="0"/>
+              <a:t>GS opportunities</a:t>
+            </a:r>
+          </a:p>
+          <a:p>
+            <a:pPr marL="285750" indent="-285750">
+              <a:buFontTx/>
+              <a:buChar char="-"/>
+            </a:pPr>
+            <a:r>
+              <a:rPr lang="en-US" sz="1400" b="1" dirty="0"/>
+              <a:t>Date and time of flight over target</a:t>
             </a:r>
           </a:p>
           <a:p>
@@ -7715,12 +9430,39 @@
             </a:pPr>
             <a:endParaRPr lang="en-US" sz="1400" b="1" dirty="0"/>
           </a:p>
+          <a:p>
+            <a:pPr marL="285750" indent="-285750">
+              <a:buFontTx/>
+              <a:buChar char="-"/>
+            </a:pPr>
+            <a:endParaRPr lang="en-US" sz="1400" b="1" dirty="0"/>
+          </a:p>
+          <a:p>
+            <a:r>
+              <a:rPr lang="en-US" b="1" dirty="0"/>
+              <a:t>Format : CSV, JSON, XML</a:t>
+            </a:r>
+          </a:p>
+          <a:p>
+            <a:pPr marL="285750" indent="-285750">
+              <a:buFontTx/>
+              <a:buChar char="-"/>
+            </a:pPr>
+            <a:endParaRPr lang="en-US" sz="1400" b="1" dirty="0"/>
+          </a:p>
+          <a:p>
+            <a:pPr marL="285750" indent="-285750">
+              <a:buFontTx/>
+              <a:buChar char="-"/>
+            </a:pPr>
+            <a:endParaRPr lang="en-US" sz="1400" b="1" dirty="0"/>
+          </a:p>
         </p:txBody>
       </p:sp>
     </p:spTree>
     <p:extLst>
       <p:ext uri="{BB962C8B-B14F-4D97-AF65-F5344CB8AC3E}">
-        <p14:creationId xmlns:p14="http://schemas.microsoft.com/office/powerpoint/2010/main" val="4173212711"/>
+        <p14:creationId xmlns:p14="http://schemas.microsoft.com/office/powerpoint/2010/main" val="1808072396"/>
       </p:ext>
     </p:extLst>
   </p:cSld>
@@ -7769,18 +9511,9 @@
           <a:lstStyle/>
           <a:p>
             <a:r>
-              <a:rPr lang="en-US" dirty="0" err="1"/>
-              <a:t>Arbre</a:t>
-            </a:r>
-            <a:r>
               <a:rPr lang="en-US" dirty="0"/>
-              <a:t> des </a:t>
-            </a:r>
-            <a:r>
-              <a:rPr lang="en-US" dirty="0" err="1"/>
-              <a:t>conséquences</a:t>
-            </a:r>
-            <a:endParaRPr lang="en-US" dirty="0"/>
+              <a:t>User stories</a:t>
+            </a:r>
           </a:p>
         </p:txBody>
       </p:sp>
@@ -7798,8 +9531,8 @@
         </p:nvSpPr>
         <p:spPr>
           <a:xfrm>
-            <a:off x="748945" y="1480555"/>
-            <a:ext cx="3788638" cy="523220"/>
+            <a:off x="773438" y="1439733"/>
+            <a:ext cx="3788638" cy="4739759"/>
           </a:xfrm>
           <a:prstGeom prst="rect">
             <a:avLst/>
@@ -7813,59 +9546,117 @@
           <a:lstStyle/>
           <a:p>
             <a:r>
-              <a:rPr lang="en-US" sz="1400" b="1" dirty="0"/>
-              <a:t>Lorem Ipsum</a:t>
-            </a:r>
-          </a:p>
-          <a:p>
-            <a:pPr marL="285750" indent="-285750">
-              <a:buFontTx/>
-              <a:buChar char="-"/>
-            </a:pPr>
-            <a:endParaRPr lang="en-US" sz="1400" b="1" dirty="0"/>
+              <a:rPr lang="en-US" sz="1400" b="1" u="sng" dirty="0"/>
+              <a:t>Mandatory user stories:</a:t>
+            </a:r>
+          </a:p>
+          <a:p>
+            <a:r>
+              <a:rPr lang="en-US" sz="1200" b="1" dirty="0"/>
+              <a:t>	- As a user, I want to obtain detailed information on satellite passes over specific geographical areas to plan observations or operations.</a:t>
+            </a:r>
+          </a:p>
+          <a:p>
+            <a:r>
+              <a:rPr lang="en-US" sz="1200" b="1" dirty="0"/>
+              <a:t>	- As a user, I want to be able to adjust the time interval and resolution step for orbit propagation calculations to strike a balance between accuracy and performance.</a:t>
+            </a:r>
+          </a:p>
+          <a:p>
+            <a:r>
+              <a:rPr lang="en-US" sz="1200" b="1" dirty="0"/>
+              <a:t>	- As a user, I want to obtain simulation reports containing information on orbital parameters, eclipse periods and transits over geographical areas.</a:t>
+            </a:r>
+          </a:p>
+          <a:p>
+            <a:r>
+              <a:rPr lang="en-US" sz="1200" b="1" dirty="0"/>
+              <a:t>	- As a user, I want to be able to simulate satellite constellations to model satellite networks for specific applications.</a:t>
+            </a:r>
+          </a:p>
+          <a:p>
+            <a:r>
+              <a:rPr lang="en-US" sz="1200" b="1" dirty="0"/>
+              <a:t>	- As a user, I want to be able to integrate data from real satellites (telemetry, TLE) to compare simulations with real trajectories.</a:t>
+            </a:r>
+          </a:p>
+          <a:p>
+            <a:r>
+              <a:rPr lang="en-US" sz="1200" b="1" dirty="0"/>
+              <a:t>	- As a user, I want to be able to export simulation data and visualizations for use in reports or other analyses.</a:t>
+            </a:r>
+          </a:p>
+          <a:p>
+            <a:r>
+              <a:rPr lang="en-US" sz="1200" b="1" dirty="0"/>
+              <a:t>	- As a user, I want to visualize satellite coverage areas to plan communication or Earth observation missions.</a:t>
+            </a:r>
           </a:p>
         </p:txBody>
       </p:sp>
-      <p:pic>
-        <p:nvPicPr>
-          <p:cNvPr id="6" name="Picture 5" descr="A diagram of a company&#10;&#10;Description automatically generated">
-            <a:extLst>
-              <a:ext uri="{FF2B5EF4-FFF2-40B4-BE49-F238E27FC236}">
-                <a16:creationId xmlns:a16="http://schemas.microsoft.com/office/drawing/2014/main" id="{C4B967C3-E412-4B4F-8A2B-AAE55DE76918}"/>
-              </a:ext>
-            </a:extLst>
-          </p:cNvPr>
-          <p:cNvPicPr>
-            <a:picLocks noChangeAspect="1"/>
-          </p:cNvPicPr>
+      <p:sp>
+        <p:nvSpPr>
+          <p:cNvPr id="4" name="TextBox 3">
+            <a:extLst>
+              <a:ext uri="{FF2B5EF4-FFF2-40B4-BE49-F238E27FC236}">
+                <a16:creationId xmlns:a16="http://schemas.microsoft.com/office/drawing/2014/main" id="{76CC6CAF-0792-44EC-A3CE-E6CCA36E2AB6}"/>
+              </a:ext>
+            </a:extLst>
+          </p:cNvPr>
+          <p:cNvSpPr txBox="1"/>
           <p:nvPr/>
-        </p:nvPicPr>
-        <p:blipFill>
-          <a:blip r:embed="rId2">
-            <a:extLst>
-              <a:ext uri="{28A0092B-C50C-407E-A947-70E740481C1C}">
-                <a14:useLocalDpi xmlns:a14="http://schemas.microsoft.com/office/drawing/2010/main" val="0"/>
-              </a:ext>
-            </a:extLst>
-          </a:blip>
-          <a:stretch>
-            <a:fillRect/>
-          </a:stretch>
-        </p:blipFill>
+        </p:nvSpPr>
         <p:spPr>
           <a:xfrm>
-            <a:off x="748945" y="991673"/>
-            <a:ext cx="9611296" cy="5406354"/>
+            <a:off x="5375373" y="1439733"/>
+            <a:ext cx="3788638" cy="3631763"/>
           </a:xfrm>
           <a:prstGeom prst="rect">
             <a:avLst/>
           </a:prstGeom>
+          <a:noFill/>
         </p:spPr>
-      </p:pic>
+        <p:txBody>
+          <a:bodyPr wrap="square" rtlCol="0">
+            <a:spAutoFit/>
+          </a:bodyPr>
+          <a:lstStyle/>
+          <a:p>
+            <a:r>
+              <a:rPr lang="en-US" sz="1400" b="1" u="sng" dirty="0"/>
+              <a:t>Optional user stories:</a:t>
+            </a:r>
+          </a:p>
+          <a:p>
+            <a:r>
+              <a:rPr lang="en-US" sz="1200" b="1" dirty="0"/>
+              <a:t>	- As a user, I want to be able to change the map projections for the ground track to better visualize satellite trajectories in different parts of the world.</a:t>
+            </a:r>
+          </a:p>
+          <a:p>
+            <a:r>
+              <a:rPr lang="en-US" sz="1200" b="1" dirty="0"/>
+              <a:t>	- As a user, I want to simulate the effects of external disturbances (such as atmospheric drag and the gravitational effects of other bodies) to model more realistic orbits.	- As a user, I want to visualize the eclipse periods of satellites so that I know when they are not visible from Earth.</a:t>
+            </a:r>
+          </a:p>
+          <a:p>
+            <a:r>
+              <a:rPr lang="en-US" sz="1200" b="1" dirty="0"/>
+              <a:t>	- As a user, I want to be able to customize the user interface to display the information and visualizations most relevant to my mission.</a:t>
+            </a:r>
+          </a:p>
+          <a:p>
+            <a:r>
+              <a:rPr lang="en-US" sz="1200" b="1" dirty="0"/>
+              <a:t>	- As a user, I want to be able to share simulations and visualizations with other users or customers for collaboration and presentation.</a:t>
+            </a:r>
+          </a:p>
+        </p:txBody>
+      </p:sp>
     </p:spTree>
     <p:extLst>
       <p:ext uri="{BB962C8B-B14F-4D97-AF65-F5344CB8AC3E}">
-        <p14:creationId xmlns:p14="http://schemas.microsoft.com/office/powerpoint/2010/main" val="2063430950"/>
+        <p14:creationId xmlns:p14="http://schemas.microsoft.com/office/powerpoint/2010/main" val="715078351"/>
       </p:ext>
     </p:extLst>
   </p:cSld>
@@ -7915,6 +9706,397 @@
           <a:p>
             <a:r>
               <a:rPr lang="en-US" dirty="0"/>
+              <a:t>Specific Software requirements (US requirements)</a:t>
+            </a:r>
+          </a:p>
+        </p:txBody>
+      </p:sp>
+      <p:sp>
+        <p:nvSpPr>
+          <p:cNvPr id="22" name="TextBox 21">
+            <a:extLst>
+              <a:ext uri="{FF2B5EF4-FFF2-40B4-BE49-F238E27FC236}">
+                <a16:creationId xmlns:a16="http://schemas.microsoft.com/office/drawing/2014/main" id="{AB4F0428-2610-4AC8-A172-66C63D46E41D}"/>
+              </a:ext>
+            </a:extLst>
+          </p:cNvPr>
+          <p:cNvSpPr txBox="1"/>
+          <p:nvPr/>
+        </p:nvSpPr>
+        <p:spPr>
+          <a:xfrm>
+            <a:off x="748945" y="1480555"/>
+            <a:ext cx="3788638" cy="523220"/>
+          </a:xfrm>
+          <a:prstGeom prst="rect">
+            <a:avLst/>
+          </a:prstGeom>
+          <a:noFill/>
+        </p:spPr>
+        <p:txBody>
+          <a:bodyPr wrap="square" rtlCol="0">
+            <a:spAutoFit/>
+          </a:bodyPr>
+          <a:lstStyle/>
+          <a:p>
+            <a:r>
+              <a:rPr lang="en-US" sz="1400" b="1" dirty="0"/>
+              <a:t>Lorem Ipsum</a:t>
+            </a:r>
+          </a:p>
+          <a:p>
+            <a:pPr marL="285750" indent="-285750">
+              <a:buFontTx/>
+              <a:buChar char="-"/>
+            </a:pPr>
+            <a:endParaRPr lang="en-US" sz="1400" b="1" dirty="0"/>
+          </a:p>
+        </p:txBody>
+      </p:sp>
+    </p:spTree>
+    <p:extLst>
+      <p:ext uri="{BB962C8B-B14F-4D97-AF65-F5344CB8AC3E}">
+        <p14:creationId xmlns:p14="http://schemas.microsoft.com/office/powerpoint/2010/main" val="613650362"/>
+      </p:ext>
+    </p:extLst>
+  </p:cSld>
+  <p:clrMapOvr>
+    <a:masterClrMapping/>
+  </p:clrMapOvr>
+</p:sld>
+</file>
+
+<file path=ppt/slides/slide19.xml><?xml version="1.0" encoding="utf-8"?>
+<p:sld xmlns:a="http://schemas.openxmlformats.org/drawingml/2006/main" xmlns:r="http://schemas.openxmlformats.org/officeDocument/2006/relationships" xmlns:p="http://schemas.openxmlformats.org/presentationml/2006/main">
+  <p:cSld>
+    <p:spTree>
+      <p:nvGrpSpPr>
+        <p:cNvPr id="1" name=""/>
+        <p:cNvGrpSpPr/>
+        <p:nvPr/>
+      </p:nvGrpSpPr>
+      <p:grpSpPr>
+        <a:xfrm>
+          <a:off x="0" y="0"/>
+          <a:ext cx="0" cy="0"/>
+          <a:chOff x="0" y="0"/>
+          <a:chExt cx="0" cy="0"/>
+        </a:xfrm>
+      </p:grpSpPr>
+      <p:sp>
+        <p:nvSpPr>
+          <p:cNvPr id="2" name="Title 1">
+            <a:extLst>
+              <a:ext uri="{FF2B5EF4-FFF2-40B4-BE49-F238E27FC236}">
+                <a16:creationId xmlns:a16="http://schemas.microsoft.com/office/drawing/2014/main" id="{985AB182-B133-4C47-BBB7-3B66200DD8B0}"/>
+              </a:ext>
+            </a:extLst>
+          </p:cNvPr>
+          <p:cNvSpPr>
+            <a:spLocks noGrp="1"/>
+          </p:cNvSpPr>
+          <p:nvPr>
+            <p:ph type="ctrTitle"/>
+          </p:nvPr>
+        </p:nvSpPr>
+        <p:spPr/>
+        <p:txBody>
+          <a:bodyPr/>
+          <a:lstStyle/>
+          <a:p>
+            <a:r>
+              <a:rPr lang="fr-FR" dirty="0"/>
+              <a:t>Architecture</a:t>
+            </a:r>
+          </a:p>
+        </p:txBody>
+      </p:sp>
+    </p:spTree>
+    <p:extLst>
+      <p:ext uri="{BB962C8B-B14F-4D97-AF65-F5344CB8AC3E}">
+        <p14:creationId xmlns:p14="http://schemas.microsoft.com/office/powerpoint/2010/main" val="2457092559"/>
+      </p:ext>
+    </p:extLst>
+  </p:cSld>
+  <p:clrMapOvr>
+    <a:masterClrMapping/>
+  </p:clrMapOvr>
+</p:sld>
+</file>
+
+<file path=ppt/slides/slide2.xml><?xml version="1.0" encoding="utf-8"?>
+<p:sld xmlns:a="http://schemas.openxmlformats.org/drawingml/2006/main" xmlns:r="http://schemas.openxmlformats.org/officeDocument/2006/relationships" xmlns:p="http://schemas.openxmlformats.org/presentationml/2006/main">
+  <p:cSld>
+    <p:spTree>
+      <p:nvGrpSpPr>
+        <p:cNvPr id="1" name=""/>
+        <p:cNvGrpSpPr/>
+        <p:nvPr/>
+      </p:nvGrpSpPr>
+      <p:grpSpPr>
+        <a:xfrm>
+          <a:off x="0" y="0"/>
+          <a:ext cx="0" cy="0"/>
+          <a:chOff x="0" y="0"/>
+          <a:chExt cx="0" cy="0"/>
+        </a:xfrm>
+      </p:grpSpPr>
+      <p:sp>
+        <p:nvSpPr>
+          <p:cNvPr id="2" name="Title 1">
+            <a:extLst>
+              <a:ext uri="{FF2B5EF4-FFF2-40B4-BE49-F238E27FC236}">
+                <a16:creationId xmlns:a16="http://schemas.microsoft.com/office/drawing/2014/main" id="{B8CA81B5-192D-47AA-980B-F176B4A471B3}"/>
+              </a:ext>
+            </a:extLst>
+          </p:cNvPr>
+          <p:cNvSpPr>
+            <a:spLocks noGrp="1"/>
+          </p:cNvSpPr>
+          <p:nvPr>
+            <p:ph type="ctrTitle"/>
+          </p:nvPr>
+        </p:nvSpPr>
+        <p:spPr/>
+        <p:txBody>
+          <a:bodyPr/>
+          <a:lstStyle/>
+          <a:p>
+            <a:r>
+              <a:rPr lang="fr-FR" dirty="0"/>
+              <a:t>Software </a:t>
+            </a:r>
+            <a:r>
+              <a:rPr lang="fr-FR" dirty="0" err="1"/>
+              <a:t>needs</a:t>
+            </a:r>
+            <a:endParaRPr lang="fr-FR" dirty="0"/>
+          </a:p>
+        </p:txBody>
+      </p:sp>
+      <p:sp>
+        <p:nvSpPr>
+          <p:cNvPr id="3" name="Subtitle 2">
+            <a:extLst>
+              <a:ext uri="{FF2B5EF4-FFF2-40B4-BE49-F238E27FC236}">
+                <a16:creationId xmlns:a16="http://schemas.microsoft.com/office/drawing/2014/main" id="{6A98D607-A275-414B-8C5D-C10C271030C9}"/>
+              </a:ext>
+            </a:extLst>
+          </p:cNvPr>
+          <p:cNvSpPr>
+            <a:spLocks noGrp="1"/>
+          </p:cNvSpPr>
+          <p:nvPr>
+            <p:ph type="subTitle" idx="1"/>
+          </p:nvPr>
+        </p:nvSpPr>
+        <p:spPr/>
+        <p:txBody>
+          <a:bodyPr/>
+          <a:lstStyle/>
+          <a:p>
+            <a:endParaRPr lang="fr-FR"/>
+          </a:p>
+        </p:txBody>
+      </p:sp>
+    </p:spTree>
+    <p:extLst>
+      <p:ext uri="{BB962C8B-B14F-4D97-AF65-F5344CB8AC3E}">
+        <p14:creationId xmlns:p14="http://schemas.microsoft.com/office/powerpoint/2010/main" val="596733533"/>
+      </p:ext>
+    </p:extLst>
+  </p:cSld>
+  <p:clrMapOvr>
+    <a:masterClrMapping/>
+  </p:clrMapOvr>
+</p:sld>
+</file>
+
+<file path=ppt/slides/slide20.xml><?xml version="1.0" encoding="utf-8"?>
+<p:sld xmlns:a="http://schemas.openxmlformats.org/drawingml/2006/main" xmlns:r="http://schemas.openxmlformats.org/officeDocument/2006/relationships" xmlns:p="http://schemas.openxmlformats.org/presentationml/2006/main">
+  <p:cSld>
+    <p:spTree>
+      <p:nvGrpSpPr>
+        <p:cNvPr id="1" name=""/>
+        <p:cNvGrpSpPr/>
+        <p:nvPr/>
+      </p:nvGrpSpPr>
+      <p:grpSpPr>
+        <a:xfrm>
+          <a:off x="0" y="0"/>
+          <a:ext cx="0" cy="0"/>
+          <a:chOff x="0" y="0"/>
+          <a:chExt cx="0" cy="0"/>
+        </a:xfrm>
+      </p:grpSpPr>
+      <p:sp>
+        <p:nvSpPr>
+          <p:cNvPr id="3" name="Title 2">
+            <a:extLst>
+              <a:ext uri="{FF2B5EF4-FFF2-40B4-BE49-F238E27FC236}">
+                <a16:creationId xmlns:a16="http://schemas.microsoft.com/office/drawing/2014/main" id="{6E661EF3-7362-BDA3-FC8B-9853BD1FEFC8}"/>
+              </a:ext>
+            </a:extLst>
+          </p:cNvPr>
+          <p:cNvSpPr>
+            <a:spLocks noGrp="1"/>
+          </p:cNvSpPr>
+          <p:nvPr>
+            <p:ph type="title"/>
+          </p:nvPr>
+        </p:nvSpPr>
+        <p:spPr/>
+        <p:txBody>
+          <a:bodyPr/>
+          <a:lstStyle/>
+          <a:p>
+            <a:r>
+              <a:rPr lang="en-US" dirty="0" err="1"/>
+              <a:t>Arbre</a:t>
+            </a:r>
+            <a:r>
+              <a:rPr lang="en-US" dirty="0"/>
+              <a:t> des </a:t>
+            </a:r>
+            <a:r>
+              <a:rPr lang="en-US" dirty="0" err="1"/>
+              <a:t>conséquences</a:t>
+            </a:r>
+            <a:endParaRPr lang="en-US" dirty="0"/>
+          </a:p>
+        </p:txBody>
+      </p:sp>
+      <p:sp>
+        <p:nvSpPr>
+          <p:cNvPr id="22" name="TextBox 21">
+            <a:extLst>
+              <a:ext uri="{FF2B5EF4-FFF2-40B4-BE49-F238E27FC236}">
+                <a16:creationId xmlns:a16="http://schemas.microsoft.com/office/drawing/2014/main" id="{AB4F0428-2610-4AC8-A172-66C63D46E41D}"/>
+              </a:ext>
+            </a:extLst>
+          </p:cNvPr>
+          <p:cNvSpPr txBox="1"/>
+          <p:nvPr/>
+        </p:nvSpPr>
+        <p:spPr>
+          <a:xfrm>
+            <a:off x="748945" y="1480555"/>
+            <a:ext cx="3788638" cy="523220"/>
+          </a:xfrm>
+          <a:prstGeom prst="rect">
+            <a:avLst/>
+          </a:prstGeom>
+          <a:noFill/>
+        </p:spPr>
+        <p:txBody>
+          <a:bodyPr wrap="square" rtlCol="0">
+            <a:spAutoFit/>
+          </a:bodyPr>
+          <a:lstStyle/>
+          <a:p>
+            <a:r>
+              <a:rPr lang="en-US" sz="1400" b="1" dirty="0"/>
+              <a:t>Lorem Ipsum</a:t>
+            </a:r>
+          </a:p>
+          <a:p>
+            <a:pPr marL="285750" indent="-285750">
+              <a:buFontTx/>
+              <a:buChar char="-"/>
+            </a:pPr>
+            <a:endParaRPr lang="en-US" sz="1400" b="1" dirty="0"/>
+          </a:p>
+        </p:txBody>
+      </p:sp>
+      <p:pic>
+        <p:nvPicPr>
+          <p:cNvPr id="6" name="Picture 5" descr="A diagram of a company&#10;&#10;Description automatically generated">
+            <a:extLst>
+              <a:ext uri="{FF2B5EF4-FFF2-40B4-BE49-F238E27FC236}">
+                <a16:creationId xmlns:a16="http://schemas.microsoft.com/office/drawing/2014/main" id="{C4B967C3-E412-4B4F-8A2B-AAE55DE76918}"/>
+              </a:ext>
+            </a:extLst>
+          </p:cNvPr>
+          <p:cNvPicPr>
+            <a:picLocks noChangeAspect="1"/>
+          </p:cNvPicPr>
+          <p:nvPr/>
+        </p:nvPicPr>
+        <p:blipFill>
+          <a:blip r:embed="rId2">
+            <a:extLst>
+              <a:ext uri="{28A0092B-C50C-407E-A947-70E740481C1C}">
+                <a14:useLocalDpi xmlns:a14="http://schemas.microsoft.com/office/drawing/2010/main" val="0"/>
+              </a:ext>
+            </a:extLst>
+          </a:blip>
+          <a:stretch>
+            <a:fillRect/>
+          </a:stretch>
+        </p:blipFill>
+        <p:spPr>
+          <a:xfrm>
+            <a:off x="748945" y="991673"/>
+            <a:ext cx="9611296" cy="5406354"/>
+          </a:xfrm>
+          <a:prstGeom prst="rect">
+            <a:avLst/>
+          </a:prstGeom>
+        </p:spPr>
+      </p:pic>
+    </p:spTree>
+    <p:extLst>
+      <p:ext uri="{BB962C8B-B14F-4D97-AF65-F5344CB8AC3E}">
+        <p14:creationId xmlns:p14="http://schemas.microsoft.com/office/powerpoint/2010/main" val="2063430950"/>
+      </p:ext>
+    </p:extLst>
+  </p:cSld>
+  <p:clrMapOvr>
+    <a:masterClrMapping/>
+  </p:clrMapOvr>
+</p:sld>
+</file>
+
+<file path=ppt/slides/slide21.xml><?xml version="1.0" encoding="utf-8"?>
+<p:sld xmlns:a="http://schemas.openxmlformats.org/drawingml/2006/main" xmlns:r="http://schemas.openxmlformats.org/officeDocument/2006/relationships" xmlns:p="http://schemas.openxmlformats.org/presentationml/2006/main">
+  <p:cSld>
+    <p:spTree>
+      <p:nvGrpSpPr>
+        <p:cNvPr id="1" name=""/>
+        <p:cNvGrpSpPr/>
+        <p:nvPr/>
+      </p:nvGrpSpPr>
+      <p:grpSpPr>
+        <a:xfrm>
+          <a:off x="0" y="0"/>
+          <a:ext cx="0" cy="0"/>
+          <a:chOff x="0" y="0"/>
+          <a:chExt cx="0" cy="0"/>
+        </a:xfrm>
+      </p:grpSpPr>
+      <p:sp>
+        <p:nvSpPr>
+          <p:cNvPr id="3" name="Title 2">
+            <a:extLst>
+              <a:ext uri="{FF2B5EF4-FFF2-40B4-BE49-F238E27FC236}">
+                <a16:creationId xmlns:a16="http://schemas.microsoft.com/office/drawing/2014/main" id="{6E661EF3-7362-BDA3-FC8B-9853BD1FEFC8}"/>
+              </a:ext>
+            </a:extLst>
+          </p:cNvPr>
+          <p:cNvSpPr>
+            <a:spLocks noGrp="1"/>
+          </p:cNvSpPr>
+          <p:nvPr>
+            <p:ph type="title"/>
+          </p:nvPr>
+        </p:nvSpPr>
+        <p:spPr/>
+        <p:txBody>
+          <a:bodyPr/>
+          <a:lstStyle/>
+          <a:p>
+            <a:r>
+              <a:rPr lang="en-US" dirty="0"/>
               <a:t>Structure diagram</a:t>
             </a:r>
           </a:p>
@@ -8011,7 +10193,7 @@
 </p:sld>
 </file>
 
-<file path=ppt/slides/slide19.xml><?xml version="1.0" encoding="utf-8"?>
+<file path=ppt/slides/slide22.xml><?xml version="1.0" encoding="utf-8"?>
 <p:sld xmlns:a="http://schemas.openxmlformats.org/drawingml/2006/main" xmlns:r="http://schemas.openxmlformats.org/officeDocument/2006/relationships" xmlns:p="http://schemas.openxmlformats.org/presentationml/2006/main">
   <p:cSld>
     <p:spTree>
@@ -8147,7 +10329,548 @@
 </p:sld>
 </file>
 
-<file path=ppt/slides/slide2.xml><?xml version="1.0" encoding="utf-8"?>
+<file path=ppt/slides/slide23.xml><?xml version="1.0" encoding="utf-8"?>
+<p:sld xmlns:a="http://schemas.openxmlformats.org/drawingml/2006/main" xmlns:r="http://schemas.openxmlformats.org/officeDocument/2006/relationships" xmlns:p="http://schemas.openxmlformats.org/presentationml/2006/main">
+  <p:cSld>
+    <p:spTree>
+      <p:nvGrpSpPr>
+        <p:cNvPr id="1" name=""/>
+        <p:cNvGrpSpPr/>
+        <p:nvPr/>
+      </p:nvGrpSpPr>
+      <p:grpSpPr>
+        <a:xfrm>
+          <a:off x="0" y="0"/>
+          <a:ext cx="0" cy="0"/>
+          <a:chOff x="0" y="0"/>
+          <a:chExt cx="0" cy="0"/>
+        </a:xfrm>
+      </p:grpSpPr>
+      <p:sp>
+        <p:nvSpPr>
+          <p:cNvPr id="3" name="Title 2">
+            <a:extLst>
+              <a:ext uri="{FF2B5EF4-FFF2-40B4-BE49-F238E27FC236}">
+                <a16:creationId xmlns:a16="http://schemas.microsoft.com/office/drawing/2014/main" id="{6E661EF3-7362-BDA3-FC8B-9853BD1FEFC8}"/>
+              </a:ext>
+            </a:extLst>
+          </p:cNvPr>
+          <p:cNvSpPr>
+            <a:spLocks noGrp="1"/>
+          </p:cNvSpPr>
+          <p:nvPr>
+            <p:ph type="title"/>
+          </p:nvPr>
+        </p:nvSpPr>
+        <p:spPr/>
+        <p:txBody>
+          <a:bodyPr/>
+          <a:lstStyle/>
+          <a:p>
+            <a:r>
+              <a:rPr lang="en-US" dirty="0"/>
+              <a:t>Sequence diagram</a:t>
+            </a:r>
+          </a:p>
+        </p:txBody>
+      </p:sp>
+      <p:sp>
+        <p:nvSpPr>
+          <p:cNvPr id="22" name="TextBox 21">
+            <a:extLst>
+              <a:ext uri="{FF2B5EF4-FFF2-40B4-BE49-F238E27FC236}">
+                <a16:creationId xmlns:a16="http://schemas.microsoft.com/office/drawing/2014/main" id="{AB4F0428-2610-4AC8-A172-66C63D46E41D}"/>
+              </a:ext>
+            </a:extLst>
+          </p:cNvPr>
+          <p:cNvSpPr txBox="1"/>
+          <p:nvPr/>
+        </p:nvSpPr>
+        <p:spPr>
+          <a:xfrm>
+            <a:off x="748945" y="1480555"/>
+            <a:ext cx="3788638" cy="523220"/>
+          </a:xfrm>
+          <a:prstGeom prst="rect">
+            <a:avLst/>
+          </a:prstGeom>
+          <a:noFill/>
+        </p:spPr>
+        <p:txBody>
+          <a:bodyPr wrap="square" rtlCol="0">
+            <a:spAutoFit/>
+          </a:bodyPr>
+          <a:lstStyle/>
+          <a:p>
+            <a:r>
+              <a:rPr lang="en-US" sz="1400" b="1" dirty="0"/>
+              <a:t>Satellite to Mission</a:t>
+            </a:r>
+          </a:p>
+          <a:p>
+            <a:pPr marL="285750" indent="-285750">
+              <a:buFontTx/>
+              <a:buChar char="-"/>
+            </a:pPr>
+            <a:endParaRPr lang="en-US" sz="1400" b="1" dirty="0"/>
+          </a:p>
+        </p:txBody>
+      </p:sp>
+      <p:pic>
+        <p:nvPicPr>
+          <p:cNvPr id="4" name="Picture 3" descr="A diagram of a project&#10;&#10;Description automatically generated">
+            <a:extLst>
+              <a:ext uri="{FF2B5EF4-FFF2-40B4-BE49-F238E27FC236}">
+                <a16:creationId xmlns:a16="http://schemas.microsoft.com/office/drawing/2014/main" id="{3A76D262-2431-4EC7-A6C9-DCBD55C56DBA}"/>
+              </a:ext>
+            </a:extLst>
+          </p:cNvPr>
+          <p:cNvPicPr>
+            <a:picLocks noChangeAspect="1"/>
+          </p:cNvPicPr>
+          <p:nvPr/>
+        </p:nvPicPr>
+        <p:blipFill>
+          <a:blip r:embed="rId2">
+            <a:extLst>
+              <a:ext uri="{28A0092B-C50C-407E-A947-70E740481C1C}">
+                <a14:useLocalDpi xmlns:a14="http://schemas.microsoft.com/office/drawing/2010/main" val="0"/>
+              </a:ext>
+            </a:extLst>
+          </a:blip>
+          <a:stretch>
+            <a:fillRect/>
+          </a:stretch>
+        </p:blipFill>
+        <p:spPr>
+          <a:xfrm>
+            <a:off x="3184071" y="1203997"/>
+            <a:ext cx="7146471" cy="3750718"/>
+          </a:xfrm>
+          <a:prstGeom prst="rect">
+            <a:avLst/>
+          </a:prstGeom>
+        </p:spPr>
+      </p:pic>
+    </p:spTree>
+    <p:extLst>
+      <p:ext uri="{BB962C8B-B14F-4D97-AF65-F5344CB8AC3E}">
+        <p14:creationId xmlns:p14="http://schemas.microsoft.com/office/powerpoint/2010/main" val="1631028411"/>
+      </p:ext>
+    </p:extLst>
+  </p:cSld>
+  <p:clrMapOvr>
+    <a:masterClrMapping/>
+  </p:clrMapOvr>
+</p:sld>
+</file>
+
+<file path=ppt/slides/slide24.xml><?xml version="1.0" encoding="utf-8"?>
+<p:sld xmlns:a="http://schemas.openxmlformats.org/drawingml/2006/main" xmlns:r="http://schemas.openxmlformats.org/officeDocument/2006/relationships" xmlns:p="http://schemas.openxmlformats.org/presentationml/2006/main">
+  <p:cSld>
+    <p:spTree>
+      <p:nvGrpSpPr>
+        <p:cNvPr id="1" name=""/>
+        <p:cNvGrpSpPr/>
+        <p:nvPr/>
+      </p:nvGrpSpPr>
+      <p:grpSpPr>
+        <a:xfrm>
+          <a:off x="0" y="0"/>
+          <a:ext cx="0" cy="0"/>
+          <a:chOff x="0" y="0"/>
+          <a:chExt cx="0" cy="0"/>
+        </a:xfrm>
+      </p:grpSpPr>
+      <p:sp>
+        <p:nvSpPr>
+          <p:cNvPr id="3" name="Title 2">
+            <a:extLst>
+              <a:ext uri="{FF2B5EF4-FFF2-40B4-BE49-F238E27FC236}">
+                <a16:creationId xmlns:a16="http://schemas.microsoft.com/office/drawing/2014/main" id="{6E661EF3-7362-BDA3-FC8B-9853BD1FEFC8}"/>
+              </a:ext>
+            </a:extLst>
+          </p:cNvPr>
+          <p:cNvSpPr>
+            <a:spLocks noGrp="1"/>
+          </p:cNvSpPr>
+          <p:nvPr>
+            <p:ph type="title"/>
+          </p:nvPr>
+        </p:nvSpPr>
+        <p:spPr/>
+        <p:txBody>
+          <a:bodyPr/>
+          <a:lstStyle/>
+          <a:p>
+            <a:r>
+              <a:rPr lang="en-US" dirty="0"/>
+              <a:t>Sequence diagram</a:t>
+            </a:r>
+          </a:p>
+        </p:txBody>
+      </p:sp>
+      <p:sp>
+        <p:nvSpPr>
+          <p:cNvPr id="22" name="TextBox 21">
+            <a:extLst>
+              <a:ext uri="{FF2B5EF4-FFF2-40B4-BE49-F238E27FC236}">
+                <a16:creationId xmlns:a16="http://schemas.microsoft.com/office/drawing/2014/main" id="{AB4F0428-2610-4AC8-A172-66C63D46E41D}"/>
+              </a:ext>
+            </a:extLst>
+          </p:cNvPr>
+          <p:cNvSpPr txBox="1"/>
+          <p:nvPr/>
+        </p:nvSpPr>
+        <p:spPr>
+          <a:xfrm>
+            <a:off x="748945" y="1480555"/>
+            <a:ext cx="3788638" cy="523220"/>
+          </a:xfrm>
+          <a:prstGeom prst="rect">
+            <a:avLst/>
+          </a:prstGeom>
+          <a:noFill/>
+        </p:spPr>
+        <p:txBody>
+          <a:bodyPr wrap="square" rtlCol="0">
+            <a:spAutoFit/>
+          </a:bodyPr>
+          <a:lstStyle/>
+          <a:p>
+            <a:r>
+              <a:rPr lang="en-US" sz="1400" b="1" dirty="0"/>
+              <a:t>POI to Mission</a:t>
+            </a:r>
+          </a:p>
+          <a:p>
+            <a:pPr marL="285750" indent="-285750">
+              <a:buFontTx/>
+              <a:buChar char="-"/>
+            </a:pPr>
+            <a:endParaRPr lang="en-US" sz="1400" b="1" dirty="0"/>
+          </a:p>
+        </p:txBody>
+      </p:sp>
+      <p:pic>
+        <p:nvPicPr>
+          <p:cNvPr id="4" name="Picture 3">
+            <a:extLst>
+              <a:ext uri="{FF2B5EF4-FFF2-40B4-BE49-F238E27FC236}">
+                <a16:creationId xmlns:a16="http://schemas.microsoft.com/office/drawing/2014/main" id="{3A76D262-2431-4EC7-A6C9-DCBD55C56DBA}"/>
+              </a:ext>
+            </a:extLst>
+          </p:cNvPr>
+          <p:cNvPicPr>
+            <a:picLocks noChangeAspect="1"/>
+          </p:cNvPicPr>
+          <p:nvPr/>
+        </p:nvPicPr>
+        <p:blipFill>
+          <a:blip r:embed="rId2">
+            <a:extLst>
+              <a:ext uri="{28A0092B-C50C-407E-A947-70E740481C1C}">
+                <a14:useLocalDpi xmlns:a14="http://schemas.microsoft.com/office/drawing/2010/main" val="0"/>
+              </a:ext>
+            </a:extLst>
+          </a:blip>
+          <a:srcRect/>
+          <a:stretch/>
+        </p:blipFill>
+        <p:spPr>
+          <a:xfrm>
+            <a:off x="3704015" y="1203997"/>
+            <a:ext cx="6106582" cy="3750718"/>
+          </a:xfrm>
+          <a:prstGeom prst="rect">
+            <a:avLst/>
+          </a:prstGeom>
+        </p:spPr>
+      </p:pic>
+    </p:spTree>
+    <p:extLst>
+      <p:ext uri="{BB962C8B-B14F-4D97-AF65-F5344CB8AC3E}">
+        <p14:creationId xmlns:p14="http://schemas.microsoft.com/office/powerpoint/2010/main" val="1621710897"/>
+      </p:ext>
+    </p:extLst>
+  </p:cSld>
+  <p:clrMapOvr>
+    <a:masterClrMapping/>
+  </p:clrMapOvr>
+</p:sld>
+</file>
+
+<file path=ppt/slides/slide25.xml><?xml version="1.0" encoding="utf-8"?>
+<p:sld xmlns:a="http://schemas.openxmlformats.org/drawingml/2006/main" xmlns:r="http://schemas.openxmlformats.org/officeDocument/2006/relationships" xmlns:p="http://schemas.openxmlformats.org/presentationml/2006/main">
+  <p:cSld>
+    <p:spTree>
+      <p:nvGrpSpPr>
+        <p:cNvPr id="1" name=""/>
+        <p:cNvGrpSpPr/>
+        <p:nvPr/>
+      </p:nvGrpSpPr>
+      <p:grpSpPr>
+        <a:xfrm>
+          <a:off x="0" y="0"/>
+          <a:ext cx="0" cy="0"/>
+          <a:chOff x="0" y="0"/>
+          <a:chExt cx="0" cy="0"/>
+        </a:xfrm>
+      </p:grpSpPr>
+      <p:sp>
+        <p:nvSpPr>
+          <p:cNvPr id="3" name="Title 2">
+            <a:extLst>
+              <a:ext uri="{FF2B5EF4-FFF2-40B4-BE49-F238E27FC236}">
+                <a16:creationId xmlns:a16="http://schemas.microsoft.com/office/drawing/2014/main" id="{6E661EF3-7362-BDA3-FC8B-9853BD1FEFC8}"/>
+              </a:ext>
+            </a:extLst>
+          </p:cNvPr>
+          <p:cNvSpPr>
+            <a:spLocks noGrp="1"/>
+          </p:cNvSpPr>
+          <p:nvPr>
+            <p:ph type="title"/>
+          </p:nvPr>
+        </p:nvSpPr>
+        <p:spPr/>
+        <p:txBody>
+          <a:bodyPr/>
+          <a:lstStyle/>
+          <a:p>
+            <a:r>
+              <a:rPr lang="en-US" dirty="0"/>
+              <a:t>Sequence diagram</a:t>
+            </a:r>
+          </a:p>
+        </p:txBody>
+      </p:sp>
+      <p:sp>
+        <p:nvSpPr>
+          <p:cNvPr id="22" name="TextBox 21">
+            <a:extLst>
+              <a:ext uri="{FF2B5EF4-FFF2-40B4-BE49-F238E27FC236}">
+                <a16:creationId xmlns:a16="http://schemas.microsoft.com/office/drawing/2014/main" id="{AB4F0428-2610-4AC8-A172-66C63D46E41D}"/>
+              </a:ext>
+            </a:extLst>
+          </p:cNvPr>
+          <p:cNvSpPr txBox="1"/>
+          <p:nvPr/>
+        </p:nvSpPr>
+        <p:spPr>
+          <a:xfrm>
+            <a:off x="748945" y="1480555"/>
+            <a:ext cx="3788638" cy="523220"/>
+          </a:xfrm>
+          <a:prstGeom prst="rect">
+            <a:avLst/>
+          </a:prstGeom>
+          <a:noFill/>
+        </p:spPr>
+        <p:txBody>
+          <a:bodyPr wrap="square" rtlCol="0">
+            <a:spAutoFit/>
+          </a:bodyPr>
+          <a:lstStyle/>
+          <a:p>
+            <a:r>
+              <a:rPr lang="en-US" sz="1400" b="1" dirty="0"/>
+              <a:t>GS to Mission</a:t>
+            </a:r>
+          </a:p>
+          <a:p>
+            <a:pPr marL="285750" indent="-285750">
+              <a:buFontTx/>
+              <a:buChar char="-"/>
+            </a:pPr>
+            <a:endParaRPr lang="en-US" sz="1400" b="1" dirty="0"/>
+          </a:p>
+        </p:txBody>
+      </p:sp>
+      <p:pic>
+        <p:nvPicPr>
+          <p:cNvPr id="4" name="Picture 3">
+            <a:extLst>
+              <a:ext uri="{FF2B5EF4-FFF2-40B4-BE49-F238E27FC236}">
+                <a16:creationId xmlns:a16="http://schemas.microsoft.com/office/drawing/2014/main" id="{3A76D262-2431-4EC7-A6C9-DCBD55C56DBA}"/>
+              </a:ext>
+            </a:extLst>
+          </p:cNvPr>
+          <p:cNvPicPr>
+            <a:picLocks noChangeAspect="1"/>
+          </p:cNvPicPr>
+          <p:nvPr/>
+        </p:nvPicPr>
+        <p:blipFill>
+          <a:blip r:embed="rId2">
+            <a:extLst>
+              <a:ext uri="{28A0092B-C50C-407E-A947-70E740481C1C}">
+                <a14:useLocalDpi xmlns:a14="http://schemas.microsoft.com/office/drawing/2010/main" val="0"/>
+              </a:ext>
+            </a:extLst>
+          </a:blip>
+          <a:srcRect/>
+          <a:stretch/>
+        </p:blipFill>
+        <p:spPr>
+          <a:xfrm>
+            <a:off x="3769234" y="1203997"/>
+            <a:ext cx="5976144" cy="3750718"/>
+          </a:xfrm>
+          <a:prstGeom prst="rect">
+            <a:avLst/>
+          </a:prstGeom>
+        </p:spPr>
+      </p:pic>
+    </p:spTree>
+    <p:extLst>
+      <p:ext uri="{BB962C8B-B14F-4D97-AF65-F5344CB8AC3E}">
+        <p14:creationId xmlns:p14="http://schemas.microsoft.com/office/powerpoint/2010/main" val="3789313736"/>
+      </p:ext>
+    </p:extLst>
+  </p:cSld>
+  <p:clrMapOvr>
+    <a:masterClrMapping/>
+  </p:clrMapOvr>
+</p:sld>
+</file>
+
+<file path=ppt/slides/slide26.xml><?xml version="1.0" encoding="utf-8"?>
+<p:sld xmlns:a="http://schemas.openxmlformats.org/drawingml/2006/main" xmlns:r="http://schemas.openxmlformats.org/officeDocument/2006/relationships" xmlns:p="http://schemas.openxmlformats.org/presentationml/2006/main">
+  <p:cSld>
+    <p:spTree>
+      <p:nvGrpSpPr>
+        <p:cNvPr id="1" name=""/>
+        <p:cNvGrpSpPr/>
+        <p:nvPr/>
+      </p:nvGrpSpPr>
+      <p:grpSpPr>
+        <a:xfrm>
+          <a:off x="0" y="0"/>
+          <a:ext cx="0" cy="0"/>
+          <a:chOff x="0" y="0"/>
+          <a:chExt cx="0" cy="0"/>
+        </a:xfrm>
+      </p:grpSpPr>
+      <p:sp>
+        <p:nvSpPr>
+          <p:cNvPr id="3" name="Title 2">
+            <a:extLst>
+              <a:ext uri="{FF2B5EF4-FFF2-40B4-BE49-F238E27FC236}">
+                <a16:creationId xmlns:a16="http://schemas.microsoft.com/office/drawing/2014/main" id="{6E661EF3-7362-BDA3-FC8B-9853BD1FEFC8}"/>
+              </a:ext>
+            </a:extLst>
+          </p:cNvPr>
+          <p:cNvSpPr>
+            <a:spLocks noGrp="1"/>
+          </p:cNvSpPr>
+          <p:nvPr>
+            <p:ph type="title"/>
+          </p:nvPr>
+        </p:nvSpPr>
+        <p:spPr/>
+        <p:txBody>
+          <a:bodyPr/>
+          <a:lstStyle/>
+          <a:p>
+            <a:r>
+              <a:rPr lang="en-US" dirty="0"/>
+              <a:t>Sequence diagram</a:t>
+            </a:r>
+          </a:p>
+        </p:txBody>
+      </p:sp>
+      <p:sp>
+        <p:nvSpPr>
+          <p:cNvPr id="22" name="TextBox 21">
+            <a:extLst>
+              <a:ext uri="{FF2B5EF4-FFF2-40B4-BE49-F238E27FC236}">
+                <a16:creationId xmlns:a16="http://schemas.microsoft.com/office/drawing/2014/main" id="{AB4F0428-2610-4AC8-A172-66C63D46E41D}"/>
+              </a:ext>
+            </a:extLst>
+          </p:cNvPr>
+          <p:cNvSpPr txBox="1"/>
+          <p:nvPr/>
+        </p:nvSpPr>
+        <p:spPr>
+          <a:xfrm>
+            <a:off x="748945" y="1480555"/>
+            <a:ext cx="3788638" cy="523220"/>
+          </a:xfrm>
+          <a:prstGeom prst="rect">
+            <a:avLst/>
+          </a:prstGeom>
+          <a:noFill/>
+        </p:spPr>
+        <p:txBody>
+          <a:bodyPr wrap="square" rtlCol="0">
+            <a:spAutoFit/>
+          </a:bodyPr>
+          <a:lstStyle/>
+          <a:p>
+            <a:r>
+              <a:rPr lang="en-US" sz="1400" b="1" dirty="0"/>
+              <a:t>Mission to KPIs</a:t>
+            </a:r>
+          </a:p>
+          <a:p>
+            <a:pPr marL="285750" indent="-285750">
+              <a:buFontTx/>
+              <a:buChar char="-"/>
+            </a:pPr>
+            <a:endParaRPr lang="en-US" sz="1400" b="1" dirty="0"/>
+          </a:p>
+        </p:txBody>
+      </p:sp>
+      <p:pic>
+        <p:nvPicPr>
+          <p:cNvPr id="4" name="Picture 3">
+            <a:extLst>
+              <a:ext uri="{FF2B5EF4-FFF2-40B4-BE49-F238E27FC236}">
+                <a16:creationId xmlns:a16="http://schemas.microsoft.com/office/drawing/2014/main" id="{3A76D262-2431-4EC7-A6C9-DCBD55C56DBA}"/>
+              </a:ext>
+            </a:extLst>
+          </p:cNvPr>
+          <p:cNvPicPr>
+            <a:picLocks noChangeAspect="1"/>
+          </p:cNvPicPr>
+          <p:nvPr/>
+        </p:nvPicPr>
+        <p:blipFill>
+          <a:blip r:embed="rId2">
+            <a:extLst>
+              <a:ext uri="{28A0092B-C50C-407E-A947-70E740481C1C}">
+                <a14:useLocalDpi xmlns:a14="http://schemas.microsoft.com/office/drawing/2010/main" val="0"/>
+              </a:ext>
+            </a:extLst>
+          </a:blip>
+          <a:srcRect/>
+          <a:stretch/>
+        </p:blipFill>
+        <p:spPr>
+          <a:xfrm>
+            <a:off x="3202661" y="1203997"/>
+            <a:ext cx="7109291" cy="3750718"/>
+          </a:xfrm>
+          <a:prstGeom prst="rect">
+            <a:avLst/>
+          </a:prstGeom>
+        </p:spPr>
+      </p:pic>
+    </p:spTree>
+    <p:extLst>
+      <p:ext uri="{BB962C8B-B14F-4D97-AF65-F5344CB8AC3E}">
+        <p14:creationId xmlns:p14="http://schemas.microsoft.com/office/powerpoint/2010/main" val="3355389944"/>
+      </p:ext>
+    </p:extLst>
+  </p:cSld>
+  <p:clrMapOvr>
+    <a:masterClrMapping/>
+  </p:clrMapOvr>
+</p:sld>
+</file>
+
+<file path=ppt/slides/slide3.xml><?xml version="1.0" encoding="utf-8"?>
 <p:sld xmlns:a="http://schemas.openxmlformats.org/drawingml/2006/main" xmlns:r="http://schemas.openxmlformats.org/officeDocument/2006/relationships" xmlns:p="http://schemas.openxmlformats.org/presentationml/2006/main">
   <p:cSld>
     <p:spTree>
@@ -8238,7 +10961,7 @@
 </p:sld>
 </file>
 
-<file path=ppt/slides/slide20.xml><?xml version="1.0" encoding="utf-8"?>
+<file path=ppt/slides/slide4.xml><?xml version="1.0" encoding="utf-8"?>
 <p:sld xmlns:a="http://schemas.openxmlformats.org/drawingml/2006/main" xmlns:r="http://schemas.openxmlformats.org/officeDocument/2006/relationships" xmlns:p="http://schemas.openxmlformats.org/presentationml/2006/main">
   <p:cSld>
     <p:spTree>
@@ -8257,10 +10980,10 @@
       </p:grpSpPr>
       <p:sp>
         <p:nvSpPr>
-          <p:cNvPr id="3" name="Title 2">
-            <a:extLst>
-              <a:ext uri="{FF2B5EF4-FFF2-40B4-BE49-F238E27FC236}">
-                <a16:creationId xmlns:a16="http://schemas.microsoft.com/office/drawing/2014/main" id="{6E661EF3-7362-BDA3-FC8B-9853BD1FEFC8}"/>
+          <p:cNvPr id="2" name="Title 1">
+            <a:extLst>
+              <a:ext uri="{FF2B5EF4-FFF2-40B4-BE49-F238E27FC236}">
+                <a16:creationId xmlns:a16="http://schemas.microsoft.com/office/drawing/2014/main" id="{7AE62BF9-74BD-4883-ADCA-F5A6A02ACCE4}"/>
               </a:ext>
             </a:extLst>
           </p:cNvPr>
@@ -8268,7 +10991,7 @@
             <a:spLocks noGrp="1"/>
           </p:cNvSpPr>
           <p:nvPr>
-            <p:ph type="title"/>
+            <p:ph type="ctrTitle"/>
           </p:nvPr>
         </p:nvSpPr>
         <p:spPr/>
@@ -8277,94 +11000,41 @@
           <a:lstStyle/>
           <a:p>
             <a:r>
-              <a:rPr lang="en-US" dirty="0"/>
-              <a:t>Sequence diagram</a:t>
+              <a:rPr lang="fr-FR" dirty="0"/>
+              <a:t>IHM</a:t>
             </a:r>
           </a:p>
         </p:txBody>
       </p:sp>
       <p:sp>
         <p:nvSpPr>
-          <p:cNvPr id="22" name="TextBox 21">
-            <a:extLst>
-              <a:ext uri="{FF2B5EF4-FFF2-40B4-BE49-F238E27FC236}">
-                <a16:creationId xmlns:a16="http://schemas.microsoft.com/office/drawing/2014/main" id="{AB4F0428-2610-4AC8-A172-66C63D46E41D}"/>
-              </a:ext>
-            </a:extLst>
-          </p:cNvPr>
-          <p:cNvSpPr txBox="1"/>
-          <p:nvPr/>
+          <p:cNvPr id="3" name="Subtitle 2">
+            <a:extLst>
+              <a:ext uri="{FF2B5EF4-FFF2-40B4-BE49-F238E27FC236}">
+                <a16:creationId xmlns:a16="http://schemas.microsoft.com/office/drawing/2014/main" id="{0E26F0AF-310D-4B19-B773-DBA75024DC81}"/>
+              </a:ext>
+            </a:extLst>
+          </p:cNvPr>
+          <p:cNvSpPr>
+            <a:spLocks noGrp="1"/>
+          </p:cNvSpPr>
+          <p:nvPr>
+            <p:ph type="subTitle" idx="1"/>
+          </p:nvPr>
         </p:nvSpPr>
-        <p:spPr>
-          <a:xfrm>
-            <a:off x="748945" y="1480555"/>
-            <a:ext cx="3788638" cy="523220"/>
-          </a:xfrm>
-          <a:prstGeom prst="rect">
-            <a:avLst/>
-          </a:prstGeom>
-          <a:noFill/>
-        </p:spPr>
+        <p:spPr/>
         <p:txBody>
-          <a:bodyPr wrap="square" rtlCol="0">
-            <a:spAutoFit/>
-          </a:bodyPr>
+          <a:bodyPr/>
           <a:lstStyle/>
           <a:p>
-            <a:r>
-              <a:rPr lang="en-US" sz="1400" b="1" dirty="0"/>
-              <a:t>Satellite to Mission</a:t>
-            </a:r>
-          </a:p>
-          <a:p>
-            <a:pPr marL="285750" indent="-285750">
-              <a:buFontTx/>
-              <a:buChar char="-"/>
-            </a:pPr>
-            <a:endParaRPr lang="en-US" sz="1400" b="1" dirty="0"/>
+            <a:endParaRPr lang="fr-FR"/>
           </a:p>
         </p:txBody>
       </p:sp>
-      <p:pic>
-        <p:nvPicPr>
-          <p:cNvPr id="4" name="Picture 3" descr="A diagram of a project&#10;&#10;Description automatically generated">
-            <a:extLst>
-              <a:ext uri="{FF2B5EF4-FFF2-40B4-BE49-F238E27FC236}">
-                <a16:creationId xmlns:a16="http://schemas.microsoft.com/office/drawing/2014/main" id="{3A76D262-2431-4EC7-A6C9-DCBD55C56DBA}"/>
-              </a:ext>
-            </a:extLst>
-          </p:cNvPr>
-          <p:cNvPicPr>
-            <a:picLocks noChangeAspect="1"/>
-          </p:cNvPicPr>
-          <p:nvPr/>
-        </p:nvPicPr>
-        <p:blipFill>
-          <a:blip r:embed="rId2">
-            <a:extLst>
-              <a:ext uri="{28A0092B-C50C-407E-A947-70E740481C1C}">
-                <a14:useLocalDpi xmlns:a14="http://schemas.microsoft.com/office/drawing/2010/main" val="0"/>
-              </a:ext>
-            </a:extLst>
-          </a:blip>
-          <a:stretch>
-            <a:fillRect/>
-          </a:stretch>
-        </p:blipFill>
-        <p:spPr>
-          <a:xfrm>
-            <a:off x="3184071" y="1203997"/>
-            <a:ext cx="7146471" cy="3750718"/>
-          </a:xfrm>
-          <a:prstGeom prst="rect">
-            <a:avLst/>
-          </a:prstGeom>
-        </p:spPr>
-      </p:pic>
     </p:spTree>
     <p:extLst>
       <p:ext uri="{BB962C8B-B14F-4D97-AF65-F5344CB8AC3E}">
-        <p14:creationId xmlns:p14="http://schemas.microsoft.com/office/powerpoint/2010/main" val="1631028411"/>
+        <p14:creationId xmlns:p14="http://schemas.microsoft.com/office/powerpoint/2010/main" val="1880955780"/>
       </p:ext>
     </p:extLst>
   </p:cSld>
@@ -8374,512 +11044,7 @@
 </p:sld>
 </file>
 
-<file path=ppt/slides/slide21.xml><?xml version="1.0" encoding="utf-8"?>
-<p:sld xmlns:a="http://schemas.openxmlformats.org/drawingml/2006/main" xmlns:r="http://schemas.openxmlformats.org/officeDocument/2006/relationships" xmlns:p="http://schemas.openxmlformats.org/presentationml/2006/main">
-  <p:cSld>
-    <p:spTree>
-      <p:nvGrpSpPr>
-        <p:cNvPr id="1" name=""/>
-        <p:cNvGrpSpPr/>
-        <p:nvPr/>
-      </p:nvGrpSpPr>
-      <p:grpSpPr>
-        <a:xfrm>
-          <a:off x="0" y="0"/>
-          <a:ext cx="0" cy="0"/>
-          <a:chOff x="0" y="0"/>
-          <a:chExt cx="0" cy="0"/>
-        </a:xfrm>
-      </p:grpSpPr>
-      <p:sp>
-        <p:nvSpPr>
-          <p:cNvPr id="3" name="Title 2">
-            <a:extLst>
-              <a:ext uri="{FF2B5EF4-FFF2-40B4-BE49-F238E27FC236}">
-                <a16:creationId xmlns:a16="http://schemas.microsoft.com/office/drawing/2014/main" id="{6E661EF3-7362-BDA3-FC8B-9853BD1FEFC8}"/>
-              </a:ext>
-            </a:extLst>
-          </p:cNvPr>
-          <p:cNvSpPr>
-            <a:spLocks noGrp="1"/>
-          </p:cNvSpPr>
-          <p:nvPr>
-            <p:ph type="title"/>
-          </p:nvPr>
-        </p:nvSpPr>
-        <p:spPr/>
-        <p:txBody>
-          <a:bodyPr/>
-          <a:lstStyle/>
-          <a:p>
-            <a:r>
-              <a:rPr lang="en-US" dirty="0"/>
-              <a:t>Sequence diagram</a:t>
-            </a:r>
-          </a:p>
-        </p:txBody>
-      </p:sp>
-      <p:sp>
-        <p:nvSpPr>
-          <p:cNvPr id="22" name="TextBox 21">
-            <a:extLst>
-              <a:ext uri="{FF2B5EF4-FFF2-40B4-BE49-F238E27FC236}">
-                <a16:creationId xmlns:a16="http://schemas.microsoft.com/office/drawing/2014/main" id="{AB4F0428-2610-4AC8-A172-66C63D46E41D}"/>
-              </a:ext>
-            </a:extLst>
-          </p:cNvPr>
-          <p:cNvSpPr txBox="1"/>
-          <p:nvPr/>
-        </p:nvSpPr>
-        <p:spPr>
-          <a:xfrm>
-            <a:off x="748945" y="1480555"/>
-            <a:ext cx="3788638" cy="523220"/>
-          </a:xfrm>
-          <a:prstGeom prst="rect">
-            <a:avLst/>
-          </a:prstGeom>
-          <a:noFill/>
-        </p:spPr>
-        <p:txBody>
-          <a:bodyPr wrap="square" rtlCol="0">
-            <a:spAutoFit/>
-          </a:bodyPr>
-          <a:lstStyle/>
-          <a:p>
-            <a:r>
-              <a:rPr lang="en-US" sz="1400" b="1" dirty="0"/>
-              <a:t>POI to Mission</a:t>
-            </a:r>
-          </a:p>
-          <a:p>
-            <a:pPr marL="285750" indent="-285750">
-              <a:buFontTx/>
-              <a:buChar char="-"/>
-            </a:pPr>
-            <a:endParaRPr lang="en-US" sz="1400" b="1" dirty="0"/>
-          </a:p>
-        </p:txBody>
-      </p:sp>
-      <p:pic>
-        <p:nvPicPr>
-          <p:cNvPr id="4" name="Picture 3">
-            <a:extLst>
-              <a:ext uri="{FF2B5EF4-FFF2-40B4-BE49-F238E27FC236}">
-                <a16:creationId xmlns:a16="http://schemas.microsoft.com/office/drawing/2014/main" id="{3A76D262-2431-4EC7-A6C9-DCBD55C56DBA}"/>
-              </a:ext>
-            </a:extLst>
-          </p:cNvPr>
-          <p:cNvPicPr>
-            <a:picLocks noChangeAspect="1"/>
-          </p:cNvPicPr>
-          <p:nvPr/>
-        </p:nvPicPr>
-        <p:blipFill>
-          <a:blip r:embed="rId2">
-            <a:extLst>
-              <a:ext uri="{28A0092B-C50C-407E-A947-70E740481C1C}">
-                <a14:useLocalDpi xmlns:a14="http://schemas.microsoft.com/office/drawing/2010/main" val="0"/>
-              </a:ext>
-            </a:extLst>
-          </a:blip>
-          <a:srcRect/>
-          <a:stretch/>
-        </p:blipFill>
-        <p:spPr>
-          <a:xfrm>
-            <a:off x="3704015" y="1203997"/>
-            <a:ext cx="6106582" cy="3750718"/>
-          </a:xfrm>
-          <a:prstGeom prst="rect">
-            <a:avLst/>
-          </a:prstGeom>
-        </p:spPr>
-      </p:pic>
-    </p:spTree>
-    <p:extLst>
-      <p:ext uri="{BB962C8B-B14F-4D97-AF65-F5344CB8AC3E}">
-        <p14:creationId xmlns:p14="http://schemas.microsoft.com/office/powerpoint/2010/main" val="1621710897"/>
-      </p:ext>
-    </p:extLst>
-  </p:cSld>
-  <p:clrMapOvr>
-    <a:masterClrMapping/>
-  </p:clrMapOvr>
-</p:sld>
-</file>
-
-<file path=ppt/slides/slide22.xml><?xml version="1.0" encoding="utf-8"?>
-<p:sld xmlns:a="http://schemas.openxmlformats.org/drawingml/2006/main" xmlns:r="http://schemas.openxmlformats.org/officeDocument/2006/relationships" xmlns:p="http://schemas.openxmlformats.org/presentationml/2006/main">
-  <p:cSld>
-    <p:spTree>
-      <p:nvGrpSpPr>
-        <p:cNvPr id="1" name=""/>
-        <p:cNvGrpSpPr/>
-        <p:nvPr/>
-      </p:nvGrpSpPr>
-      <p:grpSpPr>
-        <a:xfrm>
-          <a:off x="0" y="0"/>
-          <a:ext cx="0" cy="0"/>
-          <a:chOff x="0" y="0"/>
-          <a:chExt cx="0" cy="0"/>
-        </a:xfrm>
-      </p:grpSpPr>
-      <p:sp>
-        <p:nvSpPr>
-          <p:cNvPr id="3" name="Title 2">
-            <a:extLst>
-              <a:ext uri="{FF2B5EF4-FFF2-40B4-BE49-F238E27FC236}">
-                <a16:creationId xmlns:a16="http://schemas.microsoft.com/office/drawing/2014/main" id="{6E661EF3-7362-BDA3-FC8B-9853BD1FEFC8}"/>
-              </a:ext>
-            </a:extLst>
-          </p:cNvPr>
-          <p:cNvSpPr>
-            <a:spLocks noGrp="1"/>
-          </p:cNvSpPr>
-          <p:nvPr>
-            <p:ph type="title"/>
-          </p:nvPr>
-        </p:nvSpPr>
-        <p:spPr/>
-        <p:txBody>
-          <a:bodyPr/>
-          <a:lstStyle/>
-          <a:p>
-            <a:r>
-              <a:rPr lang="en-US" dirty="0"/>
-              <a:t>Sequence diagram</a:t>
-            </a:r>
-          </a:p>
-        </p:txBody>
-      </p:sp>
-      <p:sp>
-        <p:nvSpPr>
-          <p:cNvPr id="22" name="TextBox 21">
-            <a:extLst>
-              <a:ext uri="{FF2B5EF4-FFF2-40B4-BE49-F238E27FC236}">
-                <a16:creationId xmlns:a16="http://schemas.microsoft.com/office/drawing/2014/main" id="{AB4F0428-2610-4AC8-A172-66C63D46E41D}"/>
-              </a:ext>
-            </a:extLst>
-          </p:cNvPr>
-          <p:cNvSpPr txBox="1"/>
-          <p:nvPr/>
-        </p:nvSpPr>
-        <p:spPr>
-          <a:xfrm>
-            <a:off x="748945" y="1480555"/>
-            <a:ext cx="3788638" cy="523220"/>
-          </a:xfrm>
-          <a:prstGeom prst="rect">
-            <a:avLst/>
-          </a:prstGeom>
-          <a:noFill/>
-        </p:spPr>
-        <p:txBody>
-          <a:bodyPr wrap="square" rtlCol="0">
-            <a:spAutoFit/>
-          </a:bodyPr>
-          <a:lstStyle/>
-          <a:p>
-            <a:r>
-              <a:rPr lang="en-US" sz="1400" b="1" dirty="0"/>
-              <a:t>GS to Mission</a:t>
-            </a:r>
-          </a:p>
-          <a:p>
-            <a:pPr marL="285750" indent="-285750">
-              <a:buFontTx/>
-              <a:buChar char="-"/>
-            </a:pPr>
-            <a:endParaRPr lang="en-US" sz="1400" b="1" dirty="0"/>
-          </a:p>
-        </p:txBody>
-      </p:sp>
-      <p:pic>
-        <p:nvPicPr>
-          <p:cNvPr id="4" name="Picture 3">
-            <a:extLst>
-              <a:ext uri="{FF2B5EF4-FFF2-40B4-BE49-F238E27FC236}">
-                <a16:creationId xmlns:a16="http://schemas.microsoft.com/office/drawing/2014/main" id="{3A76D262-2431-4EC7-A6C9-DCBD55C56DBA}"/>
-              </a:ext>
-            </a:extLst>
-          </p:cNvPr>
-          <p:cNvPicPr>
-            <a:picLocks noChangeAspect="1"/>
-          </p:cNvPicPr>
-          <p:nvPr/>
-        </p:nvPicPr>
-        <p:blipFill>
-          <a:blip r:embed="rId2">
-            <a:extLst>
-              <a:ext uri="{28A0092B-C50C-407E-A947-70E740481C1C}">
-                <a14:useLocalDpi xmlns:a14="http://schemas.microsoft.com/office/drawing/2010/main" val="0"/>
-              </a:ext>
-            </a:extLst>
-          </a:blip>
-          <a:srcRect/>
-          <a:stretch/>
-        </p:blipFill>
-        <p:spPr>
-          <a:xfrm>
-            <a:off x="3769234" y="1203997"/>
-            <a:ext cx="5976144" cy="3750718"/>
-          </a:xfrm>
-          <a:prstGeom prst="rect">
-            <a:avLst/>
-          </a:prstGeom>
-        </p:spPr>
-      </p:pic>
-    </p:spTree>
-    <p:extLst>
-      <p:ext uri="{BB962C8B-B14F-4D97-AF65-F5344CB8AC3E}">
-        <p14:creationId xmlns:p14="http://schemas.microsoft.com/office/powerpoint/2010/main" val="3789313736"/>
-      </p:ext>
-    </p:extLst>
-  </p:cSld>
-  <p:clrMapOvr>
-    <a:masterClrMapping/>
-  </p:clrMapOvr>
-</p:sld>
-</file>
-
-<file path=ppt/slides/slide23.xml><?xml version="1.0" encoding="utf-8"?>
-<p:sld xmlns:a="http://schemas.openxmlformats.org/drawingml/2006/main" xmlns:r="http://schemas.openxmlformats.org/officeDocument/2006/relationships" xmlns:p="http://schemas.openxmlformats.org/presentationml/2006/main">
-  <p:cSld>
-    <p:spTree>
-      <p:nvGrpSpPr>
-        <p:cNvPr id="1" name=""/>
-        <p:cNvGrpSpPr/>
-        <p:nvPr/>
-      </p:nvGrpSpPr>
-      <p:grpSpPr>
-        <a:xfrm>
-          <a:off x="0" y="0"/>
-          <a:ext cx="0" cy="0"/>
-          <a:chOff x="0" y="0"/>
-          <a:chExt cx="0" cy="0"/>
-        </a:xfrm>
-      </p:grpSpPr>
-      <p:sp>
-        <p:nvSpPr>
-          <p:cNvPr id="3" name="Title 2">
-            <a:extLst>
-              <a:ext uri="{FF2B5EF4-FFF2-40B4-BE49-F238E27FC236}">
-                <a16:creationId xmlns:a16="http://schemas.microsoft.com/office/drawing/2014/main" id="{6E661EF3-7362-BDA3-FC8B-9853BD1FEFC8}"/>
-              </a:ext>
-            </a:extLst>
-          </p:cNvPr>
-          <p:cNvSpPr>
-            <a:spLocks noGrp="1"/>
-          </p:cNvSpPr>
-          <p:nvPr>
-            <p:ph type="title"/>
-          </p:nvPr>
-        </p:nvSpPr>
-        <p:spPr/>
-        <p:txBody>
-          <a:bodyPr/>
-          <a:lstStyle/>
-          <a:p>
-            <a:r>
-              <a:rPr lang="en-US" dirty="0"/>
-              <a:t>Sequence diagram</a:t>
-            </a:r>
-          </a:p>
-        </p:txBody>
-      </p:sp>
-      <p:sp>
-        <p:nvSpPr>
-          <p:cNvPr id="22" name="TextBox 21">
-            <a:extLst>
-              <a:ext uri="{FF2B5EF4-FFF2-40B4-BE49-F238E27FC236}">
-                <a16:creationId xmlns:a16="http://schemas.microsoft.com/office/drawing/2014/main" id="{AB4F0428-2610-4AC8-A172-66C63D46E41D}"/>
-              </a:ext>
-            </a:extLst>
-          </p:cNvPr>
-          <p:cNvSpPr txBox="1"/>
-          <p:nvPr/>
-        </p:nvSpPr>
-        <p:spPr>
-          <a:xfrm>
-            <a:off x="748945" y="1480555"/>
-            <a:ext cx="3788638" cy="523220"/>
-          </a:xfrm>
-          <a:prstGeom prst="rect">
-            <a:avLst/>
-          </a:prstGeom>
-          <a:noFill/>
-        </p:spPr>
-        <p:txBody>
-          <a:bodyPr wrap="square" rtlCol="0">
-            <a:spAutoFit/>
-          </a:bodyPr>
-          <a:lstStyle/>
-          <a:p>
-            <a:r>
-              <a:rPr lang="en-US" sz="1400" b="1" dirty="0"/>
-              <a:t>Mission to KPIs</a:t>
-            </a:r>
-          </a:p>
-          <a:p>
-            <a:pPr marL="285750" indent="-285750">
-              <a:buFontTx/>
-              <a:buChar char="-"/>
-            </a:pPr>
-            <a:endParaRPr lang="en-US" sz="1400" b="1" dirty="0"/>
-          </a:p>
-        </p:txBody>
-      </p:sp>
-      <p:pic>
-        <p:nvPicPr>
-          <p:cNvPr id="4" name="Picture 3">
-            <a:extLst>
-              <a:ext uri="{FF2B5EF4-FFF2-40B4-BE49-F238E27FC236}">
-                <a16:creationId xmlns:a16="http://schemas.microsoft.com/office/drawing/2014/main" id="{3A76D262-2431-4EC7-A6C9-DCBD55C56DBA}"/>
-              </a:ext>
-            </a:extLst>
-          </p:cNvPr>
-          <p:cNvPicPr>
-            <a:picLocks noChangeAspect="1"/>
-          </p:cNvPicPr>
-          <p:nvPr/>
-        </p:nvPicPr>
-        <p:blipFill>
-          <a:blip r:embed="rId2">
-            <a:extLst>
-              <a:ext uri="{28A0092B-C50C-407E-A947-70E740481C1C}">
-                <a14:useLocalDpi xmlns:a14="http://schemas.microsoft.com/office/drawing/2010/main" val="0"/>
-              </a:ext>
-            </a:extLst>
-          </a:blip>
-          <a:srcRect/>
-          <a:stretch/>
-        </p:blipFill>
-        <p:spPr>
-          <a:xfrm>
-            <a:off x="3202661" y="1203997"/>
-            <a:ext cx="7109291" cy="3750718"/>
-          </a:xfrm>
-          <a:prstGeom prst="rect">
-            <a:avLst/>
-          </a:prstGeom>
-        </p:spPr>
-      </p:pic>
-    </p:spTree>
-    <p:extLst>
-      <p:ext uri="{BB962C8B-B14F-4D97-AF65-F5344CB8AC3E}">
-        <p14:creationId xmlns:p14="http://schemas.microsoft.com/office/powerpoint/2010/main" val="3355389944"/>
-      </p:ext>
-    </p:extLst>
-  </p:cSld>
-  <p:clrMapOvr>
-    <a:masterClrMapping/>
-  </p:clrMapOvr>
-</p:sld>
-</file>
-
-<file path=ppt/slides/slide24.xml><?xml version="1.0" encoding="utf-8"?>
-<p:sld xmlns:a="http://schemas.openxmlformats.org/drawingml/2006/main" xmlns:r="http://schemas.openxmlformats.org/officeDocument/2006/relationships" xmlns:p="http://schemas.openxmlformats.org/presentationml/2006/main">
-  <p:cSld>
-    <p:spTree>
-      <p:nvGrpSpPr>
-        <p:cNvPr id="1" name=""/>
-        <p:cNvGrpSpPr/>
-        <p:nvPr/>
-      </p:nvGrpSpPr>
-      <p:grpSpPr>
-        <a:xfrm>
-          <a:off x="0" y="0"/>
-          <a:ext cx="0" cy="0"/>
-          <a:chOff x="0" y="0"/>
-          <a:chExt cx="0" cy="0"/>
-        </a:xfrm>
-      </p:grpSpPr>
-      <p:sp>
-        <p:nvSpPr>
-          <p:cNvPr id="3" name="Title 2">
-            <a:extLst>
-              <a:ext uri="{FF2B5EF4-FFF2-40B4-BE49-F238E27FC236}">
-                <a16:creationId xmlns:a16="http://schemas.microsoft.com/office/drawing/2014/main" id="{6E661EF3-7362-BDA3-FC8B-9853BD1FEFC8}"/>
-              </a:ext>
-            </a:extLst>
-          </p:cNvPr>
-          <p:cNvSpPr>
-            <a:spLocks noGrp="1"/>
-          </p:cNvSpPr>
-          <p:nvPr>
-            <p:ph type="title"/>
-          </p:nvPr>
-        </p:nvSpPr>
-        <p:spPr/>
-        <p:txBody>
-          <a:bodyPr/>
-          <a:lstStyle/>
-          <a:p>
-            <a:r>
-              <a:rPr lang="en-US" dirty="0"/>
-              <a:t>Specific Software requirements</a:t>
-            </a:r>
-          </a:p>
-        </p:txBody>
-      </p:sp>
-      <p:sp>
-        <p:nvSpPr>
-          <p:cNvPr id="22" name="TextBox 21">
-            <a:extLst>
-              <a:ext uri="{FF2B5EF4-FFF2-40B4-BE49-F238E27FC236}">
-                <a16:creationId xmlns:a16="http://schemas.microsoft.com/office/drawing/2014/main" id="{AB4F0428-2610-4AC8-A172-66C63D46E41D}"/>
-              </a:ext>
-            </a:extLst>
-          </p:cNvPr>
-          <p:cNvSpPr txBox="1"/>
-          <p:nvPr/>
-        </p:nvSpPr>
-        <p:spPr>
-          <a:xfrm>
-            <a:off x="748945" y="1480555"/>
-            <a:ext cx="3788638" cy="523220"/>
-          </a:xfrm>
-          <a:prstGeom prst="rect">
-            <a:avLst/>
-          </a:prstGeom>
-          <a:noFill/>
-        </p:spPr>
-        <p:txBody>
-          <a:bodyPr wrap="square" rtlCol="0">
-            <a:spAutoFit/>
-          </a:bodyPr>
-          <a:lstStyle/>
-          <a:p>
-            <a:r>
-              <a:rPr lang="en-US" sz="1400" b="1" dirty="0"/>
-              <a:t>Lorem Ipsum</a:t>
-            </a:r>
-          </a:p>
-          <a:p>
-            <a:pPr marL="285750" indent="-285750">
-              <a:buFontTx/>
-              <a:buChar char="-"/>
-            </a:pPr>
-            <a:endParaRPr lang="en-US" sz="1400" b="1" dirty="0"/>
-          </a:p>
-        </p:txBody>
-      </p:sp>
-    </p:spTree>
-    <p:extLst>
-      <p:ext uri="{BB962C8B-B14F-4D97-AF65-F5344CB8AC3E}">
-        <p14:creationId xmlns:p14="http://schemas.microsoft.com/office/powerpoint/2010/main" val="613650362"/>
-      </p:ext>
-    </p:extLst>
-  </p:cSld>
-  <p:clrMapOvr>
-    <a:masterClrMapping/>
-  </p:clrMapOvr>
-</p:sld>
-</file>
-
-<file path=ppt/slides/slide3.xml><?xml version="1.0" encoding="utf-8"?>
+<file path=ppt/slides/slide5.xml><?xml version="1.0" encoding="utf-8"?>
 <p:sld xmlns:a="http://schemas.openxmlformats.org/drawingml/2006/main" xmlns:r="http://schemas.openxmlformats.org/officeDocument/2006/relationships" xmlns:p="http://schemas.openxmlformats.org/presentationml/2006/main">
   <p:cSld>
     <p:spTree>
@@ -9076,7 +11241,7 @@
 </p:sld>
 </file>
 
-<file path=ppt/slides/slide4.xml><?xml version="1.0" encoding="utf-8"?>
+<file path=ppt/slides/slide6.xml><?xml version="1.0" encoding="utf-8"?>
 <p:sld xmlns:a="http://schemas.openxmlformats.org/drawingml/2006/main" xmlns:r="http://schemas.openxmlformats.org/officeDocument/2006/relationships" xmlns:p="http://schemas.openxmlformats.org/presentationml/2006/main">
   <p:cSld>
     <p:spTree>
@@ -9820,7 +11985,7 @@
 </p:sld>
 </file>
 
-<file path=ppt/slides/slide5.xml><?xml version="1.0" encoding="utf-8"?>
+<file path=ppt/slides/slide7.xml><?xml version="1.0" encoding="utf-8"?>
 <p:sld xmlns:a="http://schemas.openxmlformats.org/drawingml/2006/main" xmlns:r="http://schemas.openxmlformats.org/officeDocument/2006/relationships" xmlns:p="http://schemas.openxmlformats.org/presentationml/2006/main">
   <p:cSld>
     <p:spTree>
@@ -10586,7 +12751,7 @@
 </p:sld>
 </file>
 
-<file path=ppt/slides/slide6.xml><?xml version="1.0" encoding="utf-8"?>
+<file path=ppt/slides/slide8.xml><?xml version="1.0" encoding="utf-8"?>
 <p:sld xmlns:a="http://schemas.openxmlformats.org/drawingml/2006/main" xmlns:r="http://schemas.openxmlformats.org/officeDocument/2006/relationships" xmlns:p="http://schemas.openxmlformats.org/presentationml/2006/main">
   <p:cSld>
     <p:spTree>
@@ -11823,1157 +13988,6 @@
 </p:sld>
 </file>
 
-<file path=ppt/slides/slide7.xml><?xml version="1.0" encoding="utf-8"?>
-<p:sld xmlns:a="http://schemas.openxmlformats.org/drawingml/2006/main" xmlns:r="http://schemas.openxmlformats.org/officeDocument/2006/relationships" xmlns:p="http://schemas.openxmlformats.org/presentationml/2006/main">
-  <p:cSld>
-    <p:spTree>
-      <p:nvGrpSpPr>
-        <p:cNvPr id="1" name=""/>
-        <p:cNvGrpSpPr/>
-        <p:nvPr/>
-      </p:nvGrpSpPr>
-      <p:grpSpPr>
-        <a:xfrm>
-          <a:off x="0" y="0"/>
-          <a:ext cx="0" cy="0"/>
-          <a:chOff x="0" y="0"/>
-          <a:chExt cx="0" cy="0"/>
-        </a:xfrm>
-      </p:grpSpPr>
-      <p:sp>
-        <p:nvSpPr>
-          <p:cNvPr id="4" name="Title 3">
-            <a:extLst>
-              <a:ext uri="{FF2B5EF4-FFF2-40B4-BE49-F238E27FC236}">
-                <a16:creationId xmlns:a16="http://schemas.microsoft.com/office/drawing/2014/main" id="{B1142372-5260-4E02-A06F-2F5D932E0B4A}"/>
-              </a:ext>
-            </a:extLst>
-          </p:cNvPr>
-          <p:cNvSpPr>
-            <a:spLocks noGrp="1"/>
-          </p:cNvSpPr>
-          <p:nvPr>
-            <p:ph type="title"/>
-          </p:nvPr>
-        </p:nvSpPr>
-        <p:spPr/>
-        <p:txBody>
-          <a:bodyPr/>
-          <a:lstStyle/>
-          <a:p>
-            <a:r>
-              <a:rPr lang="en-GB" dirty="0"/>
-              <a:t>Define POI</a:t>
-            </a:r>
-          </a:p>
-        </p:txBody>
-      </p:sp>
-      <p:sp>
-        <p:nvSpPr>
-          <p:cNvPr id="3" name="TextBox 2">
-            <a:extLst>
-              <a:ext uri="{FF2B5EF4-FFF2-40B4-BE49-F238E27FC236}">
-                <a16:creationId xmlns:a16="http://schemas.microsoft.com/office/drawing/2014/main" id="{6E5F5470-492F-4BB2-98A0-D1ECD674A623}"/>
-              </a:ext>
-            </a:extLst>
-          </p:cNvPr>
-          <p:cNvSpPr txBox="1"/>
-          <p:nvPr/>
-        </p:nvSpPr>
-        <p:spPr>
-          <a:xfrm>
-            <a:off x="763595" y="1880274"/>
-            <a:ext cx="2723823" cy="369332"/>
-          </a:xfrm>
-          <a:prstGeom prst="rect">
-            <a:avLst/>
-          </a:prstGeom>
-          <a:noFill/>
-        </p:spPr>
-        <p:txBody>
-          <a:bodyPr wrap="none" rtlCol="0">
-            <a:spAutoFit/>
-          </a:bodyPr>
-          <a:lstStyle/>
-          <a:p>
-            <a:r>
-              <a:rPr lang="en-US" b="1" dirty="0"/>
-              <a:t>Create Point of interest</a:t>
-            </a:r>
-          </a:p>
-        </p:txBody>
-      </p:sp>
-      <p:sp>
-        <p:nvSpPr>
-          <p:cNvPr id="5" name="Rectangle: Rounded Corners 4">
-            <a:extLst>
-              <a:ext uri="{FF2B5EF4-FFF2-40B4-BE49-F238E27FC236}">
-                <a16:creationId xmlns:a16="http://schemas.microsoft.com/office/drawing/2014/main" id="{0B73BB9B-7FDF-4BE6-8D56-9A6A34C0C367}"/>
-              </a:ext>
-            </a:extLst>
-          </p:cNvPr>
-          <p:cNvSpPr/>
-          <p:nvPr/>
-        </p:nvSpPr>
-        <p:spPr>
-          <a:xfrm>
-            <a:off x="752807" y="2410536"/>
-            <a:ext cx="2650732" cy="369332"/>
-          </a:xfrm>
-          <a:prstGeom prst="roundRect">
-            <a:avLst/>
-          </a:prstGeom>
-        </p:spPr>
-        <p:style>
-          <a:lnRef idx="2">
-            <a:schemeClr val="accent1">
-              <a:shade val="15000"/>
-            </a:schemeClr>
-          </a:lnRef>
-          <a:fillRef idx="1">
-            <a:schemeClr val="accent1"/>
-          </a:fillRef>
-          <a:effectRef idx="0">
-            <a:schemeClr val="accent1"/>
-          </a:effectRef>
-          <a:fontRef idx="minor">
-            <a:schemeClr val="lt1"/>
-          </a:fontRef>
-        </p:style>
-        <p:txBody>
-          <a:bodyPr rtlCol="0" anchor="ctr"/>
-          <a:lstStyle/>
-          <a:p>
-            <a:pPr algn="ctr"/>
-            <a:r>
-              <a:rPr lang="en-US" dirty="0"/>
-              <a:t>Longitude</a:t>
-            </a:r>
-          </a:p>
-        </p:txBody>
-      </p:sp>
-      <p:sp>
-        <p:nvSpPr>
-          <p:cNvPr id="6" name="Rectangle: Rounded Corners 5">
-            <a:extLst>
-              <a:ext uri="{FF2B5EF4-FFF2-40B4-BE49-F238E27FC236}">
-                <a16:creationId xmlns:a16="http://schemas.microsoft.com/office/drawing/2014/main" id="{FB048CA8-6611-4379-B142-40AA28411F27}"/>
-              </a:ext>
-            </a:extLst>
-          </p:cNvPr>
-          <p:cNvSpPr/>
-          <p:nvPr/>
-        </p:nvSpPr>
-        <p:spPr>
-          <a:xfrm>
-            <a:off x="752807" y="2866550"/>
-            <a:ext cx="2650732" cy="369332"/>
-          </a:xfrm>
-          <a:prstGeom prst="roundRect">
-            <a:avLst/>
-          </a:prstGeom>
-        </p:spPr>
-        <p:style>
-          <a:lnRef idx="2">
-            <a:schemeClr val="accent1">
-              <a:shade val="15000"/>
-            </a:schemeClr>
-          </a:lnRef>
-          <a:fillRef idx="1">
-            <a:schemeClr val="accent1"/>
-          </a:fillRef>
-          <a:effectRef idx="0">
-            <a:schemeClr val="accent1"/>
-          </a:effectRef>
-          <a:fontRef idx="minor">
-            <a:schemeClr val="lt1"/>
-          </a:fontRef>
-        </p:style>
-        <p:txBody>
-          <a:bodyPr rtlCol="0" anchor="ctr"/>
-          <a:lstStyle/>
-          <a:p>
-            <a:pPr algn="ctr"/>
-            <a:r>
-              <a:rPr lang="en-US" dirty="0"/>
-              <a:t>Latitude</a:t>
-            </a:r>
-          </a:p>
-        </p:txBody>
-      </p:sp>
-      <p:sp>
-        <p:nvSpPr>
-          <p:cNvPr id="7" name="Oval 6">
-            <a:extLst>
-              <a:ext uri="{FF2B5EF4-FFF2-40B4-BE49-F238E27FC236}">
-                <a16:creationId xmlns:a16="http://schemas.microsoft.com/office/drawing/2014/main" id="{9C875990-FFD6-4BEE-8D22-E355E4378EF0}"/>
-              </a:ext>
-            </a:extLst>
-          </p:cNvPr>
-          <p:cNvSpPr/>
-          <p:nvPr/>
-        </p:nvSpPr>
-        <p:spPr>
-          <a:xfrm>
-            <a:off x="1845744" y="1163819"/>
-            <a:ext cx="559527" cy="555526"/>
-          </a:xfrm>
-          <a:prstGeom prst="ellipse">
-            <a:avLst/>
-          </a:prstGeom>
-        </p:spPr>
-        <p:style>
-          <a:lnRef idx="2">
-            <a:schemeClr val="accent1">
-              <a:shade val="15000"/>
-            </a:schemeClr>
-          </a:lnRef>
-          <a:fillRef idx="1">
-            <a:schemeClr val="accent1"/>
-          </a:fillRef>
-          <a:effectRef idx="0">
-            <a:schemeClr val="accent1"/>
-          </a:effectRef>
-          <a:fontRef idx="minor">
-            <a:schemeClr val="lt1"/>
-          </a:fontRef>
-        </p:style>
-        <p:txBody>
-          <a:bodyPr rtlCol="0" anchor="ctr"/>
-          <a:lstStyle/>
-          <a:p>
-            <a:pPr algn="ctr"/>
-            <a:r>
-              <a:rPr lang="en-US" b="1" dirty="0"/>
-              <a:t>1</a:t>
-            </a:r>
-          </a:p>
-        </p:txBody>
-      </p:sp>
-      <p:sp>
-        <p:nvSpPr>
-          <p:cNvPr id="8" name="TextBox 7">
-            <a:extLst>
-              <a:ext uri="{FF2B5EF4-FFF2-40B4-BE49-F238E27FC236}">
-                <a16:creationId xmlns:a16="http://schemas.microsoft.com/office/drawing/2014/main" id="{51F5C247-60A0-4CAD-9EC6-0D170B7F3727}"/>
-              </a:ext>
-            </a:extLst>
-          </p:cNvPr>
-          <p:cNvSpPr txBox="1"/>
-          <p:nvPr/>
-        </p:nvSpPr>
-        <p:spPr>
-          <a:xfrm>
-            <a:off x="4468022" y="1880274"/>
-            <a:ext cx="2651110" cy="369332"/>
-          </a:xfrm>
-          <a:prstGeom prst="rect">
-            <a:avLst/>
-          </a:prstGeom>
-          <a:noFill/>
-        </p:spPr>
-        <p:txBody>
-          <a:bodyPr wrap="none" rtlCol="0">
-            <a:spAutoFit/>
-          </a:bodyPr>
-          <a:lstStyle/>
-          <a:p>
-            <a:r>
-              <a:rPr lang="en-US" b="1" dirty="0"/>
-              <a:t>Create Area of interest</a:t>
-            </a:r>
-          </a:p>
-        </p:txBody>
-      </p:sp>
-      <p:sp>
-        <p:nvSpPr>
-          <p:cNvPr id="9" name="Rectangle: Rounded Corners 8">
-            <a:extLst>
-              <a:ext uri="{FF2B5EF4-FFF2-40B4-BE49-F238E27FC236}">
-                <a16:creationId xmlns:a16="http://schemas.microsoft.com/office/drawing/2014/main" id="{416FA1D0-E8D3-4F08-A6A7-2A48DDF69D85}"/>
-              </a:ext>
-            </a:extLst>
-          </p:cNvPr>
-          <p:cNvSpPr/>
-          <p:nvPr/>
-        </p:nvSpPr>
-        <p:spPr>
-          <a:xfrm>
-            <a:off x="4438520" y="2410536"/>
-            <a:ext cx="2650732" cy="369332"/>
-          </a:xfrm>
-          <a:prstGeom prst="roundRect">
-            <a:avLst/>
-          </a:prstGeom>
-        </p:spPr>
-        <p:style>
-          <a:lnRef idx="2">
-            <a:schemeClr val="accent1">
-              <a:shade val="15000"/>
-            </a:schemeClr>
-          </a:lnRef>
-          <a:fillRef idx="1">
-            <a:schemeClr val="accent1"/>
-          </a:fillRef>
-          <a:effectRef idx="0">
-            <a:schemeClr val="accent1"/>
-          </a:effectRef>
-          <a:fontRef idx="minor">
-            <a:schemeClr val="lt1"/>
-          </a:fontRef>
-        </p:style>
-        <p:txBody>
-          <a:bodyPr rtlCol="0" anchor="ctr"/>
-          <a:lstStyle/>
-          <a:p>
-            <a:pPr algn="ctr"/>
-            <a:r>
-              <a:rPr lang="en-US" dirty="0"/>
-              <a:t>Longitude x2</a:t>
-            </a:r>
-          </a:p>
-        </p:txBody>
-      </p:sp>
-      <p:sp>
-        <p:nvSpPr>
-          <p:cNvPr id="10" name="Rectangle: Rounded Corners 9">
-            <a:extLst>
-              <a:ext uri="{FF2B5EF4-FFF2-40B4-BE49-F238E27FC236}">
-                <a16:creationId xmlns:a16="http://schemas.microsoft.com/office/drawing/2014/main" id="{0030D021-1ECC-4885-BE95-33C1BCD95502}"/>
-              </a:ext>
-            </a:extLst>
-          </p:cNvPr>
-          <p:cNvSpPr/>
-          <p:nvPr/>
-        </p:nvSpPr>
-        <p:spPr>
-          <a:xfrm>
-            <a:off x="4438520" y="2866550"/>
-            <a:ext cx="2650732" cy="369332"/>
-          </a:xfrm>
-          <a:prstGeom prst="roundRect">
-            <a:avLst/>
-          </a:prstGeom>
-        </p:spPr>
-        <p:style>
-          <a:lnRef idx="2">
-            <a:schemeClr val="accent1">
-              <a:shade val="15000"/>
-            </a:schemeClr>
-          </a:lnRef>
-          <a:fillRef idx="1">
-            <a:schemeClr val="accent1"/>
-          </a:fillRef>
-          <a:effectRef idx="0">
-            <a:schemeClr val="accent1"/>
-          </a:effectRef>
-          <a:fontRef idx="minor">
-            <a:schemeClr val="lt1"/>
-          </a:fontRef>
-        </p:style>
-        <p:txBody>
-          <a:bodyPr rtlCol="0" anchor="ctr"/>
-          <a:lstStyle/>
-          <a:p>
-            <a:pPr algn="ctr"/>
-            <a:r>
-              <a:rPr lang="en-US" dirty="0"/>
-              <a:t>Latitude x2</a:t>
-            </a:r>
-          </a:p>
-        </p:txBody>
-      </p:sp>
-      <p:sp>
-        <p:nvSpPr>
-          <p:cNvPr id="11" name="Oval 10">
-            <a:extLst>
-              <a:ext uri="{FF2B5EF4-FFF2-40B4-BE49-F238E27FC236}">
-                <a16:creationId xmlns:a16="http://schemas.microsoft.com/office/drawing/2014/main" id="{6A3275BC-C669-48A9-9BBA-DBBF064EA32E}"/>
-              </a:ext>
-            </a:extLst>
-          </p:cNvPr>
-          <p:cNvSpPr/>
-          <p:nvPr/>
-        </p:nvSpPr>
-        <p:spPr>
-          <a:xfrm>
-            <a:off x="5531457" y="1163819"/>
-            <a:ext cx="559527" cy="555526"/>
-          </a:xfrm>
-          <a:prstGeom prst="ellipse">
-            <a:avLst/>
-          </a:prstGeom>
-        </p:spPr>
-        <p:style>
-          <a:lnRef idx="2">
-            <a:schemeClr val="accent1">
-              <a:shade val="15000"/>
-            </a:schemeClr>
-          </a:lnRef>
-          <a:fillRef idx="1">
-            <a:schemeClr val="accent1"/>
-          </a:fillRef>
-          <a:effectRef idx="0">
-            <a:schemeClr val="accent1"/>
-          </a:effectRef>
-          <a:fontRef idx="minor">
-            <a:schemeClr val="lt1"/>
-          </a:fontRef>
-        </p:style>
-        <p:txBody>
-          <a:bodyPr rtlCol="0" anchor="ctr"/>
-          <a:lstStyle/>
-          <a:p>
-            <a:pPr algn="ctr"/>
-            <a:r>
-              <a:rPr lang="en-US" b="1" dirty="0"/>
-              <a:t>1</a:t>
-            </a:r>
-          </a:p>
-        </p:txBody>
-      </p:sp>
-      <p:sp>
-        <p:nvSpPr>
-          <p:cNvPr id="16" name="TextBox 15">
-            <a:extLst>
-              <a:ext uri="{FF2B5EF4-FFF2-40B4-BE49-F238E27FC236}">
-                <a16:creationId xmlns:a16="http://schemas.microsoft.com/office/drawing/2014/main" id="{E58076ED-6755-4F4C-9E2F-007B12C06710}"/>
-              </a:ext>
-            </a:extLst>
-          </p:cNvPr>
-          <p:cNvSpPr txBox="1"/>
-          <p:nvPr/>
-        </p:nvSpPr>
-        <p:spPr>
-          <a:xfrm>
-            <a:off x="3702906" y="1256916"/>
-            <a:ext cx="530915" cy="369332"/>
-          </a:xfrm>
-          <a:prstGeom prst="rect">
-            <a:avLst/>
-          </a:prstGeom>
-          <a:noFill/>
-        </p:spPr>
-        <p:txBody>
-          <a:bodyPr wrap="none" rtlCol="0">
-            <a:spAutoFit/>
-          </a:bodyPr>
-          <a:lstStyle/>
-          <a:p>
-            <a:r>
-              <a:rPr lang="en-US" b="1" dirty="0"/>
-              <a:t>OR</a:t>
-            </a:r>
-          </a:p>
-        </p:txBody>
-      </p:sp>
-      <p:sp>
-        <p:nvSpPr>
-          <p:cNvPr id="12" name="Rectangle: Rounded Corners 11">
-            <a:extLst>
-              <a:ext uri="{FF2B5EF4-FFF2-40B4-BE49-F238E27FC236}">
-                <a16:creationId xmlns:a16="http://schemas.microsoft.com/office/drawing/2014/main" id="{E9F91EF8-0BCD-45C2-ABA1-D1FB38AD892A}"/>
-              </a:ext>
-            </a:extLst>
-          </p:cNvPr>
-          <p:cNvSpPr/>
-          <p:nvPr/>
-        </p:nvSpPr>
-        <p:spPr>
-          <a:xfrm>
-            <a:off x="4438520" y="3322564"/>
-            <a:ext cx="2650732" cy="369332"/>
-          </a:xfrm>
-          <a:prstGeom prst="roundRect">
-            <a:avLst/>
-          </a:prstGeom>
-        </p:spPr>
-        <p:style>
-          <a:lnRef idx="2">
-            <a:schemeClr val="accent1">
-              <a:shade val="15000"/>
-            </a:schemeClr>
-          </a:lnRef>
-          <a:fillRef idx="1">
-            <a:schemeClr val="accent1"/>
-          </a:fillRef>
-          <a:effectRef idx="0">
-            <a:schemeClr val="accent1"/>
-          </a:effectRef>
-          <a:fontRef idx="minor">
-            <a:schemeClr val="lt1"/>
-          </a:fontRef>
-        </p:style>
-        <p:txBody>
-          <a:bodyPr rtlCol="0" anchor="ctr"/>
-          <a:lstStyle/>
-          <a:p>
-            <a:pPr algn="ctr"/>
-            <a:r>
-              <a:rPr lang="en-US" dirty="0"/>
-              <a:t>Resolution step</a:t>
-            </a:r>
-          </a:p>
-        </p:txBody>
-      </p:sp>
-    </p:spTree>
-    <p:extLst>
-      <p:ext uri="{BB962C8B-B14F-4D97-AF65-F5344CB8AC3E}">
-        <p14:creationId xmlns:p14="http://schemas.microsoft.com/office/powerpoint/2010/main" val="3572655291"/>
-      </p:ext>
-    </p:extLst>
-  </p:cSld>
-  <p:clrMapOvr>
-    <a:masterClrMapping/>
-  </p:clrMapOvr>
-</p:sld>
-</file>
-
-<file path=ppt/slides/slide8.xml><?xml version="1.0" encoding="utf-8"?>
-<p:sld xmlns:a="http://schemas.openxmlformats.org/drawingml/2006/main" xmlns:r="http://schemas.openxmlformats.org/officeDocument/2006/relationships" xmlns:p="http://schemas.openxmlformats.org/presentationml/2006/main">
-  <p:cSld>
-    <p:spTree>
-      <p:nvGrpSpPr>
-        <p:cNvPr id="1" name=""/>
-        <p:cNvGrpSpPr/>
-        <p:nvPr/>
-      </p:nvGrpSpPr>
-      <p:grpSpPr>
-        <a:xfrm>
-          <a:off x="0" y="0"/>
-          <a:ext cx="0" cy="0"/>
-          <a:chOff x="0" y="0"/>
-          <a:chExt cx="0" cy="0"/>
-        </a:xfrm>
-      </p:grpSpPr>
-      <p:sp>
-        <p:nvSpPr>
-          <p:cNvPr id="3" name="Title 2">
-            <a:extLst>
-              <a:ext uri="{FF2B5EF4-FFF2-40B4-BE49-F238E27FC236}">
-                <a16:creationId xmlns:a16="http://schemas.microsoft.com/office/drawing/2014/main" id="{6E661EF3-7362-BDA3-FC8B-9853BD1FEFC8}"/>
-              </a:ext>
-            </a:extLst>
-          </p:cNvPr>
-          <p:cNvSpPr>
-            <a:spLocks noGrp="1"/>
-          </p:cNvSpPr>
-          <p:nvPr>
-            <p:ph type="title"/>
-          </p:nvPr>
-        </p:nvSpPr>
-        <p:spPr/>
-        <p:txBody>
-          <a:bodyPr/>
-          <a:lstStyle/>
-          <a:p>
-            <a:r>
-              <a:rPr lang="en-US" dirty="0"/>
-              <a:t>Define GROUND SEGMENT</a:t>
-            </a:r>
-          </a:p>
-        </p:txBody>
-      </p:sp>
-      <p:sp>
-        <p:nvSpPr>
-          <p:cNvPr id="4" name="TextBox 3">
-            <a:extLst>
-              <a:ext uri="{FF2B5EF4-FFF2-40B4-BE49-F238E27FC236}">
-                <a16:creationId xmlns:a16="http://schemas.microsoft.com/office/drawing/2014/main" id="{CFB802CD-9334-59EC-402E-DDCE668E6F5D}"/>
-              </a:ext>
-            </a:extLst>
-          </p:cNvPr>
-          <p:cNvSpPr txBox="1"/>
-          <p:nvPr/>
-        </p:nvSpPr>
-        <p:spPr>
-          <a:xfrm>
-            <a:off x="420822" y="1880274"/>
-            <a:ext cx="3672800" cy="369332"/>
-          </a:xfrm>
-          <a:prstGeom prst="rect">
-            <a:avLst/>
-          </a:prstGeom>
-          <a:noFill/>
-        </p:spPr>
-        <p:txBody>
-          <a:bodyPr wrap="none" rtlCol="0">
-            <a:spAutoFit/>
-          </a:bodyPr>
-          <a:lstStyle/>
-          <a:p>
-            <a:r>
-              <a:rPr lang="en-US" b="1" dirty="0"/>
-              <a:t>Create Ground Station Location</a:t>
-            </a:r>
-          </a:p>
-        </p:txBody>
-      </p:sp>
-      <p:sp>
-        <p:nvSpPr>
-          <p:cNvPr id="5" name="Rectangle: Rounded Corners 4">
-            <a:extLst>
-              <a:ext uri="{FF2B5EF4-FFF2-40B4-BE49-F238E27FC236}">
-                <a16:creationId xmlns:a16="http://schemas.microsoft.com/office/drawing/2014/main" id="{5C8E4067-0621-0498-B348-33FA2ADC5912}"/>
-              </a:ext>
-            </a:extLst>
-          </p:cNvPr>
-          <p:cNvSpPr/>
-          <p:nvPr/>
-        </p:nvSpPr>
-        <p:spPr>
-          <a:xfrm>
-            <a:off x="752807" y="2410536"/>
-            <a:ext cx="2650732" cy="369332"/>
-          </a:xfrm>
-          <a:prstGeom prst="roundRect">
-            <a:avLst/>
-          </a:prstGeom>
-        </p:spPr>
-        <p:style>
-          <a:lnRef idx="2">
-            <a:schemeClr val="accent1">
-              <a:shade val="15000"/>
-            </a:schemeClr>
-          </a:lnRef>
-          <a:fillRef idx="1">
-            <a:schemeClr val="accent1"/>
-          </a:fillRef>
-          <a:effectRef idx="0">
-            <a:schemeClr val="accent1"/>
-          </a:effectRef>
-          <a:fontRef idx="minor">
-            <a:schemeClr val="lt1"/>
-          </a:fontRef>
-        </p:style>
-        <p:txBody>
-          <a:bodyPr rtlCol="0" anchor="ctr"/>
-          <a:lstStyle/>
-          <a:p>
-            <a:pPr algn="ctr"/>
-            <a:r>
-              <a:rPr lang="en-US" dirty="0"/>
-              <a:t>Longitude</a:t>
-            </a:r>
-          </a:p>
-        </p:txBody>
-      </p:sp>
-      <p:sp>
-        <p:nvSpPr>
-          <p:cNvPr id="6" name="Rectangle: Rounded Corners 5">
-            <a:extLst>
-              <a:ext uri="{FF2B5EF4-FFF2-40B4-BE49-F238E27FC236}">
-                <a16:creationId xmlns:a16="http://schemas.microsoft.com/office/drawing/2014/main" id="{D64AD407-427B-1EB3-B0AE-B453A73D300A}"/>
-              </a:ext>
-            </a:extLst>
-          </p:cNvPr>
-          <p:cNvSpPr/>
-          <p:nvPr/>
-        </p:nvSpPr>
-        <p:spPr>
-          <a:xfrm>
-            <a:off x="752807" y="2866550"/>
-            <a:ext cx="2650732" cy="369332"/>
-          </a:xfrm>
-          <a:prstGeom prst="roundRect">
-            <a:avLst/>
-          </a:prstGeom>
-        </p:spPr>
-        <p:style>
-          <a:lnRef idx="2">
-            <a:schemeClr val="accent1">
-              <a:shade val="15000"/>
-            </a:schemeClr>
-          </a:lnRef>
-          <a:fillRef idx="1">
-            <a:schemeClr val="accent1"/>
-          </a:fillRef>
-          <a:effectRef idx="0">
-            <a:schemeClr val="accent1"/>
-          </a:effectRef>
-          <a:fontRef idx="minor">
-            <a:schemeClr val="lt1"/>
-          </a:fontRef>
-        </p:style>
-        <p:txBody>
-          <a:bodyPr rtlCol="0" anchor="ctr"/>
-          <a:lstStyle/>
-          <a:p>
-            <a:pPr algn="ctr"/>
-            <a:r>
-              <a:rPr lang="en-US" dirty="0"/>
-              <a:t>Latitude</a:t>
-            </a:r>
-          </a:p>
-        </p:txBody>
-      </p:sp>
-      <p:sp>
-        <p:nvSpPr>
-          <p:cNvPr id="7" name="Oval 6">
-            <a:extLst>
-              <a:ext uri="{FF2B5EF4-FFF2-40B4-BE49-F238E27FC236}">
-                <a16:creationId xmlns:a16="http://schemas.microsoft.com/office/drawing/2014/main" id="{62F2DBDF-2B8F-44EF-97F7-C25CDF54DD30}"/>
-              </a:ext>
-            </a:extLst>
-          </p:cNvPr>
-          <p:cNvSpPr/>
-          <p:nvPr/>
-        </p:nvSpPr>
-        <p:spPr>
-          <a:xfrm>
-            <a:off x="1845744" y="1163819"/>
-            <a:ext cx="559527" cy="555526"/>
-          </a:xfrm>
-          <a:prstGeom prst="ellipse">
-            <a:avLst/>
-          </a:prstGeom>
-        </p:spPr>
-        <p:style>
-          <a:lnRef idx="2">
-            <a:schemeClr val="accent1">
-              <a:shade val="15000"/>
-            </a:schemeClr>
-          </a:lnRef>
-          <a:fillRef idx="1">
-            <a:schemeClr val="accent1"/>
-          </a:fillRef>
-          <a:effectRef idx="0">
-            <a:schemeClr val="accent1"/>
-          </a:effectRef>
-          <a:fontRef idx="minor">
-            <a:schemeClr val="lt1"/>
-          </a:fontRef>
-        </p:style>
-        <p:txBody>
-          <a:bodyPr rtlCol="0" anchor="ctr"/>
-          <a:lstStyle/>
-          <a:p>
-            <a:pPr algn="ctr"/>
-            <a:r>
-              <a:rPr lang="en-US" b="1" dirty="0"/>
-              <a:t>1</a:t>
-            </a:r>
-          </a:p>
-        </p:txBody>
-      </p:sp>
-      <p:sp>
-        <p:nvSpPr>
-          <p:cNvPr id="8" name="Oval 7">
-            <a:extLst>
-              <a:ext uri="{FF2B5EF4-FFF2-40B4-BE49-F238E27FC236}">
-                <a16:creationId xmlns:a16="http://schemas.microsoft.com/office/drawing/2014/main" id="{5EB8F9C6-1966-4D58-BA92-01D67489FCFA}"/>
-              </a:ext>
-            </a:extLst>
-          </p:cNvPr>
-          <p:cNvSpPr/>
-          <p:nvPr/>
-        </p:nvSpPr>
-        <p:spPr>
-          <a:xfrm>
-            <a:off x="5518367" y="1163819"/>
-            <a:ext cx="559527" cy="555526"/>
-          </a:xfrm>
-          <a:prstGeom prst="ellipse">
-            <a:avLst/>
-          </a:prstGeom>
-        </p:spPr>
-        <p:style>
-          <a:lnRef idx="2">
-            <a:schemeClr val="accent1">
-              <a:shade val="15000"/>
-            </a:schemeClr>
-          </a:lnRef>
-          <a:fillRef idx="1">
-            <a:schemeClr val="accent1"/>
-          </a:fillRef>
-          <a:effectRef idx="0">
-            <a:schemeClr val="accent1"/>
-          </a:effectRef>
-          <a:fontRef idx="minor">
-            <a:schemeClr val="lt1"/>
-          </a:fontRef>
-        </p:style>
-        <p:txBody>
-          <a:bodyPr rtlCol="0" anchor="ctr"/>
-          <a:lstStyle/>
-          <a:p>
-            <a:pPr algn="ctr"/>
-            <a:r>
-              <a:rPr lang="en-US" b="1" dirty="0"/>
-              <a:t>2</a:t>
-            </a:r>
-          </a:p>
-        </p:txBody>
-      </p:sp>
-      <p:sp>
-        <p:nvSpPr>
-          <p:cNvPr id="9" name="TextBox 8">
-            <a:extLst>
-              <a:ext uri="{FF2B5EF4-FFF2-40B4-BE49-F238E27FC236}">
-                <a16:creationId xmlns:a16="http://schemas.microsoft.com/office/drawing/2014/main" id="{D0D27E75-584C-4711-90F1-203A174B55B4}"/>
-              </a:ext>
-            </a:extLst>
-          </p:cNvPr>
-          <p:cNvSpPr txBox="1"/>
-          <p:nvPr/>
-        </p:nvSpPr>
-        <p:spPr>
-          <a:xfrm>
-            <a:off x="4019439" y="1880274"/>
-            <a:ext cx="3557384" cy="369332"/>
-          </a:xfrm>
-          <a:prstGeom prst="rect">
-            <a:avLst/>
-          </a:prstGeom>
-          <a:noFill/>
-        </p:spPr>
-        <p:txBody>
-          <a:bodyPr wrap="none" rtlCol="0">
-            <a:spAutoFit/>
-          </a:bodyPr>
-          <a:lstStyle/>
-          <a:p>
-            <a:r>
-              <a:rPr lang="en-US" b="1" dirty="0"/>
-              <a:t>Ground Station characteristics</a:t>
-            </a:r>
-          </a:p>
-        </p:txBody>
-      </p:sp>
-      <p:sp>
-        <p:nvSpPr>
-          <p:cNvPr id="10" name="Rectangle: Rounded Corners 9">
-            <a:extLst>
-              <a:ext uri="{FF2B5EF4-FFF2-40B4-BE49-F238E27FC236}">
-                <a16:creationId xmlns:a16="http://schemas.microsoft.com/office/drawing/2014/main" id="{46506307-D898-4509-8CB0-782A2653DD2B}"/>
-              </a:ext>
-            </a:extLst>
-          </p:cNvPr>
-          <p:cNvSpPr/>
-          <p:nvPr/>
-        </p:nvSpPr>
-        <p:spPr>
-          <a:xfrm>
-            <a:off x="4482908" y="2410536"/>
-            <a:ext cx="2650732" cy="369332"/>
-          </a:xfrm>
-          <a:prstGeom prst="roundRect">
-            <a:avLst/>
-          </a:prstGeom>
-        </p:spPr>
-        <p:style>
-          <a:lnRef idx="2">
-            <a:schemeClr val="accent1">
-              <a:shade val="15000"/>
-            </a:schemeClr>
-          </a:lnRef>
-          <a:fillRef idx="1">
-            <a:schemeClr val="accent1"/>
-          </a:fillRef>
-          <a:effectRef idx="0">
-            <a:schemeClr val="accent1"/>
-          </a:effectRef>
-          <a:fontRef idx="minor">
-            <a:schemeClr val="lt1"/>
-          </a:fontRef>
-        </p:style>
-        <p:txBody>
-          <a:bodyPr rtlCol="0" anchor="ctr"/>
-          <a:lstStyle/>
-          <a:p>
-            <a:pPr algn="ctr"/>
-            <a:r>
-              <a:rPr lang="en-US" dirty="0"/>
-              <a:t>elevation</a:t>
-            </a:r>
-          </a:p>
-        </p:txBody>
-      </p:sp>
-      <p:sp>
-        <p:nvSpPr>
-          <p:cNvPr id="11" name="Rectangle: Rounded Corners 10">
-            <a:extLst>
-              <a:ext uri="{FF2B5EF4-FFF2-40B4-BE49-F238E27FC236}">
-                <a16:creationId xmlns:a16="http://schemas.microsoft.com/office/drawing/2014/main" id="{5E094444-3DDA-45C6-AC02-34644FE59A24}"/>
-              </a:ext>
-            </a:extLst>
-          </p:cNvPr>
-          <p:cNvSpPr/>
-          <p:nvPr/>
-        </p:nvSpPr>
-        <p:spPr>
-          <a:xfrm>
-            <a:off x="4482908" y="2866550"/>
-            <a:ext cx="2650732" cy="369332"/>
-          </a:xfrm>
-          <a:prstGeom prst="roundRect">
-            <a:avLst/>
-          </a:prstGeom>
-        </p:spPr>
-        <p:style>
-          <a:lnRef idx="2">
-            <a:schemeClr val="accent1">
-              <a:shade val="15000"/>
-            </a:schemeClr>
-          </a:lnRef>
-          <a:fillRef idx="1">
-            <a:schemeClr val="accent1"/>
-          </a:fillRef>
-          <a:effectRef idx="0">
-            <a:schemeClr val="accent1"/>
-          </a:effectRef>
-          <a:fontRef idx="minor">
-            <a:schemeClr val="lt1"/>
-          </a:fontRef>
-        </p:style>
-        <p:txBody>
-          <a:bodyPr rtlCol="0" anchor="ctr"/>
-          <a:lstStyle/>
-          <a:p>
-            <a:pPr algn="ctr"/>
-            <a:r>
-              <a:rPr lang="en-US" dirty="0"/>
-              <a:t>Orbital arc</a:t>
-            </a:r>
-          </a:p>
-        </p:txBody>
-      </p:sp>
-      <p:sp>
-        <p:nvSpPr>
-          <p:cNvPr id="12" name="Rectangle: Rounded Corners 11">
-            <a:extLst>
-              <a:ext uri="{FF2B5EF4-FFF2-40B4-BE49-F238E27FC236}">
-                <a16:creationId xmlns:a16="http://schemas.microsoft.com/office/drawing/2014/main" id="{619F1686-ABE6-48B8-A0D2-6A88C8565CD0}"/>
-              </a:ext>
-            </a:extLst>
-          </p:cNvPr>
-          <p:cNvSpPr/>
-          <p:nvPr/>
-        </p:nvSpPr>
-        <p:spPr>
-          <a:xfrm>
-            <a:off x="4482908" y="3308272"/>
-            <a:ext cx="2650732" cy="369332"/>
-          </a:xfrm>
-          <a:prstGeom prst="roundRect">
-            <a:avLst/>
-          </a:prstGeom>
-        </p:spPr>
-        <p:style>
-          <a:lnRef idx="2">
-            <a:schemeClr val="accent1">
-              <a:shade val="15000"/>
-            </a:schemeClr>
-          </a:lnRef>
-          <a:fillRef idx="1">
-            <a:schemeClr val="accent1"/>
-          </a:fillRef>
-          <a:effectRef idx="0">
-            <a:schemeClr val="accent1"/>
-          </a:effectRef>
-          <a:fontRef idx="minor">
-            <a:schemeClr val="lt1"/>
-          </a:fontRef>
-        </p:style>
-        <p:txBody>
-          <a:bodyPr rtlCol="0" anchor="ctr"/>
-          <a:lstStyle/>
-          <a:p>
-            <a:pPr algn="ctr"/>
-            <a:r>
-              <a:rPr lang="en-US" dirty="0"/>
-              <a:t>data</a:t>
-            </a:r>
-          </a:p>
-        </p:txBody>
-      </p:sp>
-      <p:sp>
-        <p:nvSpPr>
-          <p:cNvPr id="13" name="Rectangle: Rounded Corners 12">
-            <a:extLst>
-              <a:ext uri="{FF2B5EF4-FFF2-40B4-BE49-F238E27FC236}">
-                <a16:creationId xmlns:a16="http://schemas.microsoft.com/office/drawing/2014/main" id="{9F9A3B37-B6BE-4291-B769-0B023537397E}"/>
-              </a:ext>
-            </a:extLst>
-          </p:cNvPr>
-          <p:cNvSpPr/>
-          <p:nvPr/>
-        </p:nvSpPr>
-        <p:spPr>
-          <a:xfrm>
-            <a:off x="4482908" y="3764286"/>
-            <a:ext cx="2650732" cy="369332"/>
-          </a:xfrm>
-          <a:prstGeom prst="roundRect">
-            <a:avLst/>
-          </a:prstGeom>
-        </p:spPr>
-        <p:style>
-          <a:lnRef idx="2">
-            <a:schemeClr val="accent1">
-              <a:shade val="15000"/>
-            </a:schemeClr>
-          </a:lnRef>
-          <a:fillRef idx="1">
-            <a:schemeClr val="accent1"/>
-          </a:fillRef>
-          <a:effectRef idx="0">
-            <a:schemeClr val="accent1"/>
-          </a:effectRef>
-          <a:fontRef idx="minor">
-            <a:schemeClr val="lt1"/>
-          </a:fontRef>
-        </p:style>
-        <p:txBody>
-          <a:bodyPr rtlCol="0" anchor="ctr"/>
-          <a:lstStyle/>
-          <a:p>
-            <a:pPr algn="ctr"/>
-            <a:r>
-              <a:rPr lang="en-US" dirty="0"/>
-              <a:t>bandwidth</a:t>
-            </a:r>
-          </a:p>
-        </p:txBody>
-      </p:sp>
-      <p:sp>
-        <p:nvSpPr>
-          <p:cNvPr id="14" name="Oval 13">
-            <a:extLst>
-              <a:ext uri="{FF2B5EF4-FFF2-40B4-BE49-F238E27FC236}">
-                <a16:creationId xmlns:a16="http://schemas.microsoft.com/office/drawing/2014/main" id="{33DF1263-8A66-496B-9C53-1E23F01589D0}"/>
-              </a:ext>
-            </a:extLst>
-          </p:cNvPr>
-          <p:cNvSpPr/>
-          <p:nvPr/>
-        </p:nvSpPr>
-        <p:spPr>
-          <a:xfrm>
-            <a:off x="9318714" y="1163819"/>
-            <a:ext cx="559527" cy="555526"/>
-          </a:xfrm>
-          <a:prstGeom prst="ellipse">
-            <a:avLst/>
-          </a:prstGeom>
-        </p:spPr>
-        <p:style>
-          <a:lnRef idx="2">
-            <a:schemeClr val="accent1">
-              <a:shade val="15000"/>
-            </a:schemeClr>
-          </a:lnRef>
-          <a:fillRef idx="1">
-            <a:schemeClr val="accent1"/>
-          </a:fillRef>
-          <a:effectRef idx="0">
-            <a:schemeClr val="accent1"/>
-          </a:effectRef>
-          <a:fontRef idx="minor">
-            <a:schemeClr val="lt1"/>
-          </a:fontRef>
-        </p:style>
-        <p:txBody>
-          <a:bodyPr rtlCol="0" anchor="ctr"/>
-          <a:lstStyle/>
-          <a:p>
-            <a:pPr algn="ctr"/>
-            <a:r>
-              <a:rPr lang="en-US" b="1" dirty="0"/>
-              <a:t>3</a:t>
-            </a:r>
-          </a:p>
-        </p:txBody>
-      </p:sp>
-      <p:sp>
-        <p:nvSpPr>
-          <p:cNvPr id="15" name="TextBox 14">
-            <a:extLst>
-              <a:ext uri="{FF2B5EF4-FFF2-40B4-BE49-F238E27FC236}">
-                <a16:creationId xmlns:a16="http://schemas.microsoft.com/office/drawing/2014/main" id="{5CBA3EA7-E0EC-42AF-859A-5FE47108802F}"/>
-              </a:ext>
-            </a:extLst>
-          </p:cNvPr>
-          <p:cNvSpPr txBox="1"/>
-          <p:nvPr/>
-        </p:nvSpPr>
-        <p:spPr>
-          <a:xfrm>
-            <a:off x="8161267" y="1787941"/>
-            <a:ext cx="2874420" cy="923330"/>
-          </a:xfrm>
-          <a:prstGeom prst="rect">
-            <a:avLst/>
-          </a:prstGeom>
-          <a:noFill/>
-        </p:spPr>
-        <p:txBody>
-          <a:bodyPr wrap="square" rtlCol="0">
-            <a:spAutoFit/>
-          </a:bodyPr>
-          <a:lstStyle/>
-          <a:p>
-            <a:pPr algn="ctr"/>
-            <a:r>
-              <a:rPr lang="en-US" b="1" dirty="0"/>
-              <a:t>Associate GS characteristics to GS location</a:t>
-            </a:r>
-          </a:p>
-        </p:txBody>
-      </p:sp>
-      <p:sp>
-        <p:nvSpPr>
-          <p:cNvPr id="16" name="TextBox 15">
-            <a:extLst>
-              <a:ext uri="{FF2B5EF4-FFF2-40B4-BE49-F238E27FC236}">
-                <a16:creationId xmlns:a16="http://schemas.microsoft.com/office/drawing/2014/main" id="{7FC80D53-027E-4F85-B7BC-2EC40F182D51}"/>
-              </a:ext>
-            </a:extLst>
-          </p:cNvPr>
-          <p:cNvSpPr txBox="1"/>
-          <p:nvPr/>
-        </p:nvSpPr>
-        <p:spPr>
-          <a:xfrm>
-            <a:off x="8161267" y="4733548"/>
-            <a:ext cx="2874420" cy="923330"/>
-          </a:xfrm>
-          <a:prstGeom prst="rect">
-            <a:avLst/>
-          </a:prstGeom>
-          <a:noFill/>
-        </p:spPr>
-        <p:txBody>
-          <a:bodyPr wrap="square" rtlCol="0">
-            <a:spAutoFit/>
-          </a:bodyPr>
-          <a:lstStyle/>
-          <a:p>
-            <a:pPr algn="ctr"/>
-            <a:r>
-              <a:rPr lang="en-US" b="1" dirty="0"/>
-              <a:t>Option: Import pre-existing data</a:t>
-            </a:r>
-          </a:p>
-          <a:p>
-            <a:pPr algn="ctr"/>
-            <a:endParaRPr lang="en-US" b="1" dirty="0"/>
-          </a:p>
-        </p:txBody>
-      </p:sp>
-    </p:spTree>
-    <p:extLst>
-      <p:ext uri="{BB962C8B-B14F-4D97-AF65-F5344CB8AC3E}">
-        <p14:creationId xmlns:p14="http://schemas.microsoft.com/office/powerpoint/2010/main" val="75018955"/>
-      </p:ext>
-    </p:extLst>
-  </p:cSld>
-  <p:clrMapOvr>
-    <a:masterClrMapping/>
-  </p:clrMapOvr>
-</p:sld>
-</file>
-
 <file path=ppt/slides/slide9.xml><?xml version="1.0" encoding="utf-8"?>
 <p:sld xmlns:a="http://schemas.openxmlformats.org/drawingml/2006/main" xmlns:r="http://schemas.openxmlformats.org/officeDocument/2006/relationships" xmlns:p="http://schemas.openxmlformats.org/presentationml/2006/main">
   <p:cSld>
@@ -12993,10 +14007,10 @@
       </p:grpSpPr>
       <p:sp>
         <p:nvSpPr>
-          <p:cNvPr id="3" name="Title 2">
-            <a:extLst>
-              <a:ext uri="{FF2B5EF4-FFF2-40B4-BE49-F238E27FC236}">
-                <a16:creationId xmlns:a16="http://schemas.microsoft.com/office/drawing/2014/main" id="{CE8310E7-BE30-A220-3EEE-36ADD906249E}"/>
+          <p:cNvPr id="2" name="Title 1">
+            <a:extLst>
+              <a:ext uri="{FF2B5EF4-FFF2-40B4-BE49-F238E27FC236}">
+                <a16:creationId xmlns:a16="http://schemas.microsoft.com/office/drawing/2014/main" id="{FAA1398F-4567-40F7-B775-84932B681495}"/>
               </a:ext>
             </a:extLst>
           </p:cNvPr>
@@ -13004,7 +14018,7 @@
             <a:spLocks noGrp="1"/>
           </p:cNvSpPr>
           <p:nvPr>
-            <p:ph type="title"/>
+            <p:ph type="ctrTitle"/>
           </p:nvPr>
         </p:nvSpPr>
         <p:spPr/>
@@ -13013,895 +14027,42 @@
           <a:lstStyle/>
           <a:p>
             <a:r>
-              <a:rPr lang="en-US" dirty="0"/>
-              <a:t>CONSTELLATION DEFINITION</a:t>
-            </a:r>
+              <a:rPr lang="fr-FR" dirty="0" err="1"/>
+              <a:t>Requirements</a:t>
+            </a:r>
+            <a:endParaRPr lang="fr-FR" dirty="0"/>
           </a:p>
         </p:txBody>
       </p:sp>
       <p:sp>
         <p:nvSpPr>
-          <p:cNvPr id="4" name="TextBox 3">
-            <a:extLst>
-              <a:ext uri="{FF2B5EF4-FFF2-40B4-BE49-F238E27FC236}">
-                <a16:creationId xmlns:a16="http://schemas.microsoft.com/office/drawing/2014/main" id="{00949F80-28B8-D228-2880-C6861C6B4450}"/>
-              </a:ext>
-            </a:extLst>
-          </p:cNvPr>
-          <p:cNvSpPr txBox="1"/>
-          <p:nvPr/>
+          <p:cNvPr id="3" name="Subtitle 2">
+            <a:extLst>
+              <a:ext uri="{FF2B5EF4-FFF2-40B4-BE49-F238E27FC236}">
+                <a16:creationId xmlns:a16="http://schemas.microsoft.com/office/drawing/2014/main" id="{83A2CA26-C64B-4604-985C-E125AA43B2A7}"/>
+              </a:ext>
+            </a:extLst>
+          </p:cNvPr>
+          <p:cNvSpPr>
+            <a:spLocks noGrp="1"/>
+          </p:cNvSpPr>
+          <p:nvPr>
+            <p:ph type="subTitle" idx="1"/>
+          </p:nvPr>
         </p:nvSpPr>
-        <p:spPr>
-          <a:xfrm>
-            <a:off x="1373722" y="1711312"/>
-            <a:ext cx="1479892" cy="369332"/>
-          </a:xfrm>
-          <a:prstGeom prst="rect">
-            <a:avLst/>
-          </a:prstGeom>
-          <a:noFill/>
-        </p:spPr>
+        <p:spPr/>
         <p:txBody>
-          <a:bodyPr wrap="none" rtlCol="0">
-            <a:spAutoFit/>
-          </a:bodyPr>
+          <a:bodyPr/>
           <a:lstStyle/>
           <a:p>
-            <a:r>
-              <a:rPr lang="en-US" b="1" dirty="0"/>
-              <a:t>Create orbit</a:t>
-            </a:r>
-          </a:p>
-        </p:txBody>
-      </p:sp>
-      <p:sp>
-        <p:nvSpPr>
-          <p:cNvPr id="5" name="Oval 4">
-            <a:extLst>
-              <a:ext uri="{FF2B5EF4-FFF2-40B4-BE49-F238E27FC236}">
-                <a16:creationId xmlns:a16="http://schemas.microsoft.com/office/drawing/2014/main" id="{82E59C7A-9E20-E504-4CF7-E7FB99685551}"/>
-              </a:ext>
-            </a:extLst>
-          </p:cNvPr>
-          <p:cNvSpPr/>
-          <p:nvPr/>
-        </p:nvSpPr>
-        <p:spPr>
-          <a:xfrm>
-            <a:off x="1845744" y="1163819"/>
-            <a:ext cx="559527" cy="555526"/>
-          </a:xfrm>
-          <a:prstGeom prst="ellipse">
-            <a:avLst/>
-          </a:prstGeom>
-        </p:spPr>
-        <p:style>
-          <a:lnRef idx="2">
-            <a:schemeClr val="accent1">
-              <a:shade val="15000"/>
-            </a:schemeClr>
-          </a:lnRef>
-          <a:fillRef idx="1">
-            <a:schemeClr val="accent1"/>
-          </a:fillRef>
-          <a:effectRef idx="0">
-            <a:schemeClr val="accent1"/>
-          </a:effectRef>
-          <a:fontRef idx="minor">
-            <a:schemeClr val="lt1"/>
-          </a:fontRef>
-        </p:style>
-        <p:txBody>
-          <a:bodyPr rtlCol="0" anchor="ctr"/>
-          <a:lstStyle/>
-          <a:p>
-            <a:pPr algn="ctr"/>
-            <a:r>
-              <a:rPr lang="en-US" b="1" dirty="0"/>
-              <a:t>1</a:t>
-            </a:r>
-          </a:p>
-        </p:txBody>
-      </p:sp>
-      <p:sp>
-        <p:nvSpPr>
-          <p:cNvPr id="6" name="Rectangle: Rounded Corners 5">
-            <a:extLst>
-              <a:ext uri="{FF2B5EF4-FFF2-40B4-BE49-F238E27FC236}">
-                <a16:creationId xmlns:a16="http://schemas.microsoft.com/office/drawing/2014/main" id="{FF79BA29-2221-A6F4-529B-2AAA993F89E0}"/>
-              </a:ext>
-            </a:extLst>
-          </p:cNvPr>
-          <p:cNvSpPr/>
-          <p:nvPr/>
-        </p:nvSpPr>
-        <p:spPr>
-          <a:xfrm>
-            <a:off x="770562" y="2159336"/>
-            <a:ext cx="2650732" cy="369332"/>
-          </a:xfrm>
-          <a:prstGeom prst="roundRect">
-            <a:avLst/>
-          </a:prstGeom>
-        </p:spPr>
-        <p:style>
-          <a:lnRef idx="2">
-            <a:schemeClr val="accent1">
-              <a:shade val="15000"/>
-            </a:schemeClr>
-          </a:lnRef>
-          <a:fillRef idx="1">
-            <a:schemeClr val="accent1"/>
-          </a:fillRef>
-          <a:effectRef idx="0">
-            <a:schemeClr val="accent1"/>
-          </a:effectRef>
-          <a:fontRef idx="minor">
-            <a:schemeClr val="lt1"/>
-          </a:fontRef>
-        </p:style>
-        <p:txBody>
-          <a:bodyPr rtlCol="0" anchor="ctr"/>
-          <a:lstStyle/>
-          <a:p>
-            <a:pPr algn="ctr"/>
-            <a:r>
-              <a:rPr lang="en-US" dirty="0"/>
-              <a:t>Number of plane</a:t>
-            </a:r>
-          </a:p>
-        </p:txBody>
-      </p:sp>
-      <p:sp>
-        <p:nvSpPr>
-          <p:cNvPr id="7" name="Rectangle: Rounded Corners 6">
-            <a:extLst>
-              <a:ext uri="{FF2B5EF4-FFF2-40B4-BE49-F238E27FC236}">
-                <a16:creationId xmlns:a16="http://schemas.microsoft.com/office/drawing/2014/main" id="{F87EF0A4-080C-BF8F-3E37-BF7D34F11D6D}"/>
-              </a:ext>
-            </a:extLst>
-          </p:cNvPr>
-          <p:cNvSpPr/>
-          <p:nvPr/>
-        </p:nvSpPr>
-        <p:spPr>
-          <a:xfrm>
-            <a:off x="770562" y="2615350"/>
-            <a:ext cx="2650732" cy="369332"/>
-          </a:xfrm>
-          <a:prstGeom prst="roundRect">
-            <a:avLst/>
-          </a:prstGeom>
-        </p:spPr>
-        <p:style>
-          <a:lnRef idx="2">
-            <a:schemeClr val="accent1">
-              <a:shade val="15000"/>
-            </a:schemeClr>
-          </a:lnRef>
-          <a:fillRef idx="1">
-            <a:schemeClr val="accent1"/>
-          </a:fillRef>
-          <a:effectRef idx="0">
-            <a:schemeClr val="accent1"/>
-          </a:effectRef>
-          <a:fontRef idx="minor">
-            <a:schemeClr val="lt1"/>
-          </a:fontRef>
-        </p:style>
-        <p:txBody>
-          <a:bodyPr rtlCol="0" anchor="ctr"/>
-          <a:lstStyle/>
-          <a:p>
-            <a:pPr algn="ctr"/>
-            <a:r>
-              <a:rPr lang="en-US" dirty="0"/>
-              <a:t>Altitude</a:t>
-            </a:r>
-          </a:p>
-        </p:txBody>
-      </p:sp>
-      <p:sp>
-        <p:nvSpPr>
-          <p:cNvPr id="8" name="Rectangle: Rounded Corners 7">
-            <a:extLst>
-              <a:ext uri="{FF2B5EF4-FFF2-40B4-BE49-F238E27FC236}">
-                <a16:creationId xmlns:a16="http://schemas.microsoft.com/office/drawing/2014/main" id="{35C5691D-C7F0-5C43-B0A8-57830D6FFC53}"/>
-              </a:ext>
-            </a:extLst>
-          </p:cNvPr>
-          <p:cNvSpPr/>
-          <p:nvPr/>
-        </p:nvSpPr>
-        <p:spPr>
-          <a:xfrm>
-            <a:off x="770562" y="3071364"/>
-            <a:ext cx="2650732" cy="369332"/>
-          </a:xfrm>
-          <a:prstGeom prst="roundRect">
-            <a:avLst/>
-          </a:prstGeom>
-        </p:spPr>
-        <p:style>
-          <a:lnRef idx="2">
-            <a:schemeClr val="accent1">
-              <a:shade val="15000"/>
-            </a:schemeClr>
-          </a:lnRef>
-          <a:fillRef idx="1">
-            <a:schemeClr val="accent1"/>
-          </a:fillRef>
-          <a:effectRef idx="0">
-            <a:schemeClr val="accent1"/>
-          </a:effectRef>
-          <a:fontRef idx="minor">
-            <a:schemeClr val="lt1"/>
-          </a:fontRef>
-        </p:style>
-        <p:txBody>
-          <a:bodyPr rtlCol="0" anchor="ctr"/>
-          <a:lstStyle/>
-          <a:p>
-            <a:pPr algn="ctr"/>
-            <a:r>
-              <a:rPr lang="en-US" dirty="0"/>
-              <a:t>Sat per plane</a:t>
-            </a:r>
-          </a:p>
-        </p:txBody>
-      </p:sp>
-      <p:sp>
-        <p:nvSpPr>
-          <p:cNvPr id="9" name="Rectangle: Rounded Corners 8">
-            <a:extLst>
-              <a:ext uri="{FF2B5EF4-FFF2-40B4-BE49-F238E27FC236}">
-                <a16:creationId xmlns:a16="http://schemas.microsoft.com/office/drawing/2014/main" id="{662C2C96-69A3-B4BF-2D2A-AA0C2583315A}"/>
-              </a:ext>
-            </a:extLst>
-          </p:cNvPr>
-          <p:cNvSpPr/>
-          <p:nvPr/>
-        </p:nvSpPr>
-        <p:spPr>
-          <a:xfrm>
-            <a:off x="770562" y="3527378"/>
-            <a:ext cx="2650732" cy="369332"/>
-          </a:xfrm>
-          <a:prstGeom prst="roundRect">
-            <a:avLst/>
-          </a:prstGeom>
-        </p:spPr>
-        <p:style>
-          <a:lnRef idx="2">
-            <a:schemeClr val="accent1">
-              <a:shade val="15000"/>
-            </a:schemeClr>
-          </a:lnRef>
-          <a:fillRef idx="1">
-            <a:schemeClr val="accent1"/>
-          </a:fillRef>
-          <a:effectRef idx="0">
-            <a:schemeClr val="accent1"/>
-          </a:effectRef>
-          <a:fontRef idx="minor">
-            <a:schemeClr val="lt1"/>
-          </a:fontRef>
-        </p:style>
-        <p:txBody>
-          <a:bodyPr rtlCol="0" anchor="ctr"/>
-          <a:lstStyle/>
-          <a:p>
-            <a:pPr algn="ctr"/>
-            <a:r>
-              <a:rPr lang="en-US" dirty="0"/>
-              <a:t>Inclination</a:t>
-            </a:r>
-          </a:p>
-        </p:txBody>
-      </p:sp>
-      <p:pic>
-        <p:nvPicPr>
-          <p:cNvPr id="12" name="Graphic 11" descr="Badge Follow outline">
-            <a:extLst>
-              <a:ext uri="{FF2B5EF4-FFF2-40B4-BE49-F238E27FC236}">
-                <a16:creationId xmlns:a16="http://schemas.microsoft.com/office/drawing/2014/main" id="{311DB9C6-93D6-4DE3-79A0-AA25C58F33F0}"/>
-              </a:ext>
-            </a:extLst>
-          </p:cNvPr>
-          <p:cNvPicPr>
-            <a:picLocks noChangeAspect="1"/>
-          </p:cNvPicPr>
-          <p:nvPr/>
-        </p:nvPicPr>
-        <p:blipFill>
-          <a:blip r:embed="rId2">
-            <a:extLst>
-              <a:ext uri="{28A0092B-C50C-407E-A947-70E740481C1C}">
-                <a14:useLocalDpi xmlns:a14="http://schemas.microsoft.com/office/drawing/2010/main" val="0"/>
-              </a:ext>
-              <a:ext uri="{96DAC541-7B7A-43D3-8B79-37D633B846F1}">
-                <asvg:svgBlip xmlns:asvg="http://schemas.microsoft.com/office/drawing/2016/SVG/main" r:embed="rId3"/>
-              </a:ext>
-            </a:extLst>
-          </a:blip>
-          <a:stretch>
-            <a:fillRect/>
-          </a:stretch>
-        </p:blipFill>
-        <p:spPr>
-          <a:xfrm>
-            <a:off x="1630177" y="3904292"/>
-            <a:ext cx="914400" cy="914400"/>
-          </a:xfrm>
-          <a:prstGeom prst="rect">
-            <a:avLst/>
-          </a:prstGeom>
-        </p:spPr>
-      </p:pic>
-      <p:sp>
-        <p:nvSpPr>
-          <p:cNvPr id="13" name="Rectangle: Rounded Corners 12">
-            <a:extLst>
-              <a:ext uri="{FF2B5EF4-FFF2-40B4-BE49-F238E27FC236}">
-                <a16:creationId xmlns:a16="http://schemas.microsoft.com/office/drawing/2014/main" id="{9658A6FB-1FCB-4754-577E-327134705F14}"/>
-              </a:ext>
-            </a:extLst>
-          </p:cNvPr>
-          <p:cNvSpPr/>
-          <p:nvPr/>
-        </p:nvSpPr>
-        <p:spPr>
-          <a:xfrm>
-            <a:off x="771950" y="4834395"/>
-            <a:ext cx="2650732" cy="369332"/>
-          </a:xfrm>
-          <a:prstGeom prst="roundRect">
-            <a:avLst/>
-          </a:prstGeom>
-          <a:solidFill>
-            <a:schemeClr val="accent2"/>
-          </a:solidFill>
-        </p:spPr>
-        <p:style>
-          <a:lnRef idx="2">
-            <a:schemeClr val="accent1">
-              <a:shade val="15000"/>
-            </a:schemeClr>
-          </a:lnRef>
-          <a:fillRef idx="1">
-            <a:schemeClr val="accent1"/>
-          </a:fillRef>
-          <a:effectRef idx="0">
-            <a:schemeClr val="accent1"/>
-          </a:effectRef>
-          <a:fontRef idx="minor">
-            <a:schemeClr val="lt1"/>
-          </a:fontRef>
-        </p:style>
-        <p:txBody>
-          <a:bodyPr rtlCol="0" anchor="ctr"/>
-          <a:lstStyle/>
-          <a:p>
-            <a:pPr algn="ctr"/>
-            <a:r>
-              <a:rPr lang="en-US" dirty="0"/>
-              <a:t>Add orbit definition</a:t>
-            </a:r>
-          </a:p>
-        </p:txBody>
-      </p:sp>
-      <p:sp>
-        <p:nvSpPr>
-          <p:cNvPr id="14" name="TextBox 13">
-            <a:extLst>
-              <a:ext uri="{FF2B5EF4-FFF2-40B4-BE49-F238E27FC236}">
-                <a16:creationId xmlns:a16="http://schemas.microsoft.com/office/drawing/2014/main" id="{EDE09EB6-68DA-1919-B462-937F58650535}"/>
-              </a:ext>
-            </a:extLst>
-          </p:cNvPr>
-          <p:cNvSpPr txBox="1"/>
-          <p:nvPr/>
-        </p:nvSpPr>
-        <p:spPr>
-          <a:xfrm>
-            <a:off x="4080401" y="1717982"/>
-            <a:ext cx="1851789" cy="369332"/>
-          </a:xfrm>
-          <a:prstGeom prst="rect">
-            <a:avLst/>
-          </a:prstGeom>
-          <a:noFill/>
-        </p:spPr>
-        <p:txBody>
-          <a:bodyPr wrap="none" rtlCol="0">
-            <a:spAutoFit/>
-          </a:bodyPr>
-          <a:lstStyle/>
-          <a:p>
-            <a:r>
-              <a:rPr lang="en-US" b="1" dirty="0"/>
-              <a:t>Create Payload</a:t>
-            </a:r>
-          </a:p>
-        </p:txBody>
-      </p:sp>
-      <p:sp>
-        <p:nvSpPr>
-          <p:cNvPr id="15" name="Oval 14">
-            <a:extLst>
-              <a:ext uri="{FF2B5EF4-FFF2-40B4-BE49-F238E27FC236}">
-                <a16:creationId xmlns:a16="http://schemas.microsoft.com/office/drawing/2014/main" id="{F483D9AC-C1EA-BDFF-B70D-76DA6D4165BD}"/>
-              </a:ext>
-            </a:extLst>
-          </p:cNvPr>
-          <p:cNvSpPr/>
-          <p:nvPr/>
-        </p:nvSpPr>
-        <p:spPr>
-          <a:xfrm>
-            <a:off x="4701508" y="1170489"/>
-            <a:ext cx="559527" cy="555526"/>
-          </a:xfrm>
-          <a:prstGeom prst="ellipse">
-            <a:avLst/>
-          </a:prstGeom>
-        </p:spPr>
-        <p:style>
-          <a:lnRef idx="2">
-            <a:schemeClr val="accent1">
-              <a:shade val="15000"/>
-            </a:schemeClr>
-          </a:lnRef>
-          <a:fillRef idx="1">
-            <a:schemeClr val="accent1"/>
-          </a:fillRef>
-          <a:effectRef idx="0">
-            <a:schemeClr val="accent1"/>
-          </a:effectRef>
-          <a:fontRef idx="minor">
-            <a:schemeClr val="lt1"/>
-          </a:fontRef>
-        </p:style>
-        <p:txBody>
-          <a:bodyPr rtlCol="0" anchor="ctr"/>
-          <a:lstStyle/>
-          <a:p>
-            <a:pPr algn="ctr"/>
-            <a:r>
-              <a:rPr lang="en-US" b="1" dirty="0"/>
-              <a:t>2</a:t>
-            </a:r>
-          </a:p>
-        </p:txBody>
-      </p:sp>
-      <p:sp>
-        <p:nvSpPr>
-          <p:cNvPr id="16" name="Rectangle: Rounded Corners 15">
-            <a:extLst>
-              <a:ext uri="{FF2B5EF4-FFF2-40B4-BE49-F238E27FC236}">
-                <a16:creationId xmlns:a16="http://schemas.microsoft.com/office/drawing/2014/main" id="{7ED4F163-F712-C871-752A-F83C35CF1E77}"/>
-              </a:ext>
-            </a:extLst>
-          </p:cNvPr>
-          <p:cNvSpPr/>
-          <p:nvPr/>
-        </p:nvSpPr>
-        <p:spPr>
-          <a:xfrm>
-            <a:off x="3626326" y="2166006"/>
-            <a:ext cx="2650732" cy="369332"/>
-          </a:xfrm>
-          <a:prstGeom prst="roundRect">
-            <a:avLst/>
-          </a:prstGeom>
-        </p:spPr>
-        <p:style>
-          <a:lnRef idx="2">
-            <a:schemeClr val="accent1">
-              <a:shade val="15000"/>
-            </a:schemeClr>
-          </a:lnRef>
-          <a:fillRef idx="1">
-            <a:schemeClr val="accent1"/>
-          </a:fillRef>
-          <a:effectRef idx="0">
-            <a:schemeClr val="accent1"/>
-          </a:effectRef>
-          <a:fontRef idx="minor">
-            <a:schemeClr val="lt1"/>
-          </a:fontRef>
-        </p:style>
-        <p:txBody>
-          <a:bodyPr rtlCol="0" anchor="ctr"/>
-          <a:lstStyle/>
-          <a:p>
-            <a:pPr algn="ctr"/>
-            <a:r>
-              <a:rPr lang="en-US" dirty="0"/>
-              <a:t>Swath</a:t>
-            </a:r>
-          </a:p>
-        </p:txBody>
-      </p:sp>
-      <p:sp>
-        <p:nvSpPr>
-          <p:cNvPr id="17" name="Rectangle: Rounded Corners 16">
-            <a:extLst>
-              <a:ext uri="{FF2B5EF4-FFF2-40B4-BE49-F238E27FC236}">
-                <a16:creationId xmlns:a16="http://schemas.microsoft.com/office/drawing/2014/main" id="{E0EC4DD0-BC63-A084-EE2A-6A466FD1767C}"/>
-              </a:ext>
-            </a:extLst>
-          </p:cNvPr>
-          <p:cNvSpPr/>
-          <p:nvPr/>
-        </p:nvSpPr>
-        <p:spPr>
-          <a:xfrm>
-            <a:off x="3626326" y="2622020"/>
-            <a:ext cx="2650732" cy="369332"/>
-          </a:xfrm>
-          <a:prstGeom prst="roundRect">
-            <a:avLst/>
-          </a:prstGeom>
-        </p:spPr>
-        <p:style>
-          <a:lnRef idx="2">
-            <a:schemeClr val="accent1">
-              <a:shade val="15000"/>
-            </a:schemeClr>
-          </a:lnRef>
-          <a:fillRef idx="1">
-            <a:schemeClr val="accent1"/>
-          </a:fillRef>
-          <a:effectRef idx="0">
-            <a:schemeClr val="accent1"/>
-          </a:effectRef>
-          <a:fontRef idx="minor">
-            <a:schemeClr val="lt1"/>
-          </a:fontRef>
-        </p:style>
-        <p:txBody>
-          <a:bodyPr rtlCol="0" anchor="ctr"/>
-          <a:lstStyle/>
-          <a:p>
-            <a:pPr algn="ctr"/>
-            <a:r>
-              <a:rPr lang="en-US" dirty="0" err="1"/>
-              <a:t>Depointing</a:t>
-            </a:r>
-            <a:r>
-              <a:rPr lang="en-US" dirty="0"/>
-              <a:t> angle</a:t>
-            </a:r>
-          </a:p>
-        </p:txBody>
-      </p:sp>
-      <p:sp>
-        <p:nvSpPr>
-          <p:cNvPr id="18" name="Rectangle: Rounded Corners 17">
-            <a:extLst>
-              <a:ext uri="{FF2B5EF4-FFF2-40B4-BE49-F238E27FC236}">
-                <a16:creationId xmlns:a16="http://schemas.microsoft.com/office/drawing/2014/main" id="{C161B8DE-F1E7-DCDF-A0AD-4528C258E626}"/>
-              </a:ext>
-            </a:extLst>
-          </p:cNvPr>
-          <p:cNvSpPr/>
-          <p:nvPr/>
-        </p:nvSpPr>
-        <p:spPr>
-          <a:xfrm>
-            <a:off x="3626326" y="3078034"/>
-            <a:ext cx="2650732" cy="369332"/>
-          </a:xfrm>
-          <a:prstGeom prst="roundRect">
-            <a:avLst/>
-          </a:prstGeom>
-        </p:spPr>
-        <p:style>
-          <a:lnRef idx="2">
-            <a:schemeClr val="accent1">
-              <a:shade val="15000"/>
-            </a:schemeClr>
-          </a:lnRef>
-          <a:fillRef idx="1">
-            <a:schemeClr val="accent1"/>
-          </a:fillRef>
-          <a:effectRef idx="0">
-            <a:schemeClr val="accent1"/>
-          </a:effectRef>
-          <a:fontRef idx="minor">
-            <a:schemeClr val="lt1"/>
-          </a:fontRef>
-        </p:style>
-        <p:txBody>
-          <a:bodyPr rtlCol="0" anchor="ctr"/>
-          <a:lstStyle/>
-          <a:p>
-            <a:pPr algn="ctr"/>
-            <a:r>
-              <a:rPr lang="en-US" dirty="0"/>
-              <a:t>SAR</a:t>
-            </a:r>
-          </a:p>
-        </p:txBody>
-      </p:sp>
-      <p:sp>
-        <p:nvSpPr>
-          <p:cNvPr id="19" name="Rectangle: Rounded Corners 18">
-            <a:extLst>
-              <a:ext uri="{FF2B5EF4-FFF2-40B4-BE49-F238E27FC236}">
-                <a16:creationId xmlns:a16="http://schemas.microsoft.com/office/drawing/2014/main" id="{57A6708A-B1AE-BB50-4E26-555663D9107B}"/>
-              </a:ext>
-            </a:extLst>
-          </p:cNvPr>
-          <p:cNvSpPr/>
-          <p:nvPr/>
-        </p:nvSpPr>
-        <p:spPr>
-          <a:xfrm>
-            <a:off x="3626326" y="3534047"/>
-            <a:ext cx="2650732" cy="600627"/>
-          </a:xfrm>
-          <a:prstGeom prst="roundRect">
-            <a:avLst/>
-          </a:prstGeom>
-        </p:spPr>
-        <p:style>
-          <a:lnRef idx="2">
-            <a:schemeClr val="accent1">
-              <a:shade val="15000"/>
-            </a:schemeClr>
-          </a:lnRef>
-          <a:fillRef idx="1">
-            <a:schemeClr val="accent1"/>
-          </a:fillRef>
-          <a:effectRef idx="0">
-            <a:schemeClr val="accent1"/>
-          </a:effectRef>
-          <a:fontRef idx="minor">
-            <a:schemeClr val="lt1"/>
-          </a:fontRef>
-        </p:style>
-        <p:txBody>
-          <a:bodyPr rtlCol="0" anchor="ctr"/>
-          <a:lstStyle/>
-          <a:p>
-            <a:pPr algn="ctr"/>
-            <a:r>
-              <a:rPr lang="en-US" dirty="0"/>
-              <a:t>EO</a:t>
-            </a:r>
-          </a:p>
-        </p:txBody>
-      </p:sp>
-      <p:pic>
-        <p:nvPicPr>
-          <p:cNvPr id="20" name="Graphic 19" descr="Badge Follow outline">
-            <a:extLst>
-              <a:ext uri="{FF2B5EF4-FFF2-40B4-BE49-F238E27FC236}">
-                <a16:creationId xmlns:a16="http://schemas.microsoft.com/office/drawing/2014/main" id="{ED90F2F3-F73A-1801-0B48-CCF2A424E62E}"/>
-              </a:ext>
-            </a:extLst>
-          </p:cNvPr>
-          <p:cNvPicPr>
-            <a:picLocks noChangeAspect="1"/>
-          </p:cNvPicPr>
-          <p:nvPr/>
-        </p:nvPicPr>
-        <p:blipFill>
-          <a:blip r:embed="rId2">
-            <a:extLst>
-              <a:ext uri="{28A0092B-C50C-407E-A947-70E740481C1C}">
-                <a14:useLocalDpi xmlns:a14="http://schemas.microsoft.com/office/drawing/2010/main" val="0"/>
-              </a:ext>
-              <a:ext uri="{96DAC541-7B7A-43D3-8B79-37D633B846F1}">
-                <asvg:svgBlip xmlns:asvg="http://schemas.microsoft.com/office/drawing/2016/SVG/main" r:embed="rId3"/>
-              </a:ext>
-            </a:extLst>
-          </a:blip>
-          <a:stretch>
-            <a:fillRect/>
-          </a:stretch>
-        </p:blipFill>
-        <p:spPr>
-          <a:xfrm>
-            <a:off x="4485941" y="4696156"/>
-            <a:ext cx="914400" cy="914400"/>
-          </a:xfrm>
-          <a:prstGeom prst="rect">
-            <a:avLst/>
-          </a:prstGeom>
-        </p:spPr>
-      </p:pic>
-      <p:sp>
-        <p:nvSpPr>
-          <p:cNvPr id="21" name="Rectangle: Rounded Corners 20">
-            <a:extLst>
-              <a:ext uri="{FF2B5EF4-FFF2-40B4-BE49-F238E27FC236}">
-                <a16:creationId xmlns:a16="http://schemas.microsoft.com/office/drawing/2014/main" id="{3E336180-9BA5-B313-3263-0606058A15A9}"/>
-              </a:ext>
-            </a:extLst>
-          </p:cNvPr>
-          <p:cNvSpPr/>
-          <p:nvPr/>
-        </p:nvSpPr>
-        <p:spPr>
-          <a:xfrm>
-            <a:off x="3627714" y="5626259"/>
-            <a:ext cx="2650732" cy="369332"/>
-          </a:xfrm>
-          <a:prstGeom prst="roundRect">
-            <a:avLst/>
-          </a:prstGeom>
-          <a:solidFill>
-            <a:schemeClr val="accent2"/>
-          </a:solidFill>
-        </p:spPr>
-        <p:style>
-          <a:lnRef idx="2">
-            <a:schemeClr val="accent1">
-              <a:shade val="15000"/>
-            </a:schemeClr>
-          </a:lnRef>
-          <a:fillRef idx="1">
-            <a:schemeClr val="accent1"/>
-          </a:fillRef>
-          <a:effectRef idx="0">
-            <a:schemeClr val="accent1"/>
-          </a:effectRef>
-          <a:fontRef idx="minor">
-            <a:schemeClr val="lt1"/>
-          </a:fontRef>
-        </p:style>
-        <p:txBody>
-          <a:bodyPr rtlCol="0" anchor="ctr"/>
-          <a:lstStyle/>
-          <a:p>
-            <a:pPr algn="ctr"/>
-            <a:r>
-              <a:rPr lang="en-US" dirty="0"/>
-              <a:t>Add Payload definition</a:t>
-            </a:r>
-          </a:p>
-        </p:txBody>
-      </p:sp>
-      <p:sp>
-        <p:nvSpPr>
-          <p:cNvPr id="22" name="Rectangle: Rounded Corners 21">
-            <a:extLst>
-              <a:ext uri="{FF2B5EF4-FFF2-40B4-BE49-F238E27FC236}">
-                <a16:creationId xmlns:a16="http://schemas.microsoft.com/office/drawing/2014/main" id="{AEADE8CC-50E8-CCBC-BC46-7D990F059C4D}"/>
-              </a:ext>
-            </a:extLst>
-          </p:cNvPr>
-          <p:cNvSpPr/>
-          <p:nvPr/>
-        </p:nvSpPr>
-        <p:spPr>
-          <a:xfrm>
-            <a:off x="3626326" y="4250671"/>
-            <a:ext cx="2650732" cy="369332"/>
-          </a:xfrm>
-          <a:prstGeom prst="roundRect">
-            <a:avLst/>
-          </a:prstGeom>
-        </p:spPr>
-        <p:style>
-          <a:lnRef idx="2">
-            <a:schemeClr val="accent1">
-              <a:shade val="15000"/>
-            </a:schemeClr>
-          </a:lnRef>
-          <a:fillRef idx="1">
-            <a:schemeClr val="accent1"/>
-          </a:fillRef>
-          <a:effectRef idx="0">
-            <a:schemeClr val="accent1"/>
-          </a:effectRef>
-          <a:fontRef idx="minor">
-            <a:schemeClr val="lt1"/>
-          </a:fontRef>
-        </p:style>
-        <p:txBody>
-          <a:bodyPr rtlCol="0" anchor="ctr"/>
-          <a:lstStyle/>
-          <a:p>
-            <a:pPr algn="ctr"/>
-            <a:r>
-              <a:rPr lang="en-US" dirty="0"/>
-              <a:t>Data size</a:t>
-            </a:r>
-          </a:p>
-        </p:txBody>
-      </p:sp>
-      <p:sp>
-        <p:nvSpPr>
-          <p:cNvPr id="23" name="TextBox 22">
-            <a:extLst>
-              <a:ext uri="{FF2B5EF4-FFF2-40B4-BE49-F238E27FC236}">
-                <a16:creationId xmlns:a16="http://schemas.microsoft.com/office/drawing/2014/main" id="{6A732B22-A986-A5D3-1F1C-94F38B8403D2}"/>
-              </a:ext>
-            </a:extLst>
-          </p:cNvPr>
-          <p:cNvSpPr txBox="1"/>
-          <p:nvPr/>
-        </p:nvSpPr>
-        <p:spPr>
-          <a:xfrm>
-            <a:off x="6624869" y="1701589"/>
-            <a:ext cx="3429144" cy="369332"/>
-          </a:xfrm>
-          <a:prstGeom prst="rect">
-            <a:avLst/>
-          </a:prstGeom>
-          <a:noFill/>
-        </p:spPr>
-        <p:txBody>
-          <a:bodyPr wrap="none" rtlCol="0">
-            <a:spAutoFit/>
-          </a:bodyPr>
-          <a:lstStyle/>
-          <a:p>
-            <a:r>
-              <a:rPr lang="en-US" b="1" dirty="0"/>
-              <a:t>Associate Payload to Satellite</a:t>
-            </a:r>
-          </a:p>
-        </p:txBody>
-      </p:sp>
-      <p:sp>
-        <p:nvSpPr>
-          <p:cNvPr id="24" name="Oval 23">
-            <a:extLst>
-              <a:ext uri="{FF2B5EF4-FFF2-40B4-BE49-F238E27FC236}">
-                <a16:creationId xmlns:a16="http://schemas.microsoft.com/office/drawing/2014/main" id="{C787EF55-F5F1-B82C-28DE-C4A5C90C6C8E}"/>
-              </a:ext>
-            </a:extLst>
-          </p:cNvPr>
-          <p:cNvSpPr/>
-          <p:nvPr/>
-        </p:nvSpPr>
-        <p:spPr>
-          <a:xfrm>
-            <a:off x="8059678" y="1146063"/>
-            <a:ext cx="559527" cy="555526"/>
-          </a:xfrm>
-          <a:prstGeom prst="ellipse">
-            <a:avLst/>
-          </a:prstGeom>
-        </p:spPr>
-        <p:style>
-          <a:lnRef idx="2">
-            <a:schemeClr val="accent1">
-              <a:shade val="15000"/>
-            </a:schemeClr>
-          </a:lnRef>
-          <a:fillRef idx="1">
-            <a:schemeClr val="accent1"/>
-          </a:fillRef>
-          <a:effectRef idx="0">
-            <a:schemeClr val="accent1"/>
-          </a:effectRef>
-          <a:fontRef idx="minor">
-            <a:schemeClr val="lt1"/>
-          </a:fontRef>
-        </p:style>
-        <p:txBody>
-          <a:bodyPr rtlCol="0" anchor="ctr"/>
-          <a:lstStyle/>
-          <a:p>
-            <a:pPr algn="ctr"/>
-            <a:r>
-              <a:rPr lang="en-US" b="1" dirty="0"/>
-              <a:t>3</a:t>
-            </a:r>
+            <a:endParaRPr lang="fr-FR"/>
           </a:p>
         </p:txBody>
       </p:sp>
     </p:spTree>
     <p:extLst>
       <p:ext uri="{BB962C8B-B14F-4D97-AF65-F5344CB8AC3E}">
-        <p14:creationId xmlns:p14="http://schemas.microsoft.com/office/powerpoint/2010/main" val="1052202751"/>
+        <p14:creationId xmlns:p14="http://schemas.microsoft.com/office/powerpoint/2010/main" val="1987389154"/>
       </p:ext>
     </p:extLst>
   </p:cSld>
